--- a/Data Visualization.pptx
+++ b/Data Visualization.pptx
@@ -5,10 +5,10 @@
     <p:sldMasterId id="2147483666" r:id="rId4"/>
   </p:sldMasterIdLst>
   <p:notesMasterIdLst>
-    <p:notesMasterId r:id="rId23"/>
+    <p:notesMasterId r:id="rId24"/>
   </p:notesMasterIdLst>
   <p:handoutMasterIdLst>
-    <p:handoutMasterId r:id="rId24"/>
+    <p:handoutMasterId r:id="rId25"/>
   </p:handoutMasterIdLst>
   <p:sldIdLst>
     <p:sldId id="256" r:id="rId5"/>
@@ -26,9 +26,10 @@
     <p:sldId id="304" r:id="rId17"/>
     <p:sldId id="305" r:id="rId18"/>
     <p:sldId id="306" r:id="rId19"/>
-    <p:sldId id="307" r:id="rId20"/>
-    <p:sldId id="308" r:id="rId21"/>
-    <p:sldId id="309" r:id="rId22"/>
+    <p:sldId id="310" r:id="rId20"/>
+    <p:sldId id="307" r:id="rId21"/>
+    <p:sldId id="308" r:id="rId22"/>
+    <p:sldId id="309" r:id="rId23"/>
   </p:sldIdLst>
   <p:sldSz cx="12192000" cy="6858000"/>
   <p:notesSz cx="6858000" cy="9144000"/>
@@ -255,7 +256,7 @@
           <a:p>
             <a:fld id="{F352A77B-D33C-49B3-A83C-450AA2ED72B3}" type="datetimeFigureOut">
               <a:rPr lang="en-US" smtClean="0"/>
-              <a:t>7/22/2022</a:t>
+              <a:t>7/28/2022</a:t>
             </a:fld>
             <a:endParaRPr lang="en-US" dirty="0"/>
           </a:p>
@@ -432,7 +433,7 @@
           <a:p>
             <a:fld id="{E38D8F9A-F5CB-4EF8-A859-ED5E107B9763}" type="datetimeFigureOut">
               <a:rPr lang="en-US" smtClean="0"/>
-              <a:t>7/22/2022</a:t>
+              <a:t>7/28/2022</a:t>
             </a:fld>
             <a:endParaRPr lang="en-US" dirty="0"/>
           </a:p>
@@ -15571,7 +15572,7 @@
           <a:p>
             <a:r>
               <a:rPr lang="en-US" dirty="0"/>
-              <a:t>William Munguti</a:t>
+              <a:t>Presentation by William Munguti</a:t>
             </a:r>
           </a:p>
           <a:p>
@@ -15804,6 +15805,241 @@
   <p:clrMapOvr>
     <a:masterClrMapping/>
   </p:clrMapOvr>
+  <p:timing>
+    <p:tnLst>
+      <p:par>
+        <p:cTn id="1" dur="indefinite" restart="never" nodeType="tmRoot">
+          <p:childTnLst>
+            <p:seq concurrent="1" nextAc="seek">
+              <p:cTn id="2" dur="indefinite" nodeType="mainSeq">
+                <p:childTnLst>
+                  <p:par>
+                    <p:cTn id="3" fill="hold">
+                      <p:stCondLst>
+                        <p:cond delay="indefinite"/>
+                      </p:stCondLst>
+                      <p:childTnLst>
+                        <p:par>
+                          <p:cTn id="4" fill="hold">
+                            <p:stCondLst>
+                              <p:cond delay="0"/>
+                            </p:stCondLst>
+                            <p:childTnLst>
+                              <p:par>
+                                <p:cTn id="5" presetID="2" presetClass="entr" presetSubtype="4" fill="hold" grpId="0" nodeType="clickEffect">
+                                  <p:stCondLst>
+                                    <p:cond delay="0"/>
+                                  </p:stCondLst>
+                                  <p:childTnLst>
+                                    <p:set>
+                                      <p:cBhvr>
+                                        <p:cTn id="6" dur="1" fill="hold">
+                                          <p:stCondLst>
+                                            <p:cond delay="0"/>
+                                          </p:stCondLst>
+                                        </p:cTn>
+                                        <p:tgtEl>
+                                          <p:spTgt spid="3">
+                                            <p:txEl>
+                                              <p:pRg st="0" end="0"/>
+                                            </p:txEl>
+                                          </p:spTgt>
+                                        </p:tgtEl>
+                                        <p:attrNameLst>
+                                          <p:attrName>style.visibility</p:attrName>
+                                        </p:attrNameLst>
+                                      </p:cBhvr>
+                                      <p:to>
+                                        <p:strVal val="visible"/>
+                                      </p:to>
+                                    </p:set>
+                                    <p:anim calcmode="lin" valueType="num">
+                                      <p:cBhvr additive="base">
+                                        <p:cTn id="7" dur="1000" fill="hold"/>
+                                        <p:tgtEl>
+                                          <p:spTgt spid="3">
+                                            <p:txEl>
+                                              <p:pRg st="0" end="0"/>
+                                            </p:txEl>
+                                          </p:spTgt>
+                                        </p:tgtEl>
+                                        <p:attrNameLst>
+                                          <p:attrName>ppt_x</p:attrName>
+                                        </p:attrNameLst>
+                                      </p:cBhvr>
+                                      <p:tavLst>
+                                        <p:tav tm="0">
+                                          <p:val>
+                                            <p:strVal val="#ppt_x"/>
+                                          </p:val>
+                                        </p:tav>
+                                        <p:tav tm="100000">
+                                          <p:val>
+                                            <p:strVal val="#ppt_x"/>
+                                          </p:val>
+                                        </p:tav>
+                                      </p:tavLst>
+                                    </p:anim>
+                                    <p:anim calcmode="lin" valueType="num">
+                                      <p:cBhvr additive="base">
+                                        <p:cTn id="8" dur="1000" fill="hold"/>
+                                        <p:tgtEl>
+                                          <p:spTgt spid="3">
+                                            <p:txEl>
+                                              <p:pRg st="0" end="0"/>
+                                            </p:txEl>
+                                          </p:spTgt>
+                                        </p:tgtEl>
+                                        <p:attrNameLst>
+                                          <p:attrName>ppt_y</p:attrName>
+                                        </p:attrNameLst>
+                                      </p:cBhvr>
+                                      <p:tavLst>
+                                        <p:tav tm="0">
+                                          <p:val>
+                                            <p:strVal val="1+#ppt_h/2"/>
+                                          </p:val>
+                                        </p:tav>
+                                        <p:tav tm="100000">
+                                          <p:val>
+                                            <p:strVal val="#ppt_y"/>
+                                          </p:val>
+                                        </p:tav>
+                                      </p:tavLst>
+                                    </p:anim>
+                                  </p:childTnLst>
+                                </p:cTn>
+                              </p:par>
+                            </p:childTnLst>
+                          </p:cTn>
+                        </p:par>
+                      </p:childTnLst>
+                    </p:cTn>
+                  </p:par>
+                  <p:par>
+                    <p:cTn id="9" fill="hold">
+                      <p:stCondLst>
+                        <p:cond delay="indefinite"/>
+                      </p:stCondLst>
+                      <p:childTnLst>
+                        <p:par>
+                          <p:cTn id="10" fill="hold">
+                            <p:stCondLst>
+                              <p:cond delay="0"/>
+                            </p:stCondLst>
+                            <p:childTnLst>
+                              <p:par>
+                                <p:cTn id="11" presetID="42" presetClass="entr" presetSubtype="0" fill="hold" nodeType="clickEffect">
+                                  <p:stCondLst>
+                                    <p:cond delay="0"/>
+                                  </p:stCondLst>
+                                  <p:childTnLst>
+                                    <p:set>
+                                      <p:cBhvr>
+                                        <p:cTn id="12" dur="1" fill="hold">
+                                          <p:stCondLst>
+                                            <p:cond delay="0"/>
+                                          </p:stCondLst>
+                                        </p:cTn>
+                                        <p:tgtEl>
+                                          <p:spTgt spid="8"/>
+                                        </p:tgtEl>
+                                        <p:attrNameLst>
+                                          <p:attrName>style.visibility</p:attrName>
+                                        </p:attrNameLst>
+                                      </p:cBhvr>
+                                      <p:to>
+                                        <p:strVal val="visible"/>
+                                      </p:to>
+                                    </p:set>
+                                    <p:animEffect transition="in" filter="fade">
+                                      <p:cBhvr>
+                                        <p:cTn id="13" dur="1000"/>
+                                        <p:tgtEl>
+                                          <p:spTgt spid="8"/>
+                                        </p:tgtEl>
+                                      </p:cBhvr>
+                                    </p:animEffect>
+                                    <p:anim calcmode="lin" valueType="num">
+                                      <p:cBhvr>
+                                        <p:cTn id="14" dur="1000" fill="hold"/>
+                                        <p:tgtEl>
+                                          <p:spTgt spid="8"/>
+                                        </p:tgtEl>
+                                        <p:attrNameLst>
+                                          <p:attrName>ppt_x</p:attrName>
+                                        </p:attrNameLst>
+                                      </p:cBhvr>
+                                      <p:tavLst>
+                                        <p:tav tm="0">
+                                          <p:val>
+                                            <p:strVal val="#ppt_x"/>
+                                          </p:val>
+                                        </p:tav>
+                                        <p:tav tm="100000">
+                                          <p:val>
+                                            <p:strVal val="#ppt_x"/>
+                                          </p:val>
+                                        </p:tav>
+                                      </p:tavLst>
+                                    </p:anim>
+                                    <p:anim calcmode="lin" valueType="num">
+                                      <p:cBhvr>
+                                        <p:cTn id="15" dur="1000" fill="hold"/>
+                                        <p:tgtEl>
+                                          <p:spTgt spid="8"/>
+                                        </p:tgtEl>
+                                        <p:attrNameLst>
+                                          <p:attrName>ppt_y</p:attrName>
+                                        </p:attrNameLst>
+                                      </p:cBhvr>
+                                      <p:tavLst>
+                                        <p:tav tm="0">
+                                          <p:val>
+                                            <p:strVal val="#ppt_y+.1"/>
+                                          </p:val>
+                                        </p:tav>
+                                        <p:tav tm="100000">
+                                          <p:val>
+                                            <p:strVal val="#ppt_y"/>
+                                          </p:val>
+                                        </p:tav>
+                                      </p:tavLst>
+                                    </p:anim>
+                                  </p:childTnLst>
+                                </p:cTn>
+                              </p:par>
+                            </p:childTnLst>
+                          </p:cTn>
+                        </p:par>
+                      </p:childTnLst>
+                    </p:cTn>
+                  </p:par>
+                </p:childTnLst>
+              </p:cTn>
+              <p:prevCondLst>
+                <p:cond evt="onPrev" delay="0">
+                  <p:tgtEl>
+                    <p:sldTgt/>
+                  </p:tgtEl>
+                </p:cond>
+              </p:prevCondLst>
+              <p:nextCondLst>
+                <p:cond evt="onNext" delay="0">
+                  <p:tgtEl>
+                    <p:sldTgt/>
+                  </p:tgtEl>
+                </p:cond>
+              </p:nextCondLst>
+            </p:seq>
+          </p:childTnLst>
+        </p:cTn>
+      </p:par>
+    </p:tnLst>
+    <p:bldLst>
+      <p:bldP spid="3" grpId="0" build="p"/>
+    </p:bldLst>
+  </p:timing>
 </p:sld>
 </file>
 
@@ -16023,6 +16259,241 @@
   <p:clrMapOvr>
     <a:masterClrMapping/>
   </p:clrMapOvr>
+  <p:timing>
+    <p:tnLst>
+      <p:par>
+        <p:cTn id="1" dur="indefinite" restart="never" nodeType="tmRoot">
+          <p:childTnLst>
+            <p:seq concurrent="1" nextAc="seek">
+              <p:cTn id="2" dur="indefinite" nodeType="mainSeq">
+                <p:childTnLst>
+                  <p:par>
+                    <p:cTn id="3" fill="hold">
+                      <p:stCondLst>
+                        <p:cond delay="indefinite"/>
+                      </p:stCondLst>
+                      <p:childTnLst>
+                        <p:par>
+                          <p:cTn id="4" fill="hold">
+                            <p:stCondLst>
+                              <p:cond delay="0"/>
+                            </p:stCondLst>
+                            <p:childTnLst>
+                              <p:par>
+                                <p:cTn id="5" presetID="2" presetClass="entr" presetSubtype="4" fill="hold" grpId="0" nodeType="clickEffect">
+                                  <p:stCondLst>
+                                    <p:cond delay="0"/>
+                                  </p:stCondLst>
+                                  <p:childTnLst>
+                                    <p:set>
+                                      <p:cBhvr>
+                                        <p:cTn id="6" dur="1" fill="hold">
+                                          <p:stCondLst>
+                                            <p:cond delay="0"/>
+                                          </p:stCondLst>
+                                        </p:cTn>
+                                        <p:tgtEl>
+                                          <p:spTgt spid="3">
+                                            <p:txEl>
+                                              <p:pRg st="0" end="0"/>
+                                            </p:txEl>
+                                          </p:spTgt>
+                                        </p:tgtEl>
+                                        <p:attrNameLst>
+                                          <p:attrName>style.visibility</p:attrName>
+                                        </p:attrNameLst>
+                                      </p:cBhvr>
+                                      <p:to>
+                                        <p:strVal val="visible"/>
+                                      </p:to>
+                                    </p:set>
+                                    <p:anim calcmode="lin" valueType="num">
+                                      <p:cBhvr additive="base">
+                                        <p:cTn id="7" dur="1000" fill="hold"/>
+                                        <p:tgtEl>
+                                          <p:spTgt spid="3">
+                                            <p:txEl>
+                                              <p:pRg st="0" end="0"/>
+                                            </p:txEl>
+                                          </p:spTgt>
+                                        </p:tgtEl>
+                                        <p:attrNameLst>
+                                          <p:attrName>ppt_x</p:attrName>
+                                        </p:attrNameLst>
+                                      </p:cBhvr>
+                                      <p:tavLst>
+                                        <p:tav tm="0">
+                                          <p:val>
+                                            <p:strVal val="#ppt_x"/>
+                                          </p:val>
+                                        </p:tav>
+                                        <p:tav tm="100000">
+                                          <p:val>
+                                            <p:strVal val="#ppt_x"/>
+                                          </p:val>
+                                        </p:tav>
+                                      </p:tavLst>
+                                    </p:anim>
+                                    <p:anim calcmode="lin" valueType="num">
+                                      <p:cBhvr additive="base">
+                                        <p:cTn id="8" dur="1000" fill="hold"/>
+                                        <p:tgtEl>
+                                          <p:spTgt spid="3">
+                                            <p:txEl>
+                                              <p:pRg st="0" end="0"/>
+                                            </p:txEl>
+                                          </p:spTgt>
+                                        </p:tgtEl>
+                                        <p:attrNameLst>
+                                          <p:attrName>ppt_y</p:attrName>
+                                        </p:attrNameLst>
+                                      </p:cBhvr>
+                                      <p:tavLst>
+                                        <p:tav tm="0">
+                                          <p:val>
+                                            <p:strVal val="1+#ppt_h/2"/>
+                                          </p:val>
+                                        </p:tav>
+                                        <p:tav tm="100000">
+                                          <p:val>
+                                            <p:strVal val="#ppt_y"/>
+                                          </p:val>
+                                        </p:tav>
+                                      </p:tavLst>
+                                    </p:anim>
+                                  </p:childTnLst>
+                                </p:cTn>
+                              </p:par>
+                            </p:childTnLst>
+                          </p:cTn>
+                        </p:par>
+                      </p:childTnLst>
+                    </p:cTn>
+                  </p:par>
+                  <p:par>
+                    <p:cTn id="9" fill="hold">
+                      <p:stCondLst>
+                        <p:cond delay="indefinite"/>
+                      </p:stCondLst>
+                      <p:childTnLst>
+                        <p:par>
+                          <p:cTn id="10" fill="hold">
+                            <p:stCondLst>
+                              <p:cond delay="0"/>
+                            </p:stCondLst>
+                            <p:childTnLst>
+                              <p:par>
+                                <p:cTn id="11" presetID="42" presetClass="entr" presetSubtype="0" fill="hold" nodeType="clickEffect">
+                                  <p:stCondLst>
+                                    <p:cond delay="0"/>
+                                  </p:stCondLst>
+                                  <p:childTnLst>
+                                    <p:set>
+                                      <p:cBhvr>
+                                        <p:cTn id="12" dur="1" fill="hold">
+                                          <p:stCondLst>
+                                            <p:cond delay="0"/>
+                                          </p:stCondLst>
+                                        </p:cTn>
+                                        <p:tgtEl>
+                                          <p:spTgt spid="8"/>
+                                        </p:tgtEl>
+                                        <p:attrNameLst>
+                                          <p:attrName>style.visibility</p:attrName>
+                                        </p:attrNameLst>
+                                      </p:cBhvr>
+                                      <p:to>
+                                        <p:strVal val="visible"/>
+                                      </p:to>
+                                    </p:set>
+                                    <p:animEffect transition="in" filter="fade">
+                                      <p:cBhvr>
+                                        <p:cTn id="13" dur="1000"/>
+                                        <p:tgtEl>
+                                          <p:spTgt spid="8"/>
+                                        </p:tgtEl>
+                                      </p:cBhvr>
+                                    </p:animEffect>
+                                    <p:anim calcmode="lin" valueType="num">
+                                      <p:cBhvr>
+                                        <p:cTn id="14" dur="1000" fill="hold"/>
+                                        <p:tgtEl>
+                                          <p:spTgt spid="8"/>
+                                        </p:tgtEl>
+                                        <p:attrNameLst>
+                                          <p:attrName>ppt_x</p:attrName>
+                                        </p:attrNameLst>
+                                      </p:cBhvr>
+                                      <p:tavLst>
+                                        <p:tav tm="0">
+                                          <p:val>
+                                            <p:strVal val="#ppt_x"/>
+                                          </p:val>
+                                        </p:tav>
+                                        <p:tav tm="100000">
+                                          <p:val>
+                                            <p:strVal val="#ppt_x"/>
+                                          </p:val>
+                                        </p:tav>
+                                      </p:tavLst>
+                                    </p:anim>
+                                    <p:anim calcmode="lin" valueType="num">
+                                      <p:cBhvr>
+                                        <p:cTn id="15" dur="1000" fill="hold"/>
+                                        <p:tgtEl>
+                                          <p:spTgt spid="8"/>
+                                        </p:tgtEl>
+                                        <p:attrNameLst>
+                                          <p:attrName>ppt_y</p:attrName>
+                                        </p:attrNameLst>
+                                      </p:cBhvr>
+                                      <p:tavLst>
+                                        <p:tav tm="0">
+                                          <p:val>
+                                            <p:strVal val="#ppt_y+.1"/>
+                                          </p:val>
+                                        </p:tav>
+                                        <p:tav tm="100000">
+                                          <p:val>
+                                            <p:strVal val="#ppt_y"/>
+                                          </p:val>
+                                        </p:tav>
+                                      </p:tavLst>
+                                    </p:anim>
+                                  </p:childTnLst>
+                                </p:cTn>
+                              </p:par>
+                            </p:childTnLst>
+                          </p:cTn>
+                        </p:par>
+                      </p:childTnLst>
+                    </p:cTn>
+                  </p:par>
+                </p:childTnLst>
+              </p:cTn>
+              <p:prevCondLst>
+                <p:cond evt="onPrev" delay="0">
+                  <p:tgtEl>
+                    <p:sldTgt/>
+                  </p:tgtEl>
+                </p:cond>
+              </p:prevCondLst>
+              <p:nextCondLst>
+                <p:cond evt="onNext" delay="0">
+                  <p:tgtEl>
+                    <p:sldTgt/>
+                  </p:tgtEl>
+                </p:cond>
+              </p:nextCondLst>
+            </p:seq>
+          </p:childTnLst>
+        </p:cTn>
+      </p:par>
+    </p:tnLst>
+    <p:bldLst>
+      <p:bldP spid="3" grpId="0" build="p"/>
+    </p:bldLst>
+  </p:timing>
 </p:sld>
 </file>
 
@@ -16147,93 +16618,6 @@
           </a:p>
         </p:txBody>
       </p:sp>
-      <p:sp>
-        <p:nvSpPr>
-          <p:cNvPr id="4" name="Date Placeholder 3">
-            <a:extLst>
-              <a:ext uri="{FF2B5EF4-FFF2-40B4-BE49-F238E27FC236}">
-                <a16:creationId xmlns:a16="http://schemas.microsoft.com/office/drawing/2014/main" id="{99C413E2-188F-9114-20BA-4B88C94B1A30}"/>
-              </a:ext>
-            </a:extLst>
-          </p:cNvPr>
-          <p:cNvSpPr>
-            <a:spLocks noGrp="1"/>
-          </p:cNvSpPr>
-          <p:nvPr>
-            <p:ph type="dt" sz="half" idx="10"/>
-          </p:nvPr>
-        </p:nvSpPr>
-        <p:spPr/>
-        <p:txBody>
-          <a:bodyPr/>
-          <a:lstStyle/>
-          <a:p>
-            <a:r>
-              <a:rPr lang="en-US"/>
-              <a:t>20XX</a:t>
-            </a:r>
-            <a:endParaRPr lang="en-US" dirty="0"/>
-          </a:p>
-        </p:txBody>
-      </p:sp>
-      <p:sp>
-        <p:nvSpPr>
-          <p:cNvPr id="5" name="Footer Placeholder 4">
-            <a:extLst>
-              <a:ext uri="{FF2B5EF4-FFF2-40B4-BE49-F238E27FC236}">
-                <a16:creationId xmlns:a16="http://schemas.microsoft.com/office/drawing/2014/main" id="{BB0C08E3-06AD-CA6C-7EBB-C558F584E31C}"/>
-              </a:ext>
-            </a:extLst>
-          </p:cNvPr>
-          <p:cNvSpPr>
-            <a:spLocks noGrp="1"/>
-          </p:cNvSpPr>
-          <p:nvPr>
-            <p:ph type="ftr" sz="quarter" idx="11"/>
-          </p:nvPr>
-        </p:nvSpPr>
-        <p:spPr/>
-        <p:txBody>
-          <a:bodyPr/>
-          <a:lstStyle/>
-          <a:p>
-            <a:r>
-              <a:rPr lang="en-US"/>
-              <a:t>Pitch Deck</a:t>
-            </a:r>
-            <a:endParaRPr lang="en-US" dirty="0"/>
-          </a:p>
-        </p:txBody>
-      </p:sp>
-      <p:sp>
-        <p:nvSpPr>
-          <p:cNvPr id="6" name="Slide Number Placeholder 5">
-            <a:extLst>
-              <a:ext uri="{FF2B5EF4-FFF2-40B4-BE49-F238E27FC236}">
-                <a16:creationId xmlns:a16="http://schemas.microsoft.com/office/drawing/2014/main" id="{ECBE4F8D-89C1-BFF5-E3C6-EAFBFB0D7A7F}"/>
-              </a:ext>
-            </a:extLst>
-          </p:cNvPr>
-          <p:cNvSpPr>
-            <a:spLocks noGrp="1"/>
-          </p:cNvSpPr>
-          <p:nvPr>
-            <p:ph type="sldNum" sz="quarter" idx="12"/>
-          </p:nvPr>
-        </p:nvSpPr>
-        <p:spPr/>
-        <p:txBody>
-          <a:bodyPr/>
-          <a:lstStyle/>
-          <a:p>
-            <a:fld id="{B5CEABB6-07DC-46E8-9B57-56EC44A396E5}" type="slidenum">
-              <a:rPr lang="en-US" smtClean="0"/>
-              <a:t>12</a:t>
-            </a:fld>
-            <a:endParaRPr lang="en-US" dirty="0"/>
-          </a:p>
-        </p:txBody>
-      </p:sp>
     </p:spTree>
     <p:extLst>
       <p:ext uri="{BB962C8B-B14F-4D97-AF65-F5344CB8AC3E}">
@@ -16244,6 +16628,348 @@
   <p:clrMapOvr>
     <a:masterClrMapping/>
   </p:clrMapOvr>
+  <p:timing>
+    <p:tnLst>
+      <p:par>
+        <p:cTn id="1" dur="indefinite" restart="never" nodeType="tmRoot">
+          <p:childTnLst>
+            <p:seq concurrent="1" nextAc="seek">
+              <p:cTn id="2" dur="indefinite" nodeType="mainSeq">
+                <p:childTnLst>
+                  <p:par>
+                    <p:cTn id="3" fill="hold">
+                      <p:stCondLst>
+                        <p:cond delay="indefinite"/>
+                      </p:stCondLst>
+                      <p:childTnLst>
+                        <p:par>
+                          <p:cTn id="4" fill="hold">
+                            <p:stCondLst>
+                              <p:cond delay="0"/>
+                            </p:stCondLst>
+                            <p:childTnLst>
+                              <p:par>
+                                <p:cTn id="5" presetID="2" presetClass="entr" presetSubtype="4" fill="hold" grpId="0" nodeType="clickEffect">
+                                  <p:stCondLst>
+                                    <p:cond delay="0"/>
+                                  </p:stCondLst>
+                                  <p:childTnLst>
+                                    <p:set>
+                                      <p:cBhvr>
+                                        <p:cTn id="6" dur="1" fill="hold">
+                                          <p:stCondLst>
+                                            <p:cond delay="0"/>
+                                          </p:stCondLst>
+                                        </p:cTn>
+                                        <p:tgtEl>
+                                          <p:spTgt spid="3">
+                                            <p:txEl>
+                                              <p:pRg st="0" end="0"/>
+                                            </p:txEl>
+                                          </p:spTgt>
+                                        </p:tgtEl>
+                                        <p:attrNameLst>
+                                          <p:attrName>style.visibility</p:attrName>
+                                        </p:attrNameLst>
+                                      </p:cBhvr>
+                                      <p:to>
+                                        <p:strVal val="visible"/>
+                                      </p:to>
+                                    </p:set>
+                                    <p:anim calcmode="lin" valueType="num">
+                                      <p:cBhvr additive="base">
+                                        <p:cTn id="7" dur="1000" fill="hold"/>
+                                        <p:tgtEl>
+                                          <p:spTgt spid="3">
+                                            <p:txEl>
+                                              <p:pRg st="0" end="0"/>
+                                            </p:txEl>
+                                          </p:spTgt>
+                                        </p:tgtEl>
+                                        <p:attrNameLst>
+                                          <p:attrName>ppt_x</p:attrName>
+                                        </p:attrNameLst>
+                                      </p:cBhvr>
+                                      <p:tavLst>
+                                        <p:tav tm="0">
+                                          <p:val>
+                                            <p:strVal val="#ppt_x"/>
+                                          </p:val>
+                                        </p:tav>
+                                        <p:tav tm="100000">
+                                          <p:val>
+                                            <p:strVal val="#ppt_x"/>
+                                          </p:val>
+                                        </p:tav>
+                                      </p:tavLst>
+                                    </p:anim>
+                                    <p:anim calcmode="lin" valueType="num">
+                                      <p:cBhvr additive="base">
+                                        <p:cTn id="8" dur="1000" fill="hold"/>
+                                        <p:tgtEl>
+                                          <p:spTgt spid="3">
+                                            <p:txEl>
+                                              <p:pRg st="0" end="0"/>
+                                            </p:txEl>
+                                          </p:spTgt>
+                                        </p:tgtEl>
+                                        <p:attrNameLst>
+                                          <p:attrName>ppt_y</p:attrName>
+                                        </p:attrNameLst>
+                                      </p:cBhvr>
+                                      <p:tavLst>
+                                        <p:tav tm="0">
+                                          <p:val>
+                                            <p:strVal val="1+#ppt_h/2"/>
+                                          </p:val>
+                                        </p:tav>
+                                        <p:tav tm="100000">
+                                          <p:val>
+                                            <p:strVal val="#ppt_y"/>
+                                          </p:val>
+                                        </p:tav>
+                                      </p:tavLst>
+                                    </p:anim>
+                                  </p:childTnLst>
+                                </p:cTn>
+                              </p:par>
+                            </p:childTnLst>
+                          </p:cTn>
+                        </p:par>
+                      </p:childTnLst>
+                    </p:cTn>
+                  </p:par>
+                  <p:par>
+                    <p:cTn id="9" fill="hold">
+                      <p:stCondLst>
+                        <p:cond delay="indefinite"/>
+                      </p:stCondLst>
+                      <p:childTnLst>
+                        <p:par>
+                          <p:cTn id="10" fill="hold">
+                            <p:stCondLst>
+                              <p:cond delay="0"/>
+                            </p:stCondLst>
+                            <p:childTnLst>
+                              <p:par>
+                                <p:cTn id="11" presetID="2" presetClass="entr" presetSubtype="4" fill="hold" grpId="0" nodeType="clickEffect">
+                                  <p:stCondLst>
+                                    <p:cond delay="0"/>
+                                  </p:stCondLst>
+                                  <p:childTnLst>
+                                    <p:set>
+                                      <p:cBhvr>
+                                        <p:cTn id="12" dur="1" fill="hold">
+                                          <p:stCondLst>
+                                            <p:cond delay="0"/>
+                                          </p:stCondLst>
+                                        </p:cTn>
+                                        <p:tgtEl>
+                                          <p:spTgt spid="3">
+                                            <p:txEl>
+                                              <p:pRg st="1" end="1"/>
+                                            </p:txEl>
+                                          </p:spTgt>
+                                        </p:tgtEl>
+                                        <p:attrNameLst>
+                                          <p:attrName>style.visibility</p:attrName>
+                                        </p:attrNameLst>
+                                      </p:cBhvr>
+                                      <p:to>
+                                        <p:strVal val="visible"/>
+                                      </p:to>
+                                    </p:set>
+                                    <p:anim calcmode="lin" valueType="num">
+                                      <p:cBhvr additive="base">
+                                        <p:cTn id="13" dur="1000" fill="hold"/>
+                                        <p:tgtEl>
+                                          <p:spTgt spid="3">
+                                            <p:txEl>
+                                              <p:pRg st="1" end="1"/>
+                                            </p:txEl>
+                                          </p:spTgt>
+                                        </p:tgtEl>
+                                        <p:attrNameLst>
+                                          <p:attrName>ppt_x</p:attrName>
+                                        </p:attrNameLst>
+                                      </p:cBhvr>
+                                      <p:tavLst>
+                                        <p:tav tm="0">
+                                          <p:val>
+                                            <p:strVal val="#ppt_x"/>
+                                          </p:val>
+                                        </p:tav>
+                                        <p:tav tm="100000">
+                                          <p:val>
+                                            <p:strVal val="#ppt_x"/>
+                                          </p:val>
+                                        </p:tav>
+                                      </p:tavLst>
+                                    </p:anim>
+                                    <p:anim calcmode="lin" valueType="num">
+                                      <p:cBhvr additive="base">
+                                        <p:cTn id="14" dur="1000" fill="hold"/>
+                                        <p:tgtEl>
+                                          <p:spTgt spid="3">
+                                            <p:txEl>
+                                              <p:pRg st="1" end="1"/>
+                                            </p:txEl>
+                                          </p:spTgt>
+                                        </p:tgtEl>
+                                        <p:attrNameLst>
+                                          <p:attrName>ppt_y</p:attrName>
+                                        </p:attrNameLst>
+                                      </p:cBhvr>
+                                      <p:tavLst>
+                                        <p:tav tm="0">
+                                          <p:val>
+                                            <p:strVal val="1+#ppt_h/2"/>
+                                          </p:val>
+                                        </p:tav>
+                                        <p:tav tm="100000">
+                                          <p:val>
+                                            <p:strVal val="#ppt_y"/>
+                                          </p:val>
+                                        </p:tav>
+                                      </p:tavLst>
+                                    </p:anim>
+                                  </p:childTnLst>
+                                </p:cTn>
+                              </p:par>
+                            </p:childTnLst>
+                          </p:cTn>
+                        </p:par>
+                      </p:childTnLst>
+                    </p:cTn>
+                  </p:par>
+                  <p:par>
+                    <p:cTn id="15" fill="hold">
+                      <p:stCondLst>
+                        <p:cond delay="indefinite"/>
+                      </p:stCondLst>
+                      <p:childTnLst>
+                        <p:par>
+                          <p:cTn id="16" fill="hold">
+                            <p:stCondLst>
+                              <p:cond delay="0"/>
+                            </p:stCondLst>
+                            <p:childTnLst>
+                              <p:par>
+                                <p:cTn id="17" presetID="2" presetClass="entr" presetSubtype="4" fill="hold" grpId="0" nodeType="clickEffect">
+                                  <p:stCondLst>
+                                    <p:cond delay="0"/>
+                                  </p:stCondLst>
+                                  <p:childTnLst>
+                                    <p:set>
+                                      <p:cBhvr>
+                                        <p:cTn id="18" dur="1" fill="hold">
+                                          <p:stCondLst>
+                                            <p:cond delay="0"/>
+                                          </p:stCondLst>
+                                        </p:cTn>
+                                        <p:tgtEl>
+                                          <p:spTgt spid="3">
+                                            <p:txEl>
+                                              <p:pRg st="2" end="2"/>
+                                            </p:txEl>
+                                          </p:spTgt>
+                                        </p:tgtEl>
+                                        <p:attrNameLst>
+                                          <p:attrName>style.visibility</p:attrName>
+                                        </p:attrNameLst>
+                                      </p:cBhvr>
+                                      <p:to>
+                                        <p:strVal val="visible"/>
+                                      </p:to>
+                                    </p:set>
+                                    <p:anim calcmode="lin" valueType="num">
+                                      <p:cBhvr additive="base">
+                                        <p:cTn id="19" dur="1000" fill="hold"/>
+                                        <p:tgtEl>
+                                          <p:spTgt spid="3">
+                                            <p:txEl>
+                                              <p:pRg st="2" end="2"/>
+                                            </p:txEl>
+                                          </p:spTgt>
+                                        </p:tgtEl>
+                                        <p:attrNameLst>
+                                          <p:attrName>ppt_x</p:attrName>
+                                        </p:attrNameLst>
+                                      </p:cBhvr>
+                                      <p:tavLst>
+                                        <p:tav tm="0">
+                                          <p:val>
+                                            <p:strVal val="#ppt_x"/>
+                                          </p:val>
+                                        </p:tav>
+                                        <p:tav tm="100000">
+                                          <p:val>
+                                            <p:strVal val="#ppt_x"/>
+                                          </p:val>
+                                        </p:tav>
+                                      </p:tavLst>
+                                    </p:anim>
+                                    <p:anim calcmode="lin" valueType="num">
+                                      <p:cBhvr additive="base">
+                                        <p:cTn id="20" dur="1000" fill="hold"/>
+                                        <p:tgtEl>
+                                          <p:spTgt spid="3">
+                                            <p:txEl>
+                                              <p:pRg st="2" end="2"/>
+                                            </p:txEl>
+                                          </p:spTgt>
+                                        </p:tgtEl>
+                                        <p:attrNameLst>
+                                          <p:attrName>ppt_y</p:attrName>
+                                        </p:attrNameLst>
+                                      </p:cBhvr>
+                                      <p:tavLst>
+                                        <p:tav tm="0">
+                                          <p:val>
+                                            <p:strVal val="1+#ppt_h/2"/>
+                                          </p:val>
+                                        </p:tav>
+                                        <p:tav tm="100000">
+                                          <p:val>
+                                            <p:strVal val="#ppt_y"/>
+                                          </p:val>
+                                        </p:tav>
+                                      </p:tavLst>
+                                    </p:anim>
+                                  </p:childTnLst>
+                                </p:cTn>
+                              </p:par>
+                            </p:childTnLst>
+                          </p:cTn>
+                        </p:par>
+                      </p:childTnLst>
+                    </p:cTn>
+                  </p:par>
+                </p:childTnLst>
+              </p:cTn>
+              <p:prevCondLst>
+                <p:cond evt="onPrev" delay="0">
+                  <p:tgtEl>
+                    <p:sldTgt/>
+                  </p:tgtEl>
+                </p:cond>
+              </p:prevCondLst>
+              <p:nextCondLst>
+                <p:cond evt="onNext" delay="0">
+                  <p:tgtEl>
+                    <p:sldTgt/>
+                  </p:tgtEl>
+                </p:cond>
+              </p:nextCondLst>
+            </p:seq>
+          </p:childTnLst>
+        </p:cTn>
+      </p:par>
+    </p:tnLst>
+    <p:bldLst>
+      <p:bldP spid="3" grpId="0" build="p"/>
+    </p:bldLst>
+  </p:timing>
 </p:sld>
 </file>
 
@@ -16406,8 +17132,8 @@
         </p:blipFill>
         <p:spPr>
           <a:xfrm>
-            <a:off x="1536891" y="1925108"/>
-            <a:ext cx="9118217" cy="3847571"/>
+            <a:off x="2206594" y="2697841"/>
+            <a:ext cx="7432576" cy="3136289"/>
           </a:xfrm>
           <a:prstGeom prst="rect">
             <a:avLst/>
@@ -16424,6 +17150,135 @@
   <p:clrMapOvr>
     <a:masterClrMapping/>
   </p:clrMapOvr>
+  <p:timing>
+    <p:tnLst>
+      <p:par>
+        <p:cTn id="1" dur="indefinite" restart="never" nodeType="tmRoot">
+          <p:childTnLst>
+            <p:seq concurrent="1" nextAc="seek">
+              <p:cTn id="2" dur="indefinite" nodeType="mainSeq">
+                <p:childTnLst>
+                  <p:par>
+                    <p:cTn id="3" fill="hold">
+                      <p:stCondLst>
+                        <p:cond delay="indefinite"/>
+                      </p:stCondLst>
+                      <p:childTnLst>
+                        <p:par>
+                          <p:cTn id="4" fill="hold">
+                            <p:stCondLst>
+                              <p:cond delay="0"/>
+                            </p:stCondLst>
+                            <p:childTnLst>
+                              <p:par>
+                                <p:cTn id="5" presetID="42" presetClass="entr" presetSubtype="0" fill="hold" nodeType="clickEffect">
+                                  <p:stCondLst>
+                                    <p:cond delay="0"/>
+                                  </p:stCondLst>
+                                  <p:childTnLst>
+                                    <p:set>
+                                      <p:cBhvr>
+                                        <p:cTn id="6" dur="1" fill="hold">
+                                          <p:stCondLst>
+                                            <p:cond delay="0"/>
+                                          </p:stCondLst>
+                                        </p:cTn>
+                                        <p:tgtEl>
+                                          <p:spTgt spid="8"/>
+                                        </p:tgtEl>
+                                        <p:attrNameLst>
+                                          <p:attrName>style.visibility</p:attrName>
+                                        </p:attrNameLst>
+                                      </p:cBhvr>
+                                      <p:to>
+                                        <p:strVal val="visible"/>
+                                      </p:to>
+                                    </p:set>
+                                    <p:animEffect transition="in" filter="fade">
+                                      <p:cBhvr>
+                                        <p:cTn id="7" dur="1000"/>
+                                        <p:tgtEl>
+                                          <p:spTgt spid="8"/>
+                                        </p:tgtEl>
+                                      </p:cBhvr>
+                                    </p:animEffect>
+                                    <p:anim calcmode="lin" valueType="num">
+                                      <p:cBhvr>
+                                        <p:cTn id="8" dur="1000" fill="hold"/>
+                                        <p:tgtEl>
+                                          <p:spTgt spid="8"/>
+                                        </p:tgtEl>
+                                        <p:attrNameLst>
+                                          <p:attrName>ppt_x</p:attrName>
+                                        </p:attrNameLst>
+                                      </p:cBhvr>
+                                      <p:tavLst>
+                                        <p:tav tm="0">
+                                          <p:val>
+                                            <p:strVal val="#ppt_x"/>
+                                          </p:val>
+                                        </p:tav>
+                                        <p:tav tm="100000">
+                                          <p:val>
+                                            <p:strVal val="#ppt_x"/>
+                                          </p:val>
+                                        </p:tav>
+                                      </p:tavLst>
+                                    </p:anim>
+                                    <p:anim calcmode="lin" valueType="num">
+                                      <p:cBhvr>
+                                        <p:cTn id="9" dur="1000" fill="hold"/>
+                                        <p:tgtEl>
+                                          <p:spTgt spid="8"/>
+                                        </p:tgtEl>
+                                        <p:attrNameLst>
+                                          <p:attrName>ppt_y</p:attrName>
+                                        </p:attrNameLst>
+                                      </p:cBhvr>
+                                      <p:tavLst>
+                                        <p:tav tm="0">
+                                          <p:val>
+                                            <p:strVal val="#ppt_y+.1"/>
+                                          </p:val>
+                                        </p:tav>
+                                        <p:tav tm="100000">
+                                          <p:val>
+                                            <p:strVal val="#ppt_y"/>
+                                          </p:val>
+                                        </p:tav>
+                                      </p:tavLst>
+                                    </p:anim>
+                                  </p:childTnLst>
+                                </p:cTn>
+                              </p:par>
+                            </p:childTnLst>
+                          </p:cTn>
+                        </p:par>
+                      </p:childTnLst>
+                    </p:cTn>
+                  </p:par>
+                </p:childTnLst>
+              </p:cTn>
+              <p:prevCondLst>
+                <p:cond evt="onPrev" delay="0">
+                  <p:tgtEl>
+                    <p:sldTgt/>
+                  </p:tgtEl>
+                </p:cond>
+              </p:prevCondLst>
+              <p:nextCondLst>
+                <p:cond evt="onNext" delay="0">
+                  <p:tgtEl>
+                    <p:sldTgt/>
+                  </p:tgtEl>
+                </p:cond>
+              </p:nextCondLst>
+            </p:seq>
+          </p:childTnLst>
+        </p:cTn>
+      </p:par>
+    </p:tnLst>
+  </p:timing>
 </p:sld>
 </file>
 
@@ -16581,95 +17436,8 @@
             </a:pPr>
             <a:r>
               <a:rPr lang="en-US" sz="2000" dirty="0"/>
-              <a:t>Bubble maps,</a:t>
-            </a:r>
-          </a:p>
-        </p:txBody>
-      </p:sp>
-      <p:sp>
-        <p:nvSpPr>
-          <p:cNvPr id="4" name="Date Placeholder 3">
-            <a:extLst>
-              <a:ext uri="{FF2B5EF4-FFF2-40B4-BE49-F238E27FC236}">
-                <a16:creationId xmlns:a16="http://schemas.microsoft.com/office/drawing/2014/main" id="{DA5AD55D-FC04-006D-2DA1-45D2E90A187C}"/>
-              </a:ext>
-            </a:extLst>
-          </p:cNvPr>
-          <p:cNvSpPr>
-            <a:spLocks noGrp="1"/>
-          </p:cNvSpPr>
-          <p:nvPr>
-            <p:ph type="dt" sz="half" idx="10"/>
-          </p:nvPr>
-        </p:nvSpPr>
-        <p:spPr/>
-        <p:txBody>
-          <a:bodyPr/>
-          <a:lstStyle/>
-          <a:p>
-            <a:r>
-              <a:rPr lang="en-US"/>
-              <a:t>20XX</a:t>
-            </a:r>
-            <a:endParaRPr lang="en-US" dirty="0"/>
-          </a:p>
-        </p:txBody>
-      </p:sp>
-      <p:sp>
-        <p:nvSpPr>
-          <p:cNvPr id="5" name="Footer Placeholder 4">
-            <a:extLst>
-              <a:ext uri="{FF2B5EF4-FFF2-40B4-BE49-F238E27FC236}">
-                <a16:creationId xmlns:a16="http://schemas.microsoft.com/office/drawing/2014/main" id="{17BA3801-3B06-99A8-E43C-E0767B9529B8}"/>
-              </a:ext>
-            </a:extLst>
-          </p:cNvPr>
-          <p:cNvSpPr>
-            <a:spLocks noGrp="1"/>
-          </p:cNvSpPr>
-          <p:nvPr>
-            <p:ph type="ftr" sz="quarter" idx="11"/>
-          </p:nvPr>
-        </p:nvSpPr>
-        <p:spPr/>
-        <p:txBody>
-          <a:bodyPr/>
-          <a:lstStyle/>
-          <a:p>
-            <a:r>
-              <a:rPr lang="en-US"/>
-              <a:t>Pitch Deck</a:t>
-            </a:r>
-            <a:endParaRPr lang="en-US" dirty="0"/>
-          </a:p>
-        </p:txBody>
-      </p:sp>
-      <p:sp>
-        <p:nvSpPr>
-          <p:cNvPr id="6" name="Slide Number Placeholder 5">
-            <a:extLst>
-              <a:ext uri="{FF2B5EF4-FFF2-40B4-BE49-F238E27FC236}">
-                <a16:creationId xmlns:a16="http://schemas.microsoft.com/office/drawing/2014/main" id="{47D3F4DB-5ED1-4600-5756-8D7163599DFC}"/>
-              </a:ext>
-            </a:extLst>
-          </p:cNvPr>
-          <p:cNvSpPr>
-            <a:spLocks noGrp="1"/>
-          </p:cNvSpPr>
-          <p:nvPr>
-            <p:ph type="sldNum" sz="quarter" idx="12"/>
-          </p:nvPr>
-        </p:nvSpPr>
-        <p:spPr/>
-        <p:txBody>
-          <a:bodyPr/>
-          <a:lstStyle/>
-          <a:p>
-            <a:fld id="{B5CEABB6-07DC-46E8-9B57-56EC44A396E5}" type="slidenum">
-              <a:rPr lang="en-US" smtClean="0"/>
-              <a:t>14</a:t>
-            </a:fld>
-            <a:endParaRPr lang="en-US" dirty="0"/>
+              <a:t>Bubble maps</a:t>
+            </a:r>
           </a:p>
         </p:txBody>
       </p:sp>
@@ -16683,6 +17451,752 @@
   <p:clrMapOvr>
     <a:masterClrMapping/>
   </p:clrMapOvr>
+  <p:timing>
+    <p:tnLst>
+      <p:par>
+        <p:cTn id="1" dur="indefinite" restart="never" nodeType="tmRoot">
+          <p:childTnLst>
+            <p:seq concurrent="1" nextAc="seek">
+              <p:cTn id="2" dur="indefinite" nodeType="mainSeq">
+                <p:childTnLst>
+                  <p:par>
+                    <p:cTn id="3" fill="hold">
+                      <p:stCondLst>
+                        <p:cond delay="indefinite"/>
+                      </p:stCondLst>
+                      <p:childTnLst>
+                        <p:par>
+                          <p:cTn id="4" fill="hold">
+                            <p:stCondLst>
+                              <p:cond delay="0"/>
+                            </p:stCondLst>
+                            <p:childTnLst>
+                              <p:par>
+                                <p:cTn id="5" presetID="2" presetClass="entr" presetSubtype="4" fill="hold" nodeType="clickEffect">
+                                  <p:stCondLst>
+                                    <p:cond delay="0"/>
+                                  </p:stCondLst>
+                                  <p:childTnLst>
+                                    <p:set>
+                                      <p:cBhvr>
+                                        <p:cTn id="6" dur="1" fill="hold">
+                                          <p:stCondLst>
+                                            <p:cond delay="0"/>
+                                          </p:stCondLst>
+                                        </p:cTn>
+                                        <p:tgtEl>
+                                          <p:spTgt spid="3">
+                                            <p:txEl>
+                                              <p:pRg st="0" end="0"/>
+                                            </p:txEl>
+                                          </p:spTgt>
+                                        </p:tgtEl>
+                                        <p:attrNameLst>
+                                          <p:attrName>style.visibility</p:attrName>
+                                        </p:attrNameLst>
+                                      </p:cBhvr>
+                                      <p:to>
+                                        <p:strVal val="visible"/>
+                                      </p:to>
+                                    </p:set>
+                                    <p:anim calcmode="lin" valueType="num">
+                                      <p:cBhvr additive="base">
+                                        <p:cTn id="7" dur="1000" fill="hold"/>
+                                        <p:tgtEl>
+                                          <p:spTgt spid="3">
+                                            <p:txEl>
+                                              <p:pRg st="0" end="0"/>
+                                            </p:txEl>
+                                          </p:spTgt>
+                                        </p:tgtEl>
+                                        <p:attrNameLst>
+                                          <p:attrName>ppt_x</p:attrName>
+                                        </p:attrNameLst>
+                                      </p:cBhvr>
+                                      <p:tavLst>
+                                        <p:tav tm="0">
+                                          <p:val>
+                                            <p:strVal val="#ppt_x"/>
+                                          </p:val>
+                                        </p:tav>
+                                        <p:tav tm="100000">
+                                          <p:val>
+                                            <p:strVal val="#ppt_x"/>
+                                          </p:val>
+                                        </p:tav>
+                                      </p:tavLst>
+                                    </p:anim>
+                                    <p:anim calcmode="lin" valueType="num">
+                                      <p:cBhvr additive="base">
+                                        <p:cTn id="8" dur="1000" fill="hold"/>
+                                        <p:tgtEl>
+                                          <p:spTgt spid="3">
+                                            <p:txEl>
+                                              <p:pRg st="0" end="0"/>
+                                            </p:txEl>
+                                          </p:spTgt>
+                                        </p:tgtEl>
+                                        <p:attrNameLst>
+                                          <p:attrName>ppt_y</p:attrName>
+                                        </p:attrNameLst>
+                                      </p:cBhvr>
+                                      <p:tavLst>
+                                        <p:tav tm="0">
+                                          <p:val>
+                                            <p:strVal val="1+#ppt_h/2"/>
+                                          </p:val>
+                                        </p:tav>
+                                        <p:tav tm="100000">
+                                          <p:val>
+                                            <p:strVal val="#ppt_y"/>
+                                          </p:val>
+                                        </p:tav>
+                                      </p:tavLst>
+                                    </p:anim>
+                                  </p:childTnLst>
+                                </p:cTn>
+                              </p:par>
+                              <p:par>
+                                <p:cTn id="9" presetID="2" presetClass="entr" presetSubtype="4" fill="hold" nodeType="withEffect">
+                                  <p:stCondLst>
+                                    <p:cond delay="0"/>
+                                  </p:stCondLst>
+                                  <p:childTnLst>
+                                    <p:set>
+                                      <p:cBhvr>
+                                        <p:cTn id="10" dur="1" fill="hold">
+                                          <p:stCondLst>
+                                            <p:cond delay="0"/>
+                                          </p:stCondLst>
+                                        </p:cTn>
+                                        <p:tgtEl>
+                                          <p:spTgt spid="3">
+                                            <p:txEl>
+                                              <p:pRg st="1" end="1"/>
+                                            </p:txEl>
+                                          </p:spTgt>
+                                        </p:tgtEl>
+                                        <p:attrNameLst>
+                                          <p:attrName>style.visibility</p:attrName>
+                                        </p:attrNameLst>
+                                      </p:cBhvr>
+                                      <p:to>
+                                        <p:strVal val="visible"/>
+                                      </p:to>
+                                    </p:set>
+                                    <p:anim calcmode="lin" valueType="num">
+                                      <p:cBhvr additive="base">
+                                        <p:cTn id="11" dur="1000" fill="hold"/>
+                                        <p:tgtEl>
+                                          <p:spTgt spid="3">
+                                            <p:txEl>
+                                              <p:pRg st="1" end="1"/>
+                                            </p:txEl>
+                                          </p:spTgt>
+                                        </p:tgtEl>
+                                        <p:attrNameLst>
+                                          <p:attrName>ppt_x</p:attrName>
+                                        </p:attrNameLst>
+                                      </p:cBhvr>
+                                      <p:tavLst>
+                                        <p:tav tm="0">
+                                          <p:val>
+                                            <p:strVal val="#ppt_x"/>
+                                          </p:val>
+                                        </p:tav>
+                                        <p:tav tm="100000">
+                                          <p:val>
+                                            <p:strVal val="#ppt_x"/>
+                                          </p:val>
+                                        </p:tav>
+                                      </p:tavLst>
+                                    </p:anim>
+                                    <p:anim calcmode="lin" valueType="num">
+                                      <p:cBhvr additive="base">
+                                        <p:cTn id="12" dur="1000" fill="hold"/>
+                                        <p:tgtEl>
+                                          <p:spTgt spid="3">
+                                            <p:txEl>
+                                              <p:pRg st="1" end="1"/>
+                                            </p:txEl>
+                                          </p:spTgt>
+                                        </p:tgtEl>
+                                        <p:attrNameLst>
+                                          <p:attrName>ppt_y</p:attrName>
+                                        </p:attrNameLst>
+                                      </p:cBhvr>
+                                      <p:tavLst>
+                                        <p:tav tm="0">
+                                          <p:val>
+                                            <p:strVal val="1+#ppt_h/2"/>
+                                          </p:val>
+                                        </p:tav>
+                                        <p:tav tm="100000">
+                                          <p:val>
+                                            <p:strVal val="#ppt_y"/>
+                                          </p:val>
+                                        </p:tav>
+                                      </p:tavLst>
+                                    </p:anim>
+                                  </p:childTnLst>
+                                </p:cTn>
+                              </p:par>
+                            </p:childTnLst>
+                          </p:cTn>
+                        </p:par>
+                      </p:childTnLst>
+                    </p:cTn>
+                  </p:par>
+                  <p:par>
+                    <p:cTn id="13" fill="hold">
+                      <p:stCondLst>
+                        <p:cond delay="indefinite"/>
+                      </p:stCondLst>
+                      <p:childTnLst>
+                        <p:par>
+                          <p:cTn id="14" fill="hold">
+                            <p:stCondLst>
+                              <p:cond delay="0"/>
+                            </p:stCondLst>
+                            <p:childTnLst>
+                              <p:par>
+                                <p:cTn id="15" presetID="2" presetClass="entr" presetSubtype="4" fill="hold" nodeType="clickEffect">
+                                  <p:stCondLst>
+                                    <p:cond delay="0"/>
+                                  </p:stCondLst>
+                                  <p:childTnLst>
+                                    <p:set>
+                                      <p:cBhvr>
+                                        <p:cTn id="16" dur="1" fill="hold">
+                                          <p:stCondLst>
+                                            <p:cond delay="0"/>
+                                          </p:stCondLst>
+                                        </p:cTn>
+                                        <p:tgtEl>
+                                          <p:spTgt spid="3">
+                                            <p:txEl>
+                                              <p:pRg st="2" end="2"/>
+                                            </p:txEl>
+                                          </p:spTgt>
+                                        </p:tgtEl>
+                                        <p:attrNameLst>
+                                          <p:attrName>style.visibility</p:attrName>
+                                        </p:attrNameLst>
+                                      </p:cBhvr>
+                                      <p:to>
+                                        <p:strVal val="visible"/>
+                                      </p:to>
+                                    </p:set>
+                                    <p:anim calcmode="lin" valueType="num">
+                                      <p:cBhvr additive="base">
+                                        <p:cTn id="17" dur="1000" fill="hold"/>
+                                        <p:tgtEl>
+                                          <p:spTgt spid="3">
+                                            <p:txEl>
+                                              <p:pRg st="2" end="2"/>
+                                            </p:txEl>
+                                          </p:spTgt>
+                                        </p:tgtEl>
+                                        <p:attrNameLst>
+                                          <p:attrName>ppt_x</p:attrName>
+                                        </p:attrNameLst>
+                                      </p:cBhvr>
+                                      <p:tavLst>
+                                        <p:tav tm="0">
+                                          <p:val>
+                                            <p:strVal val="#ppt_x"/>
+                                          </p:val>
+                                        </p:tav>
+                                        <p:tav tm="100000">
+                                          <p:val>
+                                            <p:strVal val="#ppt_x"/>
+                                          </p:val>
+                                        </p:tav>
+                                      </p:tavLst>
+                                    </p:anim>
+                                    <p:anim calcmode="lin" valueType="num">
+                                      <p:cBhvr additive="base">
+                                        <p:cTn id="18" dur="1000" fill="hold"/>
+                                        <p:tgtEl>
+                                          <p:spTgt spid="3">
+                                            <p:txEl>
+                                              <p:pRg st="2" end="2"/>
+                                            </p:txEl>
+                                          </p:spTgt>
+                                        </p:tgtEl>
+                                        <p:attrNameLst>
+                                          <p:attrName>ppt_y</p:attrName>
+                                        </p:attrNameLst>
+                                      </p:cBhvr>
+                                      <p:tavLst>
+                                        <p:tav tm="0">
+                                          <p:val>
+                                            <p:strVal val="1+#ppt_h/2"/>
+                                          </p:val>
+                                        </p:tav>
+                                        <p:tav tm="100000">
+                                          <p:val>
+                                            <p:strVal val="#ppt_y"/>
+                                          </p:val>
+                                        </p:tav>
+                                      </p:tavLst>
+                                    </p:anim>
+                                  </p:childTnLst>
+                                </p:cTn>
+                              </p:par>
+                              <p:par>
+                                <p:cTn id="19" presetID="2" presetClass="entr" presetSubtype="4" fill="hold" nodeType="withEffect">
+                                  <p:stCondLst>
+                                    <p:cond delay="0"/>
+                                  </p:stCondLst>
+                                  <p:childTnLst>
+                                    <p:set>
+                                      <p:cBhvr>
+                                        <p:cTn id="20" dur="1" fill="hold">
+                                          <p:stCondLst>
+                                            <p:cond delay="0"/>
+                                          </p:stCondLst>
+                                        </p:cTn>
+                                        <p:tgtEl>
+                                          <p:spTgt spid="3">
+                                            <p:txEl>
+                                              <p:pRg st="3" end="3"/>
+                                            </p:txEl>
+                                          </p:spTgt>
+                                        </p:tgtEl>
+                                        <p:attrNameLst>
+                                          <p:attrName>style.visibility</p:attrName>
+                                        </p:attrNameLst>
+                                      </p:cBhvr>
+                                      <p:to>
+                                        <p:strVal val="visible"/>
+                                      </p:to>
+                                    </p:set>
+                                    <p:anim calcmode="lin" valueType="num">
+                                      <p:cBhvr additive="base">
+                                        <p:cTn id="21" dur="1000" fill="hold"/>
+                                        <p:tgtEl>
+                                          <p:spTgt spid="3">
+                                            <p:txEl>
+                                              <p:pRg st="3" end="3"/>
+                                            </p:txEl>
+                                          </p:spTgt>
+                                        </p:tgtEl>
+                                        <p:attrNameLst>
+                                          <p:attrName>ppt_x</p:attrName>
+                                        </p:attrNameLst>
+                                      </p:cBhvr>
+                                      <p:tavLst>
+                                        <p:tav tm="0">
+                                          <p:val>
+                                            <p:strVal val="#ppt_x"/>
+                                          </p:val>
+                                        </p:tav>
+                                        <p:tav tm="100000">
+                                          <p:val>
+                                            <p:strVal val="#ppt_x"/>
+                                          </p:val>
+                                        </p:tav>
+                                      </p:tavLst>
+                                    </p:anim>
+                                    <p:anim calcmode="lin" valueType="num">
+                                      <p:cBhvr additive="base">
+                                        <p:cTn id="22" dur="1000" fill="hold"/>
+                                        <p:tgtEl>
+                                          <p:spTgt spid="3">
+                                            <p:txEl>
+                                              <p:pRg st="3" end="3"/>
+                                            </p:txEl>
+                                          </p:spTgt>
+                                        </p:tgtEl>
+                                        <p:attrNameLst>
+                                          <p:attrName>ppt_y</p:attrName>
+                                        </p:attrNameLst>
+                                      </p:cBhvr>
+                                      <p:tavLst>
+                                        <p:tav tm="0">
+                                          <p:val>
+                                            <p:strVal val="1+#ppt_h/2"/>
+                                          </p:val>
+                                        </p:tav>
+                                        <p:tav tm="100000">
+                                          <p:val>
+                                            <p:strVal val="#ppt_y"/>
+                                          </p:val>
+                                        </p:tav>
+                                      </p:tavLst>
+                                    </p:anim>
+                                  </p:childTnLst>
+                                </p:cTn>
+                              </p:par>
+                              <p:par>
+                                <p:cTn id="23" presetID="2" presetClass="entr" presetSubtype="4" fill="hold" nodeType="withEffect">
+                                  <p:stCondLst>
+                                    <p:cond delay="0"/>
+                                  </p:stCondLst>
+                                  <p:childTnLst>
+                                    <p:set>
+                                      <p:cBhvr>
+                                        <p:cTn id="24" dur="1" fill="hold">
+                                          <p:stCondLst>
+                                            <p:cond delay="0"/>
+                                          </p:stCondLst>
+                                        </p:cTn>
+                                        <p:tgtEl>
+                                          <p:spTgt spid="3">
+                                            <p:txEl>
+                                              <p:pRg st="4" end="4"/>
+                                            </p:txEl>
+                                          </p:spTgt>
+                                        </p:tgtEl>
+                                        <p:attrNameLst>
+                                          <p:attrName>style.visibility</p:attrName>
+                                        </p:attrNameLst>
+                                      </p:cBhvr>
+                                      <p:to>
+                                        <p:strVal val="visible"/>
+                                      </p:to>
+                                    </p:set>
+                                    <p:anim calcmode="lin" valueType="num">
+                                      <p:cBhvr additive="base">
+                                        <p:cTn id="25" dur="1000" fill="hold"/>
+                                        <p:tgtEl>
+                                          <p:spTgt spid="3">
+                                            <p:txEl>
+                                              <p:pRg st="4" end="4"/>
+                                            </p:txEl>
+                                          </p:spTgt>
+                                        </p:tgtEl>
+                                        <p:attrNameLst>
+                                          <p:attrName>ppt_x</p:attrName>
+                                        </p:attrNameLst>
+                                      </p:cBhvr>
+                                      <p:tavLst>
+                                        <p:tav tm="0">
+                                          <p:val>
+                                            <p:strVal val="#ppt_x"/>
+                                          </p:val>
+                                        </p:tav>
+                                        <p:tav tm="100000">
+                                          <p:val>
+                                            <p:strVal val="#ppt_x"/>
+                                          </p:val>
+                                        </p:tav>
+                                      </p:tavLst>
+                                    </p:anim>
+                                    <p:anim calcmode="lin" valueType="num">
+                                      <p:cBhvr additive="base">
+                                        <p:cTn id="26" dur="1000" fill="hold"/>
+                                        <p:tgtEl>
+                                          <p:spTgt spid="3">
+                                            <p:txEl>
+                                              <p:pRg st="4" end="4"/>
+                                            </p:txEl>
+                                          </p:spTgt>
+                                        </p:tgtEl>
+                                        <p:attrNameLst>
+                                          <p:attrName>ppt_y</p:attrName>
+                                        </p:attrNameLst>
+                                      </p:cBhvr>
+                                      <p:tavLst>
+                                        <p:tav tm="0">
+                                          <p:val>
+                                            <p:strVal val="1+#ppt_h/2"/>
+                                          </p:val>
+                                        </p:tav>
+                                        <p:tav tm="100000">
+                                          <p:val>
+                                            <p:strVal val="#ppt_y"/>
+                                          </p:val>
+                                        </p:tav>
+                                      </p:tavLst>
+                                    </p:anim>
+                                  </p:childTnLst>
+                                </p:cTn>
+                              </p:par>
+                              <p:par>
+                                <p:cTn id="27" presetID="2" presetClass="entr" presetSubtype="4" fill="hold" nodeType="withEffect">
+                                  <p:stCondLst>
+                                    <p:cond delay="0"/>
+                                  </p:stCondLst>
+                                  <p:childTnLst>
+                                    <p:set>
+                                      <p:cBhvr>
+                                        <p:cTn id="28" dur="1" fill="hold">
+                                          <p:stCondLst>
+                                            <p:cond delay="0"/>
+                                          </p:stCondLst>
+                                        </p:cTn>
+                                        <p:tgtEl>
+                                          <p:spTgt spid="3">
+                                            <p:txEl>
+                                              <p:pRg st="5" end="5"/>
+                                            </p:txEl>
+                                          </p:spTgt>
+                                        </p:tgtEl>
+                                        <p:attrNameLst>
+                                          <p:attrName>style.visibility</p:attrName>
+                                        </p:attrNameLst>
+                                      </p:cBhvr>
+                                      <p:to>
+                                        <p:strVal val="visible"/>
+                                      </p:to>
+                                    </p:set>
+                                    <p:anim calcmode="lin" valueType="num">
+                                      <p:cBhvr additive="base">
+                                        <p:cTn id="29" dur="1000" fill="hold"/>
+                                        <p:tgtEl>
+                                          <p:spTgt spid="3">
+                                            <p:txEl>
+                                              <p:pRg st="5" end="5"/>
+                                            </p:txEl>
+                                          </p:spTgt>
+                                        </p:tgtEl>
+                                        <p:attrNameLst>
+                                          <p:attrName>ppt_x</p:attrName>
+                                        </p:attrNameLst>
+                                      </p:cBhvr>
+                                      <p:tavLst>
+                                        <p:tav tm="0">
+                                          <p:val>
+                                            <p:strVal val="#ppt_x"/>
+                                          </p:val>
+                                        </p:tav>
+                                        <p:tav tm="100000">
+                                          <p:val>
+                                            <p:strVal val="#ppt_x"/>
+                                          </p:val>
+                                        </p:tav>
+                                      </p:tavLst>
+                                    </p:anim>
+                                    <p:anim calcmode="lin" valueType="num">
+                                      <p:cBhvr additive="base">
+                                        <p:cTn id="30" dur="1000" fill="hold"/>
+                                        <p:tgtEl>
+                                          <p:spTgt spid="3">
+                                            <p:txEl>
+                                              <p:pRg st="5" end="5"/>
+                                            </p:txEl>
+                                          </p:spTgt>
+                                        </p:tgtEl>
+                                        <p:attrNameLst>
+                                          <p:attrName>ppt_y</p:attrName>
+                                        </p:attrNameLst>
+                                      </p:cBhvr>
+                                      <p:tavLst>
+                                        <p:tav tm="0">
+                                          <p:val>
+                                            <p:strVal val="1+#ppt_h/2"/>
+                                          </p:val>
+                                        </p:tav>
+                                        <p:tav tm="100000">
+                                          <p:val>
+                                            <p:strVal val="#ppt_y"/>
+                                          </p:val>
+                                        </p:tav>
+                                      </p:tavLst>
+                                    </p:anim>
+                                  </p:childTnLst>
+                                </p:cTn>
+                              </p:par>
+                              <p:par>
+                                <p:cTn id="31" presetID="2" presetClass="entr" presetSubtype="4" fill="hold" nodeType="withEffect">
+                                  <p:stCondLst>
+                                    <p:cond delay="0"/>
+                                  </p:stCondLst>
+                                  <p:childTnLst>
+                                    <p:set>
+                                      <p:cBhvr>
+                                        <p:cTn id="32" dur="1" fill="hold">
+                                          <p:stCondLst>
+                                            <p:cond delay="0"/>
+                                          </p:stCondLst>
+                                        </p:cTn>
+                                        <p:tgtEl>
+                                          <p:spTgt spid="3">
+                                            <p:txEl>
+                                              <p:pRg st="6" end="6"/>
+                                            </p:txEl>
+                                          </p:spTgt>
+                                        </p:tgtEl>
+                                        <p:attrNameLst>
+                                          <p:attrName>style.visibility</p:attrName>
+                                        </p:attrNameLst>
+                                      </p:cBhvr>
+                                      <p:to>
+                                        <p:strVal val="visible"/>
+                                      </p:to>
+                                    </p:set>
+                                    <p:anim calcmode="lin" valueType="num">
+                                      <p:cBhvr additive="base">
+                                        <p:cTn id="33" dur="1000" fill="hold"/>
+                                        <p:tgtEl>
+                                          <p:spTgt spid="3">
+                                            <p:txEl>
+                                              <p:pRg st="6" end="6"/>
+                                            </p:txEl>
+                                          </p:spTgt>
+                                        </p:tgtEl>
+                                        <p:attrNameLst>
+                                          <p:attrName>ppt_x</p:attrName>
+                                        </p:attrNameLst>
+                                      </p:cBhvr>
+                                      <p:tavLst>
+                                        <p:tav tm="0">
+                                          <p:val>
+                                            <p:strVal val="#ppt_x"/>
+                                          </p:val>
+                                        </p:tav>
+                                        <p:tav tm="100000">
+                                          <p:val>
+                                            <p:strVal val="#ppt_x"/>
+                                          </p:val>
+                                        </p:tav>
+                                      </p:tavLst>
+                                    </p:anim>
+                                    <p:anim calcmode="lin" valueType="num">
+                                      <p:cBhvr additive="base">
+                                        <p:cTn id="34" dur="1000" fill="hold"/>
+                                        <p:tgtEl>
+                                          <p:spTgt spid="3">
+                                            <p:txEl>
+                                              <p:pRg st="6" end="6"/>
+                                            </p:txEl>
+                                          </p:spTgt>
+                                        </p:tgtEl>
+                                        <p:attrNameLst>
+                                          <p:attrName>ppt_y</p:attrName>
+                                        </p:attrNameLst>
+                                      </p:cBhvr>
+                                      <p:tavLst>
+                                        <p:tav tm="0">
+                                          <p:val>
+                                            <p:strVal val="1+#ppt_h/2"/>
+                                          </p:val>
+                                        </p:tav>
+                                        <p:tav tm="100000">
+                                          <p:val>
+                                            <p:strVal val="#ppt_y"/>
+                                          </p:val>
+                                        </p:tav>
+                                      </p:tavLst>
+                                    </p:anim>
+                                  </p:childTnLst>
+                                </p:cTn>
+                              </p:par>
+                              <p:par>
+                                <p:cTn id="35" presetID="2" presetClass="entr" presetSubtype="4" fill="hold" nodeType="withEffect">
+                                  <p:stCondLst>
+                                    <p:cond delay="0"/>
+                                  </p:stCondLst>
+                                  <p:childTnLst>
+                                    <p:set>
+                                      <p:cBhvr>
+                                        <p:cTn id="36" dur="1" fill="hold">
+                                          <p:stCondLst>
+                                            <p:cond delay="0"/>
+                                          </p:stCondLst>
+                                        </p:cTn>
+                                        <p:tgtEl>
+                                          <p:spTgt spid="3">
+                                            <p:txEl>
+                                              <p:pRg st="7" end="7"/>
+                                            </p:txEl>
+                                          </p:spTgt>
+                                        </p:tgtEl>
+                                        <p:attrNameLst>
+                                          <p:attrName>style.visibility</p:attrName>
+                                        </p:attrNameLst>
+                                      </p:cBhvr>
+                                      <p:to>
+                                        <p:strVal val="visible"/>
+                                      </p:to>
+                                    </p:set>
+                                    <p:anim calcmode="lin" valueType="num">
+                                      <p:cBhvr additive="base">
+                                        <p:cTn id="37" dur="1000" fill="hold"/>
+                                        <p:tgtEl>
+                                          <p:spTgt spid="3">
+                                            <p:txEl>
+                                              <p:pRg st="7" end="7"/>
+                                            </p:txEl>
+                                          </p:spTgt>
+                                        </p:tgtEl>
+                                        <p:attrNameLst>
+                                          <p:attrName>ppt_x</p:attrName>
+                                        </p:attrNameLst>
+                                      </p:cBhvr>
+                                      <p:tavLst>
+                                        <p:tav tm="0">
+                                          <p:val>
+                                            <p:strVal val="#ppt_x"/>
+                                          </p:val>
+                                        </p:tav>
+                                        <p:tav tm="100000">
+                                          <p:val>
+                                            <p:strVal val="#ppt_x"/>
+                                          </p:val>
+                                        </p:tav>
+                                      </p:tavLst>
+                                    </p:anim>
+                                    <p:anim calcmode="lin" valueType="num">
+                                      <p:cBhvr additive="base">
+                                        <p:cTn id="38" dur="1000" fill="hold"/>
+                                        <p:tgtEl>
+                                          <p:spTgt spid="3">
+                                            <p:txEl>
+                                              <p:pRg st="7" end="7"/>
+                                            </p:txEl>
+                                          </p:spTgt>
+                                        </p:tgtEl>
+                                        <p:attrNameLst>
+                                          <p:attrName>ppt_y</p:attrName>
+                                        </p:attrNameLst>
+                                      </p:cBhvr>
+                                      <p:tavLst>
+                                        <p:tav tm="0">
+                                          <p:val>
+                                            <p:strVal val="1+#ppt_h/2"/>
+                                          </p:val>
+                                        </p:tav>
+                                        <p:tav tm="100000">
+                                          <p:val>
+                                            <p:strVal val="#ppt_y"/>
+                                          </p:val>
+                                        </p:tav>
+                                      </p:tavLst>
+                                    </p:anim>
+                                  </p:childTnLst>
+                                </p:cTn>
+                              </p:par>
+                            </p:childTnLst>
+                          </p:cTn>
+                        </p:par>
+                      </p:childTnLst>
+                    </p:cTn>
+                  </p:par>
+                </p:childTnLst>
+              </p:cTn>
+              <p:prevCondLst>
+                <p:cond evt="onPrev" delay="0">
+                  <p:tgtEl>
+                    <p:sldTgt/>
+                  </p:tgtEl>
+                </p:cond>
+              </p:prevCondLst>
+              <p:nextCondLst>
+                <p:cond evt="onNext" delay="0">
+                  <p:tgtEl>
+                    <p:sldTgt/>
+                  </p:tgtEl>
+                </p:cond>
+              </p:nextCondLst>
+            </p:seq>
+          </p:childTnLst>
+        </p:cTn>
+      </p:par>
+    </p:tnLst>
+  </p:timing>
 </p:sld>
 </file>
 
@@ -16756,7 +18270,7 @@
         </p:nvSpPr>
         <p:spPr>
           <a:xfrm>
-            <a:off x="1567814" y="1366519"/>
+            <a:off x="1506030" y="773394"/>
             <a:ext cx="9587866" cy="1525588"/>
           </a:xfrm>
         </p:spPr>
@@ -16882,7 +18396,7 @@
         </p:blipFill>
         <p:spPr>
           <a:xfrm>
-            <a:off x="1254681" y="2080260"/>
+            <a:off x="1080820" y="1536188"/>
             <a:ext cx="10438285" cy="4675189"/>
           </a:xfrm>
           <a:prstGeom prst="rect">
@@ -16900,6 +18414,135 @@
   <p:clrMapOvr>
     <a:masterClrMapping/>
   </p:clrMapOvr>
+  <p:timing>
+    <p:tnLst>
+      <p:par>
+        <p:cTn id="1" dur="indefinite" restart="never" nodeType="tmRoot">
+          <p:childTnLst>
+            <p:seq concurrent="1" nextAc="seek">
+              <p:cTn id="2" dur="indefinite" nodeType="mainSeq">
+                <p:childTnLst>
+                  <p:par>
+                    <p:cTn id="3" fill="hold">
+                      <p:stCondLst>
+                        <p:cond delay="indefinite"/>
+                      </p:stCondLst>
+                      <p:childTnLst>
+                        <p:par>
+                          <p:cTn id="4" fill="hold">
+                            <p:stCondLst>
+                              <p:cond delay="0"/>
+                            </p:stCondLst>
+                            <p:childTnLst>
+                              <p:par>
+                                <p:cTn id="5" presetID="42" presetClass="entr" presetSubtype="0" fill="hold" nodeType="clickEffect">
+                                  <p:stCondLst>
+                                    <p:cond delay="0"/>
+                                  </p:stCondLst>
+                                  <p:childTnLst>
+                                    <p:set>
+                                      <p:cBhvr>
+                                        <p:cTn id="6" dur="1" fill="hold">
+                                          <p:stCondLst>
+                                            <p:cond delay="0"/>
+                                          </p:stCondLst>
+                                        </p:cTn>
+                                        <p:tgtEl>
+                                          <p:spTgt spid="8"/>
+                                        </p:tgtEl>
+                                        <p:attrNameLst>
+                                          <p:attrName>style.visibility</p:attrName>
+                                        </p:attrNameLst>
+                                      </p:cBhvr>
+                                      <p:to>
+                                        <p:strVal val="visible"/>
+                                      </p:to>
+                                    </p:set>
+                                    <p:animEffect transition="in" filter="fade">
+                                      <p:cBhvr>
+                                        <p:cTn id="7" dur="1000"/>
+                                        <p:tgtEl>
+                                          <p:spTgt spid="8"/>
+                                        </p:tgtEl>
+                                      </p:cBhvr>
+                                    </p:animEffect>
+                                    <p:anim calcmode="lin" valueType="num">
+                                      <p:cBhvr>
+                                        <p:cTn id="8" dur="1000" fill="hold"/>
+                                        <p:tgtEl>
+                                          <p:spTgt spid="8"/>
+                                        </p:tgtEl>
+                                        <p:attrNameLst>
+                                          <p:attrName>ppt_x</p:attrName>
+                                        </p:attrNameLst>
+                                      </p:cBhvr>
+                                      <p:tavLst>
+                                        <p:tav tm="0">
+                                          <p:val>
+                                            <p:strVal val="#ppt_x"/>
+                                          </p:val>
+                                        </p:tav>
+                                        <p:tav tm="100000">
+                                          <p:val>
+                                            <p:strVal val="#ppt_x"/>
+                                          </p:val>
+                                        </p:tav>
+                                      </p:tavLst>
+                                    </p:anim>
+                                    <p:anim calcmode="lin" valueType="num">
+                                      <p:cBhvr>
+                                        <p:cTn id="9" dur="1000" fill="hold"/>
+                                        <p:tgtEl>
+                                          <p:spTgt spid="8"/>
+                                        </p:tgtEl>
+                                        <p:attrNameLst>
+                                          <p:attrName>ppt_y</p:attrName>
+                                        </p:attrNameLst>
+                                      </p:cBhvr>
+                                      <p:tavLst>
+                                        <p:tav tm="0">
+                                          <p:val>
+                                            <p:strVal val="#ppt_y+.1"/>
+                                          </p:val>
+                                        </p:tav>
+                                        <p:tav tm="100000">
+                                          <p:val>
+                                            <p:strVal val="#ppt_y"/>
+                                          </p:val>
+                                        </p:tav>
+                                      </p:tavLst>
+                                    </p:anim>
+                                  </p:childTnLst>
+                                </p:cTn>
+                              </p:par>
+                            </p:childTnLst>
+                          </p:cTn>
+                        </p:par>
+                      </p:childTnLst>
+                    </p:cTn>
+                  </p:par>
+                </p:childTnLst>
+              </p:cTn>
+              <p:prevCondLst>
+                <p:cond evt="onPrev" delay="0">
+                  <p:tgtEl>
+                    <p:sldTgt/>
+                  </p:tgtEl>
+                </p:cond>
+              </p:prevCondLst>
+              <p:nextCondLst>
+                <p:cond evt="onNext" delay="0">
+                  <p:tgtEl>
+                    <p:sldTgt/>
+                  </p:tgtEl>
+                </p:cond>
+              </p:nextCondLst>
+            </p:seq>
+          </p:childTnLst>
+        </p:cTn>
+      </p:par>
+    </p:tnLst>
+  </p:timing>
 </p:sld>
 </file>
 
@@ -16920,30 +18563,61 @@
           <a:chExt cx="0" cy="0"/>
         </a:xfrm>
       </p:grpSpPr>
-      <p:sp>
-        <p:nvSpPr>
-          <p:cNvPr id="2" name="Title 1">
-            <a:extLst>
-              <a:ext uri="{FF2B5EF4-FFF2-40B4-BE49-F238E27FC236}">
-                <a16:creationId xmlns:a16="http://schemas.microsoft.com/office/drawing/2014/main" id="{ADBA016B-AF62-672C-CAD7-B4E986D9695E}"/>
-              </a:ext>
-            </a:extLst>
-          </p:cNvPr>
-          <p:cNvSpPr>
-            <a:spLocks noGrp="1"/>
-          </p:cNvSpPr>
-          <p:nvPr>
-            <p:ph type="title"/>
-          </p:nvPr>
-        </p:nvSpPr>
-        <p:spPr>
-          <a:xfrm>
-            <a:off x="732744" y="90170"/>
-            <a:ext cx="3171825" cy="1325563"/>
-          </a:xfrm>
-        </p:spPr>
-        <p:txBody>
-          <a:bodyPr/>
+      <p:pic>
+        <p:nvPicPr>
+          <p:cNvPr id="8" name="Picture 7">
+            <a:extLst>
+              <a:ext uri="{FF2B5EF4-FFF2-40B4-BE49-F238E27FC236}">
+                <a16:creationId xmlns:a16="http://schemas.microsoft.com/office/drawing/2014/main" id="{E75197DA-8307-8CE5-6C6E-CFE3C4394AF0}"/>
+              </a:ext>
+            </a:extLst>
+          </p:cNvPr>
+          <p:cNvPicPr>
+            <a:picLocks noChangeAspect="1"/>
+          </p:cNvPicPr>
+          <p:nvPr/>
+        </p:nvPicPr>
+        <p:blipFill rotWithShape="1">
+          <a:blip r:embed="rId2"/>
+          <a:srcRect t="2571"/>
+          <a:stretch/>
+        </p:blipFill>
+        <p:spPr>
+          <a:xfrm>
+            <a:off x="189964" y="1079747"/>
+            <a:ext cx="5415834" cy="5276602"/>
+          </a:xfrm>
+          <a:prstGeom prst="rect">
+            <a:avLst/>
+          </a:prstGeom>
+        </p:spPr>
+      </p:pic>
+      <p:sp>
+        <p:nvSpPr>
+          <p:cNvPr id="10" name="TextBox 9">
+            <a:extLst>
+              <a:ext uri="{FF2B5EF4-FFF2-40B4-BE49-F238E27FC236}">
+                <a16:creationId xmlns:a16="http://schemas.microsoft.com/office/drawing/2014/main" id="{F2D611F9-1E58-0A50-BB88-22EF26DE3DE5}"/>
+              </a:ext>
+            </a:extLst>
+          </p:cNvPr>
+          <p:cNvSpPr txBox="1"/>
+          <p:nvPr/>
+        </p:nvSpPr>
+        <p:spPr>
+          <a:xfrm>
+            <a:off x="189964" y="710415"/>
+            <a:ext cx="6098146" cy="369332"/>
+          </a:xfrm>
+          <a:prstGeom prst="rect">
+            <a:avLst/>
+          </a:prstGeom>
+          <a:noFill/>
+        </p:spPr>
+        <p:txBody>
+          <a:bodyPr wrap="square">
+            <a:spAutoFit/>
+          </a:bodyPr>
           <a:lstStyle/>
           <a:p>
             <a:r>
@@ -16953,152 +18627,212 @@
           </a:p>
         </p:txBody>
       </p:sp>
-      <p:sp>
-        <p:nvSpPr>
-          <p:cNvPr id="3" name="Content Placeholder 2">
-            <a:extLst>
-              <a:ext uri="{FF2B5EF4-FFF2-40B4-BE49-F238E27FC236}">
-                <a16:creationId xmlns:a16="http://schemas.microsoft.com/office/drawing/2014/main" id="{ED9CABD3-EB8F-B320-A591-DB9C0DAC9216}"/>
-              </a:ext>
-            </a:extLst>
-          </p:cNvPr>
-          <p:cNvSpPr>
-            <a:spLocks noGrp="1"/>
-          </p:cNvSpPr>
-          <p:nvPr>
-            <p:ph idx="1"/>
-          </p:nvPr>
-        </p:nvSpPr>
-        <p:spPr>
-          <a:xfrm>
-            <a:off x="1028700" y="1874521"/>
-            <a:ext cx="7269479" cy="3569018"/>
-          </a:xfrm>
-        </p:spPr>
-        <p:txBody>
-          <a:bodyPr>
-            <a:normAutofit/>
-          </a:bodyPr>
-          <a:lstStyle/>
-          <a:p>
-            <a:pPr marL="342900" indent="-342900">
-              <a:buFont typeface="+mj-lt"/>
-              <a:buAutoNum type="arabicPeriod"/>
-            </a:pPr>
-            <a:r>
-              <a:rPr lang="en-US" sz="2000" dirty="0"/>
-              <a:t>Keep it simple </a:t>
-            </a:r>
-          </a:p>
-          <a:p>
-            <a:pPr marL="342900" indent="-342900">
-              <a:buFont typeface="Arial" panose="020B0604020202020204" pitchFamily="34" charset="0"/>
-              <a:buChar char="•"/>
-            </a:pPr>
-            <a:r>
-              <a:rPr lang="en-US" sz="2000" dirty="0"/>
-              <a:t>Don’t overload a visual, report or dashboard with more information than is needed, but make it smart. </a:t>
-            </a:r>
-          </a:p>
-        </p:txBody>
-      </p:sp>
-      <p:sp>
-        <p:nvSpPr>
-          <p:cNvPr id="4" name="Date Placeholder 3">
-            <a:extLst>
-              <a:ext uri="{FF2B5EF4-FFF2-40B4-BE49-F238E27FC236}">
-                <a16:creationId xmlns:a16="http://schemas.microsoft.com/office/drawing/2014/main" id="{E02F07F9-E7F2-24FC-5F62-111E61F0A0FD}"/>
-              </a:ext>
-            </a:extLst>
-          </p:cNvPr>
-          <p:cNvSpPr>
-            <a:spLocks noGrp="1"/>
-          </p:cNvSpPr>
-          <p:nvPr>
-            <p:ph type="dt" sz="half" idx="10"/>
-          </p:nvPr>
-        </p:nvSpPr>
-        <p:spPr/>
-        <p:txBody>
-          <a:bodyPr/>
-          <a:lstStyle/>
-          <a:p>
-            <a:r>
-              <a:rPr lang="en-US"/>
-              <a:t>20XX</a:t>
-            </a:r>
-            <a:endParaRPr lang="en-US" dirty="0"/>
-          </a:p>
-        </p:txBody>
-      </p:sp>
-      <p:sp>
-        <p:nvSpPr>
-          <p:cNvPr id="5" name="Footer Placeholder 4">
-            <a:extLst>
-              <a:ext uri="{FF2B5EF4-FFF2-40B4-BE49-F238E27FC236}">
-                <a16:creationId xmlns:a16="http://schemas.microsoft.com/office/drawing/2014/main" id="{3F70E9FB-C566-5824-88C8-14FD0E9DE3B4}"/>
-              </a:ext>
-            </a:extLst>
-          </p:cNvPr>
-          <p:cNvSpPr>
-            <a:spLocks noGrp="1"/>
-          </p:cNvSpPr>
-          <p:nvPr>
-            <p:ph type="ftr" sz="quarter" idx="11"/>
-          </p:nvPr>
-        </p:nvSpPr>
-        <p:spPr/>
-        <p:txBody>
-          <a:bodyPr/>
-          <a:lstStyle/>
-          <a:p>
-            <a:r>
-              <a:rPr lang="en-US"/>
-              <a:t>Pitch Deck</a:t>
-            </a:r>
-            <a:endParaRPr lang="en-US" dirty="0"/>
-          </a:p>
-        </p:txBody>
-      </p:sp>
-      <p:sp>
-        <p:nvSpPr>
-          <p:cNvPr id="6" name="Slide Number Placeholder 5">
-            <a:extLst>
-              <a:ext uri="{FF2B5EF4-FFF2-40B4-BE49-F238E27FC236}">
-                <a16:creationId xmlns:a16="http://schemas.microsoft.com/office/drawing/2014/main" id="{59FA1ED5-77F0-E049-D824-4E5A5A00803B}"/>
-              </a:ext>
-            </a:extLst>
-          </p:cNvPr>
-          <p:cNvSpPr>
-            <a:spLocks noGrp="1"/>
-          </p:cNvSpPr>
-          <p:nvPr>
-            <p:ph type="sldNum" sz="quarter" idx="12"/>
-          </p:nvPr>
-        </p:nvSpPr>
-        <p:spPr/>
-        <p:txBody>
-          <a:bodyPr/>
-          <a:lstStyle/>
-          <a:p>
-            <a:fld id="{B5CEABB6-07DC-46E8-9B57-56EC44A396E5}" type="slidenum">
-              <a:rPr lang="en-US" smtClean="0"/>
-              <a:t>16</a:t>
-            </a:fld>
-            <a:endParaRPr lang="en-US" dirty="0"/>
-          </a:p>
-        </p:txBody>
-      </p:sp>
+      <p:pic>
+        <p:nvPicPr>
+          <p:cNvPr id="12" name="Picture 11">
+            <a:extLst>
+              <a:ext uri="{FF2B5EF4-FFF2-40B4-BE49-F238E27FC236}">
+                <a16:creationId xmlns:a16="http://schemas.microsoft.com/office/drawing/2014/main" id="{6C6D81B5-95A6-72B1-82BC-5553B77C7D97}"/>
+              </a:ext>
+            </a:extLst>
+          </p:cNvPr>
+          <p:cNvPicPr>
+            <a:picLocks noChangeAspect="1"/>
+          </p:cNvPicPr>
+          <p:nvPr/>
+        </p:nvPicPr>
+        <p:blipFill>
+          <a:blip r:embed="rId3"/>
+          <a:stretch>
+            <a:fillRect/>
+          </a:stretch>
+        </p:blipFill>
+        <p:spPr>
+          <a:xfrm>
+            <a:off x="3475857" y="145208"/>
+            <a:ext cx="6095999" cy="749873"/>
+          </a:xfrm>
+          <a:prstGeom prst="rect">
+            <a:avLst/>
+          </a:prstGeom>
+        </p:spPr>
+      </p:pic>
+      <p:pic>
+        <p:nvPicPr>
+          <p:cNvPr id="14" name="Picture 13">
+            <a:extLst>
+              <a:ext uri="{FF2B5EF4-FFF2-40B4-BE49-F238E27FC236}">
+                <a16:creationId xmlns:a16="http://schemas.microsoft.com/office/drawing/2014/main" id="{E16DB289-9D8D-2434-358A-7D149F22D900}"/>
+              </a:ext>
+            </a:extLst>
+          </p:cNvPr>
+          <p:cNvPicPr>
+            <a:picLocks noChangeAspect="1"/>
+          </p:cNvPicPr>
+          <p:nvPr/>
+        </p:nvPicPr>
+        <p:blipFill>
+          <a:blip r:embed="rId4"/>
+          <a:stretch>
+            <a:fillRect/>
+          </a:stretch>
+        </p:blipFill>
+        <p:spPr>
+          <a:xfrm>
+            <a:off x="5909906" y="1079747"/>
+            <a:ext cx="6092130" cy="5415833"/>
+          </a:xfrm>
+          <a:prstGeom prst="rect">
+            <a:avLst/>
+          </a:prstGeom>
+        </p:spPr>
+      </p:pic>
     </p:spTree>
     <p:extLst>
       <p:ext uri="{BB962C8B-B14F-4D97-AF65-F5344CB8AC3E}">
-        <p14:creationId xmlns:p14="http://schemas.microsoft.com/office/powerpoint/2010/main" val="3012575122"/>
+        <p14:creationId xmlns:p14="http://schemas.microsoft.com/office/powerpoint/2010/main" val="1861093254"/>
       </p:ext>
     </p:extLst>
   </p:cSld>
   <p:clrMapOvr>
     <a:masterClrMapping/>
   </p:clrMapOvr>
+  <p:timing>
+    <p:tnLst>
+      <p:par>
+        <p:cTn id="1" dur="indefinite" restart="never" nodeType="tmRoot">
+          <p:childTnLst>
+            <p:seq concurrent="1" nextAc="seek">
+              <p:cTn id="2" dur="indefinite" nodeType="mainSeq">
+                <p:childTnLst>
+                  <p:par>
+                    <p:cTn id="3" fill="hold">
+                      <p:stCondLst>
+                        <p:cond delay="indefinite"/>
+                      </p:stCondLst>
+                      <p:childTnLst>
+                        <p:par>
+                          <p:cTn id="4" fill="hold">
+                            <p:stCondLst>
+                              <p:cond delay="0"/>
+                            </p:stCondLst>
+                            <p:childTnLst>
+                              <p:par>
+                                <p:cTn id="5" presetID="10" presetClass="entr" presetSubtype="0" fill="hold" nodeType="clickEffect">
+                                  <p:stCondLst>
+                                    <p:cond delay="0"/>
+                                  </p:stCondLst>
+                                  <p:childTnLst>
+                                    <p:set>
+                                      <p:cBhvr>
+                                        <p:cTn id="6" dur="1" fill="hold">
+                                          <p:stCondLst>
+                                            <p:cond delay="0"/>
+                                          </p:stCondLst>
+                                        </p:cTn>
+                                        <p:tgtEl>
+                                          <p:spTgt spid="8"/>
+                                        </p:tgtEl>
+                                        <p:attrNameLst>
+                                          <p:attrName>style.visibility</p:attrName>
+                                        </p:attrNameLst>
+                                      </p:cBhvr>
+                                      <p:to>
+                                        <p:strVal val="visible"/>
+                                      </p:to>
+                                    </p:set>
+                                    <p:animEffect transition="in" filter="fade">
+                                      <p:cBhvr>
+                                        <p:cTn id="7" dur="1000"/>
+                                        <p:tgtEl>
+                                          <p:spTgt spid="8"/>
+                                        </p:tgtEl>
+                                      </p:cBhvr>
+                                    </p:animEffect>
+                                  </p:childTnLst>
+                                </p:cTn>
+                              </p:par>
+                            </p:childTnLst>
+                          </p:cTn>
+                        </p:par>
+                      </p:childTnLst>
+                    </p:cTn>
+                  </p:par>
+                  <p:par>
+                    <p:cTn id="8" fill="hold">
+                      <p:stCondLst>
+                        <p:cond delay="indefinite"/>
+                      </p:stCondLst>
+                      <p:childTnLst>
+                        <p:par>
+                          <p:cTn id="9" fill="hold">
+                            <p:stCondLst>
+                              <p:cond delay="0"/>
+                            </p:stCondLst>
+                            <p:childTnLst>
+                              <p:par>
+                                <p:cTn id="10" presetID="10" presetClass="entr" presetSubtype="0" fill="hold" nodeType="clickEffect">
+                                  <p:stCondLst>
+                                    <p:cond delay="0"/>
+                                  </p:stCondLst>
+                                  <p:childTnLst>
+                                    <p:set>
+                                      <p:cBhvr>
+                                        <p:cTn id="11" dur="1" fill="hold">
+                                          <p:stCondLst>
+                                            <p:cond delay="0"/>
+                                          </p:stCondLst>
+                                        </p:cTn>
+                                        <p:tgtEl>
+                                          <p:spTgt spid="14"/>
+                                        </p:tgtEl>
+                                        <p:attrNameLst>
+                                          <p:attrName>style.visibility</p:attrName>
+                                        </p:attrNameLst>
+                                      </p:cBhvr>
+                                      <p:to>
+                                        <p:strVal val="visible"/>
+                                      </p:to>
+                                    </p:set>
+                                    <p:animEffect transition="in" filter="fade">
+                                      <p:cBhvr>
+                                        <p:cTn id="12" dur="1750"/>
+                                        <p:tgtEl>
+                                          <p:spTgt spid="14"/>
+                                        </p:tgtEl>
+                                      </p:cBhvr>
+                                    </p:animEffect>
+                                  </p:childTnLst>
+                                </p:cTn>
+                              </p:par>
+                            </p:childTnLst>
+                          </p:cTn>
+                        </p:par>
+                      </p:childTnLst>
+                    </p:cTn>
+                  </p:par>
+                </p:childTnLst>
+              </p:cTn>
+              <p:prevCondLst>
+                <p:cond evt="onPrev" delay="0">
+                  <p:tgtEl>
+                    <p:sldTgt/>
+                  </p:tgtEl>
+                </p:cond>
+              </p:prevCondLst>
+              <p:nextCondLst>
+                <p:cond evt="onNext" delay="0">
+                  <p:tgtEl>
+                    <p:sldTgt/>
+                  </p:tgtEl>
+                </p:cond>
+              </p:nextCondLst>
+            </p:seq>
+          </p:childTnLst>
+        </p:cTn>
+      </p:par>
+    </p:tnLst>
+  </p:timing>
 </p:sld>
 </file>
 
@@ -17124,7 +18858,7 @@
           <p:cNvPr id="2" name="Title 1">
             <a:extLst>
               <a:ext uri="{FF2B5EF4-FFF2-40B4-BE49-F238E27FC236}">
-                <a16:creationId xmlns:a16="http://schemas.microsoft.com/office/drawing/2014/main" id="{CE4E82A1-F58C-EAAC-4BEC-D2010DE8DC29}"/>
+                <a16:creationId xmlns:a16="http://schemas.microsoft.com/office/drawing/2014/main" id="{ADBA016B-AF62-672C-CAD7-B4E986D9695E}"/>
               </a:ext>
             </a:extLst>
           </p:cNvPr>
@@ -17137,7 +18871,7 @@
         </p:nvSpPr>
         <p:spPr>
           <a:xfrm>
-            <a:off x="739482" y="88899"/>
+            <a:off x="732744" y="90170"/>
             <a:ext cx="3171825" cy="1325563"/>
           </a:xfrm>
         </p:spPr>
@@ -17157,7 +18891,7 @@
           <p:cNvPr id="3" name="Content Placeholder 2">
             <a:extLst>
               <a:ext uri="{FF2B5EF4-FFF2-40B4-BE49-F238E27FC236}">
-                <a16:creationId xmlns:a16="http://schemas.microsoft.com/office/drawing/2014/main" id="{C1790D83-A34A-BB7E-C1FE-0494035944B1}"/>
+                <a16:creationId xmlns:a16="http://schemas.microsoft.com/office/drawing/2014/main" id="{ED9CABD3-EB8F-B320-A591-DB9C0DAC9216}"/>
               </a:ext>
             </a:extLst>
           </p:cNvPr>
@@ -17170,8 +18904,8 @@
         </p:nvSpPr>
         <p:spPr>
           <a:xfrm>
-            <a:off x="739482" y="1872615"/>
-            <a:ext cx="8747418" cy="2519363"/>
+            <a:off x="1071521" y="1861642"/>
+            <a:ext cx="7269479" cy="3569018"/>
           </a:xfrm>
         </p:spPr>
         <p:txBody>
@@ -17180,13 +18914,13 @@
           </a:bodyPr>
           <a:lstStyle/>
           <a:p>
-            <a:pPr marL="457200" indent="-457200">
+            <a:pPr marL="342900" indent="-342900">
               <a:buFont typeface="+mj-lt"/>
-              <a:buAutoNum type="arabicPeriod" startAt="2"/>
+              <a:buAutoNum type="arabicPeriod"/>
             </a:pPr>
             <a:r>
               <a:rPr lang="en-US" sz="2000" dirty="0"/>
-              <a:t>Emphasize important data</a:t>
+              <a:t>Keep it simple </a:t>
             </a:r>
           </a:p>
           <a:p>
@@ -17196,108 +18930,269 @@
             </a:pPr>
             <a:r>
               <a:rPr lang="en-US" sz="2000" dirty="0"/>
-              <a:t>The most important data should immediately draw the user’s eye</a:t>
-            </a:r>
-          </a:p>
-        </p:txBody>
-      </p:sp>
-      <p:sp>
-        <p:nvSpPr>
-          <p:cNvPr id="4" name="Date Placeholder 3">
-            <a:extLst>
-              <a:ext uri="{FF2B5EF4-FFF2-40B4-BE49-F238E27FC236}">
-                <a16:creationId xmlns:a16="http://schemas.microsoft.com/office/drawing/2014/main" id="{1C6EDCA2-3887-09B8-00AE-7B142D538790}"/>
-              </a:ext>
-            </a:extLst>
-          </p:cNvPr>
-          <p:cNvSpPr>
-            <a:spLocks noGrp="1"/>
-          </p:cNvSpPr>
-          <p:nvPr>
-            <p:ph type="dt" sz="half" idx="10"/>
-          </p:nvPr>
-        </p:nvSpPr>
-        <p:spPr/>
-        <p:txBody>
-          <a:bodyPr/>
-          <a:lstStyle/>
-          <a:p>
-            <a:r>
-              <a:rPr lang="en-US"/>
-              <a:t>20XX</a:t>
-            </a:r>
-            <a:endParaRPr lang="en-US" dirty="0"/>
-          </a:p>
-        </p:txBody>
-      </p:sp>
-      <p:sp>
-        <p:nvSpPr>
-          <p:cNvPr id="5" name="Footer Placeholder 4">
-            <a:extLst>
-              <a:ext uri="{FF2B5EF4-FFF2-40B4-BE49-F238E27FC236}">
-                <a16:creationId xmlns:a16="http://schemas.microsoft.com/office/drawing/2014/main" id="{D90D920E-0ACD-8C0A-6D79-AC92F4EAF471}"/>
-              </a:ext>
-            </a:extLst>
-          </p:cNvPr>
-          <p:cNvSpPr>
-            <a:spLocks noGrp="1"/>
-          </p:cNvSpPr>
-          <p:nvPr>
-            <p:ph type="ftr" sz="quarter" idx="11"/>
-          </p:nvPr>
-        </p:nvSpPr>
-        <p:spPr/>
-        <p:txBody>
-          <a:bodyPr/>
-          <a:lstStyle/>
-          <a:p>
-            <a:r>
-              <a:rPr lang="en-US"/>
-              <a:t>Pitch Deck</a:t>
-            </a:r>
-            <a:endParaRPr lang="en-US" dirty="0"/>
-          </a:p>
-        </p:txBody>
-      </p:sp>
-      <p:sp>
-        <p:nvSpPr>
-          <p:cNvPr id="6" name="Slide Number Placeholder 5">
-            <a:extLst>
-              <a:ext uri="{FF2B5EF4-FFF2-40B4-BE49-F238E27FC236}">
-                <a16:creationId xmlns:a16="http://schemas.microsoft.com/office/drawing/2014/main" id="{58477827-F811-E222-3523-58D59E0DDD3A}"/>
-              </a:ext>
-            </a:extLst>
-          </p:cNvPr>
-          <p:cNvSpPr>
-            <a:spLocks noGrp="1"/>
-          </p:cNvSpPr>
-          <p:nvPr>
-            <p:ph type="sldNum" sz="quarter" idx="12"/>
-          </p:nvPr>
-        </p:nvSpPr>
-        <p:spPr/>
-        <p:txBody>
-          <a:bodyPr/>
-          <a:lstStyle/>
-          <a:p>
-            <a:fld id="{B5CEABB6-07DC-46E8-9B57-56EC44A396E5}" type="slidenum">
-              <a:rPr lang="en-US" smtClean="0"/>
-              <a:t>17</a:t>
-            </a:fld>
-            <a:endParaRPr lang="en-US" dirty="0"/>
-          </a:p>
-        </p:txBody>
-      </p:sp>
+              <a:t>Don’t overload a visual, report or dashboard with more information than is needed, but make it smart. </a:t>
+            </a:r>
+          </a:p>
+        </p:txBody>
+      </p:sp>
+      <p:pic>
+        <p:nvPicPr>
+          <p:cNvPr id="8" name="Picture 7">
+            <a:extLst>
+              <a:ext uri="{FF2B5EF4-FFF2-40B4-BE49-F238E27FC236}">
+                <a16:creationId xmlns:a16="http://schemas.microsoft.com/office/drawing/2014/main" id="{576A8F81-E406-C5B7-5D16-95C946BB0262}"/>
+              </a:ext>
+            </a:extLst>
+          </p:cNvPr>
+          <p:cNvPicPr>
+            <a:picLocks noChangeAspect="1"/>
+          </p:cNvPicPr>
+          <p:nvPr/>
+        </p:nvPicPr>
+        <p:blipFill>
+          <a:blip r:embed="rId2"/>
+          <a:stretch>
+            <a:fillRect/>
+          </a:stretch>
+        </p:blipFill>
+        <p:spPr>
+          <a:xfrm>
+            <a:off x="7149946" y="3119631"/>
+            <a:ext cx="5042054" cy="3120532"/>
+          </a:xfrm>
+          <a:prstGeom prst="rect">
+            <a:avLst/>
+          </a:prstGeom>
+        </p:spPr>
+      </p:pic>
     </p:spTree>
     <p:extLst>
       <p:ext uri="{BB962C8B-B14F-4D97-AF65-F5344CB8AC3E}">
-        <p14:creationId xmlns:p14="http://schemas.microsoft.com/office/powerpoint/2010/main" val="4038888847"/>
+        <p14:creationId xmlns:p14="http://schemas.microsoft.com/office/powerpoint/2010/main" val="3012575122"/>
       </p:ext>
     </p:extLst>
   </p:cSld>
   <p:clrMapOvr>
     <a:masterClrMapping/>
   </p:clrMapOvr>
+  <p:timing>
+    <p:tnLst>
+      <p:par>
+        <p:cTn id="1" dur="indefinite" restart="never" nodeType="tmRoot">
+          <p:childTnLst>
+            <p:seq concurrent="1" nextAc="seek">
+              <p:cTn id="2" dur="indefinite" nodeType="mainSeq">
+                <p:childTnLst>
+                  <p:par>
+                    <p:cTn id="3" fill="hold">
+                      <p:stCondLst>
+                        <p:cond delay="indefinite"/>
+                      </p:stCondLst>
+                      <p:childTnLst>
+                        <p:par>
+                          <p:cTn id="4" fill="hold">
+                            <p:stCondLst>
+                              <p:cond delay="0"/>
+                            </p:stCondLst>
+                            <p:childTnLst>
+                              <p:par>
+                                <p:cTn id="5" presetID="2" presetClass="entr" presetSubtype="4" fill="hold" nodeType="clickEffect">
+                                  <p:stCondLst>
+                                    <p:cond delay="0"/>
+                                  </p:stCondLst>
+                                  <p:childTnLst>
+                                    <p:set>
+                                      <p:cBhvr>
+                                        <p:cTn id="6" dur="1" fill="hold">
+                                          <p:stCondLst>
+                                            <p:cond delay="0"/>
+                                          </p:stCondLst>
+                                        </p:cTn>
+                                        <p:tgtEl>
+                                          <p:spTgt spid="3">
+                                            <p:txEl>
+                                              <p:pRg st="0" end="0"/>
+                                            </p:txEl>
+                                          </p:spTgt>
+                                        </p:tgtEl>
+                                        <p:attrNameLst>
+                                          <p:attrName>style.visibility</p:attrName>
+                                        </p:attrNameLst>
+                                      </p:cBhvr>
+                                      <p:to>
+                                        <p:strVal val="visible"/>
+                                      </p:to>
+                                    </p:set>
+                                    <p:anim calcmode="lin" valueType="num">
+                                      <p:cBhvr additive="base">
+                                        <p:cTn id="7" dur="1000" fill="hold"/>
+                                        <p:tgtEl>
+                                          <p:spTgt spid="3">
+                                            <p:txEl>
+                                              <p:pRg st="0" end="0"/>
+                                            </p:txEl>
+                                          </p:spTgt>
+                                        </p:tgtEl>
+                                        <p:attrNameLst>
+                                          <p:attrName>ppt_x</p:attrName>
+                                        </p:attrNameLst>
+                                      </p:cBhvr>
+                                      <p:tavLst>
+                                        <p:tav tm="0">
+                                          <p:val>
+                                            <p:strVal val="#ppt_x"/>
+                                          </p:val>
+                                        </p:tav>
+                                        <p:tav tm="100000">
+                                          <p:val>
+                                            <p:strVal val="#ppt_x"/>
+                                          </p:val>
+                                        </p:tav>
+                                      </p:tavLst>
+                                    </p:anim>
+                                    <p:anim calcmode="lin" valueType="num">
+                                      <p:cBhvr additive="base">
+                                        <p:cTn id="8" dur="1000" fill="hold"/>
+                                        <p:tgtEl>
+                                          <p:spTgt spid="3">
+                                            <p:txEl>
+                                              <p:pRg st="0" end="0"/>
+                                            </p:txEl>
+                                          </p:spTgt>
+                                        </p:tgtEl>
+                                        <p:attrNameLst>
+                                          <p:attrName>ppt_y</p:attrName>
+                                        </p:attrNameLst>
+                                      </p:cBhvr>
+                                      <p:tavLst>
+                                        <p:tav tm="0">
+                                          <p:val>
+                                            <p:strVal val="1+#ppt_h/2"/>
+                                          </p:val>
+                                        </p:tav>
+                                        <p:tav tm="100000">
+                                          <p:val>
+                                            <p:strVal val="#ppt_y"/>
+                                          </p:val>
+                                        </p:tav>
+                                      </p:tavLst>
+                                    </p:anim>
+                                  </p:childTnLst>
+                                </p:cTn>
+                              </p:par>
+                              <p:par>
+                                <p:cTn id="9" presetID="2" presetClass="entr" presetSubtype="4" fill="hold" nodeType="withEffect">
+                                  <p:stCondLst>
+                                    <p:cond delay="0"/>
+                                  </p:stCondLst>
+                                  <p:childTnLst>
+                                    <p:set>
+                                      <p:cBhvr>
+                                        <p:cTn id="10" dur="1" fill="hold">
+                                          <p:stCondLst>
+                                            <p:cond delay="0"/>
+                                          </p:stCondLst>
+                                        </p:cTn>
+                                        <p:tgtEl>
+                                          <p:spTgt spid="3">
+                                            <p:txEl>
+                                              <p:pRg st="1" end="1"/>
+                                            </p:txEl>
+                                          </p:spTgt>
+                                        </p:tgtEl>
+                                        <p:attrNameLst>
+                                          <p:attrName>style.visibility</p:attrName>
+                                        </p:attrNameLst>
+                                      </p:cBhvr>
+                                      <p:to>
+                                        <p:strVal val="visible"/>
+                                      </p:to>
+                                    </p:set>
+                                    <p:anim calcmode="lin" valueType="num">
+                                      <p:cBhvr additive="base">
+                                        <p:cTn id="11" dur="1000" fill="hold"/>
+                                        <p:tgtEl>
+                                          <p:spTgt spid="3">
+                                            <p:txEl>
+                                              <p:pRg st="1" end="1"/>
+                                            </p:txEl>
+                                          </p:spTgt>
+                                        </p:tgtEl>
+                                        <p:attrNameLst>
+                                          <p:attrName>ppt_x</p:attrName>
+                                        </p:attrNameLst>
+                                      </p:cBhvr>
+                                      <p:tavLst>
+                                        <p:tav tm="0">
+                                          <p:val>
+                                            <p:strVal val="#ppt_x"/>
+                                          </p:val>
+                                        </p:tav>
+                                        <p:tav tm="100000">
+                                          <p:val>
+                                            <p:strVal val="#ppt_x"/>
+                                          </p:val>
+                                        </p:tav>
+                                      </p:tavLst>
+                                    </p:anim>
+                                    <p:anim calcmode="lin" valueType="num">
+                                      <p:cBhvr additive="base">
+                                        <p:cTn id="12" dur="1000" fill="hold"/>
+                                        <p:tgtEl>
+                                          <p:spTgt spid="3">
+                                            <p:txEl>
+                                              <p:pRg st="1" end="1"/>
+                                            </p:txEl>
+                                          </p:spTgt>
+                                        </p:tgtEl>
+                                        <p:attrNameLst>
+                                          <p:attrName>ppt_y</p:attrName>
+                                        </p:attrNameLst>
+                                      </p:cBhvr>
+                                      <p:tavLst>
+                                        <p:tav tm="0">
+                                          <p:val>
+                                            <p:strVal val="1+#ppt_h/2"/>
+                                          </p:val>
+                                        </p:tav>
+                                        <p:tav tm="100000">
+                                          <p:val>
+                                            <p:strVal val="#ppt_y"/>
+                                          </p:val>
+                                        </p:tav>
+                                      </p:tavLst>
+                                    </p:anim>
+                                  </p:childTnLst>
+                                </p:cTn>
+                              </p:par>
+                            </p:childTnLst>
+                          </p:cTn>
+                        </p:par>
+                      </p:childTnLst>
+                    </p:cTn>
+                  </p:par>
+                </p:childTnLst>
+              </p:cTn>
+              <p:prevCondLst>
+                <p:cond evt="onPrev" delay="0">
+                  <p:tgtEl>
+                    <p:sldTgt/>
+                  </p:tgtEl>
+                </p:cond>
+              </p:prevCondLst>
+              <p:nextCondLst>
+                <p:cond evt="onNext" delay="0">
+                  <p:tgtEl>
+                    <p:sldTgt/>
+                  </p:tgtEl>
+                </p:cond>
+              </p:nextCondLst>
+            </p:seq>
+          </p:childTnLst>
+        </p:cTn>
+      </p:par>
+    </p:tnLst>
+  </p:timing>
 </p:sld>
 </file>
 
@@ -17323,7 +19218,7 @@
           <p:cNvPr id="2" name="Title 1">
             <a:extLst>
               <a:ext uri="{FF2B5EF4-FFF2-40B4-BE49-F238E27FC236}">
-                <a16:creationId xmlns:a16="http://schemas.microsoft.com/office/drawing/2014/main" id="{EFE8620F-47C1-37E7-902A-6261C8790CC2}"/>
+                <a16:creationId xmlns:a16="http://schemas.microsoft.com/office/drawing/2014/main" id="{CE4E82A1-F58C-EAAC-4BEC-D2010DE8DC29}"/>
               </a:ext>
             </a:extLst>
           </p:cNvPr>
@@ -17336,7 +19231,7 @@
         </p:nvSpPr>
         <p:spPr>
           <a:xfrm>
-            <a:off x="1333498" y="136525"/>
+            <a:off x="739482" y="88899"/>
             <a:ext cx="3171825" cy="1325563"/>
           </a:xfrm>
         </p:spPr>
@@ -17356,7 +19251,7 @@
           <p:cNvPr id="3" name="Content Placeholder 2">
             <a:extLst>
               <a:ext uri="{FF2B5EF4-FFF2-40B4-BE49-F238E27FC236}">
-                <a16:creationId xmlns:a16="http://schemas.microsoft.com/office/drawing/2014/main" id="{D86A6113-9919-66F3-BDA0-3FEE92FD8620}"/>
+                <a16:creationId xmlns:a16="http://schemas.microsoft.com/office/drawing/2014/main" id="{C1790D83-A34A-BB7E-C1FE-0494035944B1}"/>
               </a:ext>
             </a:extLst>
           </p:cNvPr>
@@ -17369,23 +19264,23 @@
         </p:nvSpPr>
         <p:spPr>
           <a:xfrm>
-            <a:off x="1333498" y="1781175"/>
-            <a:ext cx="5821682" cy="2519363"/>
+            <a:off x="739482" y="1872615"/>
+            <a:ext cx="8747418" cy="2519363"/>
           </a:xfrm>
         </p:spPr>
         <p:txBody>
           <a:bodyPr>
-            <a:normAutofit lnSpcReduction="10000"/>
+            <a:normAutofit/>
           </a:bodyPr>
           <a:lstStyle/>
           <a:p>
             <a:pPr marL="457200" indent="-457200">
               <a:buFont typeface="+mj-lt"/>
-              <a:buAutoNum type="arabicPeriod" startAt="3"/>
+              <a:buAutoNum type="arabicPeriod" startAt="2"/>
             </a:pPr>
             <a:r>
               <a:rPr lang="en-US" sz="2000" dirty="0"/>
-              <a:t>Focus on Audience</a:t>
+              <a:t>Emphasize important data</a:t>
             </a:r>
           </a:p>
           <a:p>
@@ -17395,21 +19290,8 @@
             </a:pPr>
             <a:r>
               <a:rPr lang="en-US" sz="2000" dirty="0"/>
-              <a:t>Convey what wants to be seen by the intended users. </a:t>
-            </a:r>
-          </a:p>
-          <a:p>
-            <a:pPr marL="342900" indent="-342900">
-              <a:buFont typeface="Arial" panose="020B0604020202020204" pitchFamily="34" charset="0"/>
-              <a:buChar char="•"/>
-            </a:pPr>
-            <a:r>
-              <a:rPr lang="en-US" sz="2000" dirty="0"/>
-              <a:t>Understand what wants to be seen by the users and present the data accordingly with proper visualizations</a:t>
-            </a:r>
-          </a:p>
-          <a:p>
-            <a:endParaRPr lang="en-US" sz="2000" dirty="0"/>
+              <a:t>The most important data should immediately draw the user’s eye</a:t>
+            </a:r>
           </a:p>
         </p:txBody>
       </p:sp>
@@ -17418,7 +19300,7 @@
           <p:cNvPr id="4" name="Date Placeholder 3">
             <a:extLst>
               <a:ext uri="{FF2B5EF4-FFF2-40B4-BE49-F238E27FC236}">
-                <a16:creationId xmlns:a16="http://schemas.microsoft.com/office/drawing/2014/main" id="{0D82AE96-FAA9-3D7B-429E-EEEF6BD405F2}"/>
+                <a16:creationId xmlns:a16="http://schemas.microsoft.com/office/drawing/2014/main" id="{1C6EDCA2-3887-09B8-00AE-7B142D538790}"/>
               </a:ext>
             </a:extLst>
           </p:cNvPr>
@@ -17447,7 +19329,7 @@
           <p:cNvPr id="5" name="Footer Placeholder 4">
             <a:extLst>
               <a:ext uri="{FF2B5EF4-FFF2-40B4-BE49-F238E27FC236}">
-                <a16:creationId xmlns:a16="http://schemas.microsoft.com/office/drawing/2014/main" id="{5723EEE0-0D9C-35F0-FF2C-3A6AA8940104}"/>
+                <a16:creationId xmlns:a16="http://schemas.microsoft.com/office/drawing/2014/main" id="{D90D920E-0ACD-8C0A-6D79-AC92F4EAF471}"/>
               </a:ext>
             </a:extLst>
           </p:cNvPr>
@@ -17476,7 +19358,7 @@
           <p:cNvPr id="6" name="Slide Number Placeholder 5">
             <a:extLst>
               <a:ext uri="{FF2B5EF4-FFF2-40B4-BE49-F238E27FC236}">
-                <a16:creationId xmlns:a16="http://schemas.microsoft.com/office/drawing/2014/main" id="{8354C341-2F55-B63B-EE75-2A28E4553C11}"/>
+                <a16:creationId xmlns:a16="http://schemas.microsoft.com/office/drawing/2014/main" id="{58477827-F811-E222-3523-58D59E0DDD3A}"/>
               </a:ext>
             </a:extLst>
           </p:cNvPr>
@@ -17500,6 +19382,517 @@
           </a:p>
         </p:txBody>
       </p:sp>
+      <p:pic>
+        <p:nvPicPr>
+          <p:cNvPr id="8" name="Picture 7">
+            <a:extLst>
+              <a:ext uri="{FF2B5EF4-FFF2-40B4-BE49-F238E27FC236}">
+                <a16:creationId xmlns:a16="http://schemas.microsoft.com/office/drawing/2014/main" id="{AFE161BB-45A0-4F6B-52C6-A850A9700126}"/>
+              </a:ext>
+            </a:extLst>
+          </p:cNvPr>
+          <p:cNvPicPr>
+            <a:picLocks noChangeAspect="1"/>
+          </p:cNvPicPr>
+          <p:nvPr/>
+        </p:nvPicPr>
+        <p:blipFill>
+          <a:blip r:embed="rId2"/>
+          <a:stretch>
+            <a:fillRect/>
+          </a:stretch>
+        </p:blipFill>
+        <p:spPr>
+          <a:xfrm>
+            <a:off x="6469450" y="3296125"/>
+            <a:ext cx="5633357" cy="3154680"/>
+          </a:xfrm>
+          <a:prstGeom prst="rect">
+            <a:avLst/>
+          </a:prstGeom>
+        </p:spPr>
+      </p:pic>
+    </p:spTree>
+    <p:extLst>
+      <p:ext uri="{BB962C8B-B14F-4D97-AF65-F5344CB8AC3E}">
+        <p14:creationId xmlns:p14="http://schemas.microsoft.com/office/powerpoint/2010/main" val="4038888847"/>
+      </p:ext>
+    </p:extLst>
+  </p:cSld>
+  <p:clrMapOvr>
+    <a:masterClrMapping/>
+  </p:clrMapOvr>
+  <p:timing>
+    <p:tnLst>
+      <p:par>
+        <p:cTn id="1" dur="indefinite" restart="never" nodeType="tmRoot">
+          <p:childTnLst>
+            <p:seq concurrent="1" nextAc="seek">
+              <p:cTn id="2" dur="indefinite" nodeType="mainSeq">
+                <p:childTnLst>
+                  <p:par>
+                    <p:cTn id="3" fill="hold">
+                      <p:stCondLst>
+                        <p:cond delay="indefinite"/>
+                      </p:stCondLst>
+                      <p:childTnLst>
+                        <p:par>
+                          <p:cTn id="4" fill="hold">
+                            <p:stCondLst>
+                              <p:cond delay="0"/>
+                            </p:stCondLst>
+                            <p:childTnLst>
+                              <p:par>
+                                <p:cTn id="5" presetID="2" presetClass="entr" presetSubtype="4" fill="hold" grpId="0" nodeType="clickEffect">
+                                  <p:stCondLst>
+                                    <p:cond delay="0"/>
+                                  </p:stCondLst>
+                                  <p:childTnLst>
+                                    <p:set>
+                                      <p:cBhvr>
+                                        <p:cTn id="6" dur="1" fill="hold">
+                                          <p:stCondLst>
+                                            <p:cond delay="0"/>
+                                          </p:stCondLst>
+                                        </p:cTn>
+                                        <p:tgtEl>
+                                          <p:spTgt spid="3">
+                                            <p:txEl>
+                                              <p:pRg st="0" end="0"/>
+                                            </p:txEl>
+                                          </p:spTgt>
+                                        </p:tgtEl>
+                                        <p:attrNameLst>
+                                          <p:attrName>style.visibility</p:attrName>
+                                        </p:attrNameLst>
+                                      </p:cBhvr>
+                                      <p:to>
+                                        <p:strVal val="visible"/>
+                                      </p:to>
+                                    </p:set>
+                                    <p:anim calcmode="lin" valueType="num">
+                                      <p:cBhvr additive="base">
+                                        <p:cTn id="7" dur="1000" fill="hold"/>
+                                        <p:tgtEl>
+                                          <p:spTgt spid="3">
+                                            <p:txEl>
+                                              <p:pRg st="0" end="0"/>
+                                            </p:txEl>
+                                          </p:spTgt>
+                                        </p:tgtEl>
+                                        <p:attrNameLst>
+                                          <p:attrName>ppt_x</p:attrName>
+                                        </p:attrNameLst>
+                                      </p:cBhvr>
+                                      <p:tavLst>
+                                        <p:tav tm="0">
+                                          <p:val>
+                                            <p:strVal val="#ppt_x"/>
+                                          </p:val>
+                                        </p:tav>
+                                        <p:tav tm="100000">
+                                          <p:val>
+                                            <p:strVal val="#ppt_x"/>
+                                          </p:val>
+                                        </p:tav>
+                                      </p:tavLst>
+                                    </p:anim>
+                                    <p:anim calcmode="lin" valueType="num">
+                                      <p:cBhvr additive="base">
+                                        <p:cTn id="8" dur="1000" fill="hold"/>
+                                        <p:tgtEl>
+                                          <p:spTgt spid="3">
+                                            <p:txEl>
+                                              <p:pRg st="0" end="0"/>
+                                            </p:txEl>
+                                          </p:spTgt>
+                                        </p:tgtEl>
+                                        <p:attrNameLst>
+                                          <p:attrName>ppt_y</p:attrName>
+                                        </p:attrNameLst>
+                                      </p:cBhvr>
+                                      <p:tavLst>
+                                        <p:tav tm="0">
+                                          <p:val>
+                                            <p:strVal val="1+#ppt_h/2"/>
+                                          </p:val>
+                                        </p:tav>
+                                        <p:tav tm="100000">
+                                          <p:val>
+                                            <p:strVal val="#ppt_y"/>
+                                          </p:val>
+                                        </p:tav>
+                                      </p:tavLst>
+                                    </p:anim>
+                                  </p:childTnLst>
+                                </p:cTn>
+                              </p:par>
+                            </p:childTnLst>
+                          </p:cTn>
+                        </p:par>
+                      </p:childTnLst>
+                    </p:cTn>
+                  </p:par>
+                  <p:par>
+                    <p:cTn id="9" fill="hold">
+                      <p:stCondLst>
+                        <p:cond delay="indefinite"/>
+                      </p:stCondLst>
+                      <p:childTnLst>
+                        <p:par>
+                          <p:cTn id="10" fill="hold">
+                            <p:stCondLst>
+                              <p:cond delay="0"/>
+                            </p:stCondLst>
+                            <p:childTnLst>
+                              <p:par>
+                                <p:cTn id="11" presetID="2" presetClass="entr" presetSubtype="4" fill="hold" grpId="0" nodeType="clickEffect">
+                                  <p:stCondLst>
+                                    <p:cond delay="0"/>
+                                  </p:stCondLst>
+                                  <p:childTnLst>
+                                    <p:set>
+                                      <p:cBhvr>
+                                        <p:cTn id="12" dur="1" fill="hold">
+                                          <p:stCondLst>
+                                            <p:cond delay="0"/>
+                                          </p:stCondLst>
+                                        </p:cTn>
+                                        <p:tgtEl>
+                                          <p:spTgt spid="3">
+                                            <p:txEl>
+                                              <p:pRg st="1" end="1"/>
+                                            </p:txEl>
+                                          </p:spTgt>
+                                        </p:tgtEl>
+                                        <p:attrNameLst>
+                                          <p:attrName>style.visibility</p:attrName>
+                                        </p:attrNameLst>
+                                      </p:cBhvr>
+                                      <p:to>
+                                        <p:strVal val="visible"/>
+                                      </p:to>
+                                    </p:set>
+                                    <p:anim calcmode="lin" valueType="num">
+                                      <p:cBhvr additive="base">
+                                        <p:cTn id="13" dur="1000" fill="hold"/>
+                                        <p:tgtEl>
+                                          <p:spTgt spid="3">
+                                            <p:txEl>
+                                              <p:pRg st="1" end="1"/>
+                                            </p:txEl>
+                                          </p:spTgt>
+                                        </p:tgtEl>
+                                        <p:attrNameLst>
+                                          <p:attrName>ppt_x</p:attrName>
+                                        </p:attrNameLst>
+                                      </p:cBhvr>
+                                      <p:tavLst>
+                                        <p:tav tm="0">
+                                          <p:val>
+                                            <p:strVal val="#ppt_x"/>
+                                          </p:val>
+                                        </p:tav>
+                                        <p:tav tm="100000">
+                                          <p:val>
+                                            <p:strVal val="#ppt_x"/>
+                                          </p:val>
+                                        </p:tav>
+                                      </p:tavLst>
+                                    </p:anim>
+                                    <p:anim calcmode="lin" valueType="num">
+                                      <p:cBhvr additive="base">
+                                        <p:cTn id="14" dur="1000" fill="hold"/>
+                                        <p:tgtEl>
+                                          <p:spTgt spid="3">
+                                            <p:txEl>
+                                              <p:pRg st="1" end="1"/>
+                                            </p:txEl>
+                                          </p:spTgt>
+                                        </p:tgtEl>
+                                        <p:attrNameLst>
+                                          <p:attrName>ppt_y</p:attrName>
+                                        </p:attrNameLst>
+                                      </p:cBhvr>
+                                      <p:tavLst>
+                                        <p:tav tm="0">
+                                          <p:val>
+                                            <p:strVal val="1+#ppt_h/2"/>
+                                          </p:val>
+                                        </p:tav>
+                                        <p:tav tm="100000">
+                                          <p:val>
+                                            <p:strVal val="#ppt_y"/>
+                                          </p:val>
+                                        </p:tav>
+                                      </p:tavLst>
+                                    </p:anim>
+                                  </p:childTnLst>
+                                </p:cTn>
+                              </p:par>
+                            </p:childTnLst>
+                          </p:cTn>
+                        </p:par>
+                      </p:childTnLst>
+                    </p:cTn>
+                  </p:par>
+                </p:childTnLst>
+              </p:cTn>
+              <p:prevCondLst>
+                <p:cond evt="onPrev" delay="0">
+                  <p:tgtEl>
+                    <p:sldTgt/>
+                  </p:tgtEl>
+                </p:cond>
+              </p:prevCondLst>
+              <p:nextCondLst>
+                <p:cond evt="onNext" delay="0">
+                  <p:tgtEl>
+                    <p:sldTgt/>
+                  </p:tgtEl>
+                </p:cond>
+              </p:nextCondLst>
+            </p:seq>
+          </p:childTnLst>
+        </p:cTn>
+      </p:par>
+    </p:tnLst>
+    <p:bldLst>
+      <p:bldP spid="3" grpId="0" build="p"/>
+    </p:bldLst>
+  </p:timing>
+</p:sld>
+</file>
+
+<file path=ppt/slides/slide19.xml><?xml version="1.0" encoding="utf-8"?>
+<p:sld xmlns:a="http://schemas.openxmlformats.org/drawingml/2006/main" xmlns:r="http://schemas.openxmlformats.org/officeDocument/2006/relationships" xmlns:p="http://schemas.openxmlformats.org/presentationml/2006/main">
+  <p:cSld>
+    <p:spTree>
+      <p:nvGrpSpPr>
+        <p:cNvPr id="1" name=""/>
+        <p:cNvGrpSpPr/>
+        <p:nvPr/>
+      </p:nvGrpSpPr>
+      <p:grpSpPr>
+        <a:xfrm>
+          <a:off x="0" y="0"/>
+          <a:ext cx="0" cy="0"/>
+          <a:chOff x="0" y="0"/>
+          <a:chExt cx="0" cy="0"/>
+        </a:xfrm>
+      </p:grpSpPr>
+      <p:sp>
+        <p:nvSpPr>
+          <p:cNvPr id="2" name="Title 1">
+            <a:extLst>
+              <a:ext uri="{FF2B5EF4-FFF2-40B4-BE49-F238E27FC236}">
+                <a16:creationId xmlns:a16="http://schemas.microsoft.com/office/drawing/2014/main" id="{EFE8620F-47C1-37E7-902A-6261C8790CC2}"/>
+              </a:ext>
+            </a:extLst>
+          </p:cNvPr>
+          <p:cNvSpPr>
+            <a:spLocks noGrp="1"/>
+          </p:cNvSpPr>
+          <p:nvPr>
+            <p:ph type="title"/>
+          </p:nvPr>
+        </p:nvSpPr>
+        <p:spPr>
+          <a:xfrm>
+            <a:off x="1333498" y="136525"/>
+            <a:ext cx="3171825" cy="1325563"/>
+          </a:xfrm>
+        </p:spPr>
+        <p:txBody>
+          <a:bodyPr/>
+          <a:lstStyle/>
+          <a:p>
+            <a:r>
+              <a:rPr lang="en-US" dirty="0"/>
+              <a:t>Cardinal Rules for Data Presentation</a:t>
+            </a:r>
+          </a:p>
+        </p:txBody>
+      </p:sp>
+      <p:sp>
+        <p:nvSpPr>
+          <p:cNvPr id="3" name="Content Placeholder 2">
+            <a:extLst>
+              <a:ext uri="{FF2B5EF4-FFF2-40B4-BE49-F238E27FC236}">
+                <a16:creationId xmlns:a16="http://schemas.microsoft.com/office/drawing/2014/main" id="{D86A6113-9919-66F3-BDA0-3FEE92FD8620}"/>
+              </a:ext>
+            </a:extLst>
+          </p:cNvPr>
+          <p:cNvSpPr>
+            <a:spLocks noGrp="1"/>
+          </p:cNvSpPr>
+          <p:nvPr>
+            <p:ph idx="1"/>
+          </p:nvPr>
+        </p:nvSpPr>
+        <p:spPr>
+          <a:xfrm>
+            <a:off x="1333498" y="1781175"/>
+            <a:ext cx="5821682" cy="2519363"/>
+          </a:xfrm>
+        </p:spPr>
+        <p:txBody>
+          <a:bodyPr>
+            <a:normAutofit lnSpcReduction="10000"/>
+          </a:bodyPr>
+          <a:lstStyle/>
+          <a:p>
+            <a:pPr marL="457200" indent="-457200">
+              <a:buFont typeface="+mj-lt"/>
+              <a:buAutoNum type="arabicPeriod" startAt="3"/>
+            </a:pPr>
+            <a:r>
+              <a:rPr lang="en-US" sz="2000" dirty="0"/>
+              <a:t>Focus on Audience</a:t>
+            </a:r>
+          </a:p>
+          <a:p>
+            <a:pPr marL="342900" indent="-342900">
+              <a:buFont typeface="Arial" panose="020B0604020202020204" pitchFamily="34" charset="0"/>
+              <a:buChar char="•"/>
+            </a:pPr>
+            <a:r>
+              <a:rPr lang="en-US" sz="2000" dirty="0"/>
+              <a:t>Convey what wants to be seen by the intended users. </a:t>
+            </a:r>
+          </a:p>
+          <a:p>
+            <a:pPr marL="342900" indent="-342900">
+              <a:buFont typeface="Arial" panose="020B0604020202020204" pitchFamily="34" charset="0"/>
+              <a:buChar char="•"/>
+            </a:pPr>
+            <a:r>
+              <a:rPr lang="en-US" sz="2000" dirty="0"/>
+              <a:t>Understand what wants to be seen by the users and present the data accordingly with proper visualizations</a:t>
+            </a:r>
+          </a:p>
+          <a:p>
+            <a:endParaRPr lang="en-US" sz="2000" dirty="0"/>
+          </a:p>
+        </p:txBody>
+      </p:sp>
+      <p:sp>
+        <p:nvSpPr>
+          <p:cNvPr id="4" name="Date Placeholder 3">
+            <a:extLst>
+              <a:ext uri="{FF2B5EF4-FFF2-40B4-BE49-F238E27FC236}">
+                <a16:creationId xmlns:a16="http://schemas.microsoft.com/office/drawing/2014/main" id="{0D82AE96-FAA9-3D7B-429E-EEEF6BD405F2}"/>
+              </a:ext>
+            </a:extLst>
+          </p:cNvPr>
+          <p:cNvSpPr>
+            <a:spLocks noGrp="1"/>
+          </p:cNvSpPr>
+          <p:nvPr>
+            <p:ph type="dt" sz="half" idx="10"/>
+          </p:nvPr>
+        </p:nvSpPr>
+        <p:spPr/>
+        <p:txBody>
+          <a:bodyPr/>
+          <a:lstStyle/>
+          <a:p>
+            <a:r>
+              <a:rPr lang="en-US"/>
+              <a:t>20XX</a:t>
+            </a:r>
+            <a:endParaRPr lang="en-US" dirty="0"/>
+          </a:p>
+        </p:txBody>
+      </p:sp>
+      <p:sp>
+        <p:nvSpPr>
+          <p:cNvPr id="5" name="Footer Placeholder 4">
+            <a:extLst>
+              <a:ext uri="{FF2B5EF4-FFF2-40B4-BE49-F238E27FC236}">
+                <a16:creationId xmlns:a16="http://schemas.microsoft.com/office/drawing/2014/main" id="{5723EEE0-0D9C-35F0-FF2C-3A6AA8940104}"/>
+              </a:ext>
+            </a:extLst>
+          </p:cNvPr>
+          <p:cNvSpPr>
+            <a:spLocks noGrp="1"/>
+          </p:cNvSpPr>
+          <p:nvPr>
+            <p:ph type="ftr" sz="quarter" idx="11"/>
+          </p:nvPr>
+        </p:nvSpPr>
+        <p:spPr/>
+        <p:txBody>
+          <a:bodyPr/>
+          <a:lstStyle/>
+          <a:p>
+            <a:r>
+              <a:rPr lang="en-US"/>
+              <a:t>Pitch Deck</a:t>
+            </a:r>
+            <a:endParaRPr lang="en-US" dirty="0"/>
+          </a:p>
+        </p:txBody>
+      </p:sp>
+      <p:sp>
+        <p:nvSpPr>
+          <p:cNvPr id="6" name="Slide Number Placeholder 5">
+            <a:extLst>
+              <a:ext uri="{FF2B5EF4-FFF2-40B4-BE49-F238E27FC236}">
+                <a16:creationId xmlns:a16="http://schemas.microsoft.com/office/drawing/2014/main" id="{8354C341-2F55-B63B-EE75-2A28E4553C11}"/>
+              </a:ext>
+            </a:extLst>
+          </p:cNvPr>
+          <p:cNvSpPr>
+            <a:spLocks noGrp="1"/>
+          </p:cNvSpPr>
+          <p:nvPr>
+            <p:ph type="sldNum" sz="quarter" idx="12"/>
+          </p:nvPr>
+        </p:nvSpPr>
+        <p:spPr/>
+        <p:txBody>
+          <a:bodyPr/>
+          <a:lstStyle/>
+          <a:p>
+            <a:fld id="{B5CEABB6-07DC-46E8-9B57-56EC44A396E5}" type="slidenum">
+              <a:rPr lang="en-US" smtClean="0"/>
+              <a:t>19</a:t>
+            </a:fld>
+            <a:endParaRPr lang="en-US" dirty="0"/>
+          </a:p>
+        </p:txBody>
+      </p:sp>
+      <p:pic>
+        <p:nvPicPr>
+          <p:cNvPr id="12" name="Picture 11">
+            <a:extLst>
+              <a:ext uri="{FF2B5EF4-FFF2-40B4-BE49-F238E27FC236}">
+                <a16:creationId xmlns:a16="http://schemas.microsoft.com/office/drawing/2014/main" id="{7A7F3CC6-3391-167C-362A-4A226F3BB38F}"/>
+              </a:ext>
+            </a:extLst>
+          </p:cNvPr>
+          <p:cNvPicPr>
+            <a:picLocks noChangeAspect="1"/>
+          </p:cNvPicPr>
+          <p:nvPr/>
+        </p:nvPicPr>
+        <p:blipFill>
+          <a:blip r:embed="rId2"/>
+          <a:stretch>
+            <a:fillRect/>
+          </a:stretch>
+        </p:blipFill>
+        <p:spPr>
+          <a:xfrm>
+            <a:off x="7155180" y="1781175"/>
+            <a:ext cx="4939875" cy="3175634"/>
+          </a:xfrm>
+          <a:prstGeom prst="rect">
+            <a:avLst/>
+          </a:prstGeom>
+        </p:spPr>
+      </p:pic>
     </p:spTree>
     <p:extLst>
       <p:ext uri="{BB962C8B-B14F-4D97-AF65-F5344CB8AC3E}">
@@ -17510,6 +19903,309 @@
   <p:clrMapOvr>
     <a:masterClrMapping/>
   </p:clrMapOvr>
+  <p:timing>
+    <p:tnLst>
+      <p:par>
+        <p:cTn id="1" dur="indefinite" restart="never" nodeType="tmRoot">
+          <p:childTnLst>
+            <p:seq concurrent="1" nextAc="seek">
+              <p:cTn id="2" dur="indefinite" nodeType="mainSeq">
+                <p:childTnLst>
+                  <p:par>
+                    <p:cTn id="3" fill="hold">
+                      <p:stCondLst>
+                        <p:cond delay="indefinite"/>
+                      </p:stCondLst>
+                      <p:childTnLst>
+                        <p:par>
+                          <p:cTn id="4" fill="hold">
+                            <p:stCondLst>
+                              <p:cond delay="0"/>
+                            </p:stCondLst>
+                            <p:childTnLst>
+                              <p:par>
+                                <p:cTn id="5" presetID="2" presetClass="entr" presetSubtype="4" fill="hold" nodeType="clickEffect">
+                                  <p:stCondLst>
+                                    <p:cond delay="0"/>
+                                  </p:stCondLst>
+                                  <p:childTnLst>
+                                    <p:set>
+                                      <p:cBhvr>
+                                        <p:cTn id="6" dur="1" fill="hold">
+                                          <p:stCondLst>
+                                            <p:cond delay="0"/>
+                                          </p:stCondLst>
+                                        </p:cTn>
+                                        <p:tgtEl>
+                                          <p:spTgt spid="3">
+                                            <p:txEl>
+                                              <p:pRg st="0" end="0"/>
+                                            </p:txEl>
+                                          </p:spTgt>
+                                        </p:tgtEl>
+                                        <p:attrNameLst>
+                                          <p:attrName>style.visibility</p:attrName>
+                                        </p:attrNameLst>
+                                      </p:cBhvr>
+                                      <p:to>
+                                        <p:strVal val="visible"/>
+                                      </p:to>
+                                    </p:set>
+                                    <p:anim calcmode="lin" valueType="num">
+                                      <p:cBhvr additive="base">
+                                        <p:cTn id="7" dur="1000" fill="hold"/>
+                                        <p:tgtEl>
+                                          <p:spTgt spid="3">
+                                            <p:txEl>
+                                              <p:pRg st="0" end="0"/>
+                                            </p:txEl>
+                                          </p:spTgt>
+                                        </p:tgtEl>
+                                        <p:attrNameLst>
+                                          <p:attrName>ppt_x</p:attrName>
+                                        </p:attrNameLst>
+                                      </p:cBhvr>
+                                      <p:tavLst>
+                                        <p:tav tm="0">
+                                          <p:val>
+                                            <p:strVal val="#ppt_x"/>
+                                          </p:val>
+                                        </p:tav>
+                                        <p:tav tm="100000">
+                                          <p:val>
+                                            <p:strVal val="#ppt_x"/>
+                                          </p:val>
+                                        </p:tav>
+                                      </p:tavLst>
+                                    </p:anim>
+                                    <p:anim calcmode="lin" valueType="num">
+                                      <p:cBhvr additive="base">
+                                        <p:cTn id="8" dur="1000" fill="hold"/>
+                                        <p:tgtEl>
+                                          <p:spTgt spid="3">
+                                            <p:txEl>
+                                              <p:pRg st="0" end="0"/>
+                                            </p:txEl>
+                                          </p:spTgt>
+                                        </p:tgtEl>
+                                        <p:attrNameLst>
+                                          <p:attrName>ppt_y</p:attrName>
+                                        </p:attrNameLst>
+                                      </p:cBhvr>
+                                      <p:tavLst>
+                                        <p:tav tm="0">
+                                          <p:val>
+                                            <p:strVal val="1+#ppt_h/2"/>
+                                          </p:val>
+                                        </p:tav>
+                                        <p:tav tm="100000">
+                                          <p:val>
+                                            <p:strVal val="#ppt_y"/>
+                                          </p:val>
+                                        </p:tav>
+                                      </p:tavLst>
+                                    </p:anim>
+                                  </p:childTnLst>
+                                </p:cTn>
+                              </p:par>
+                              <p:par>
+                                <p:cTn id="9" presetID="2" presetClass="entr" presetSubtype="4" fill="hold" nodeType="withEffect">
+                                  <p:stCondLst>
+                                    <p:cond delay="0"/>
+                                  </p:stCondLst>
+                                  <p:childTnLst>
+                                    <p:set>
+                                      <p:cBhvr>
+                                        <p:cTn id="10" dur="1" fill="hold">
+                                          <p:stCondLst>
+                                            <p:cond delay="0"/>
+                                          </p:stCondLst>
+                                        </p:cTn>
+                                        <p:tgtEl>
+                                          <p:spTgt spid="3">
+                                            <p:txEl>
+                                              <p:pRg st="1" end="1"/>
+                                            </p:txEl>
+                                          </p:spTgt>
+                                        </p:tgtEl>
+                                        <p:attrNameLst>
+                                          <p:attrName>style.visibility</p:attrName>
+                                        </p:attrNameLst>
+                                      </p:cBhvr>
+                                      <p:to>
+                                        <p:strVal val="visible"/>
+                                      </p:to>
+                                    </p:set>
+                                    <p:anim calcmode="lin" valueType="num">
+                                      <p:cBhvr additive="base">
+                                        <p:cTn id="11" dur="1000" fill="hold"/>
+                                        <p:tgtEl>
+                                          <p:spTgt spid="3">
+                                            <p:txEl>
+                                              <p:pRg st="1" end="1"/>
+                                            </p:txEl>
+                                          </p:spTgt>
+                                        </p:tgtEl>
+                                        <p:attrNameLst>
+                                          <p:attrName>ppt_x</p:attrName>
+                                        </p:attrNameLst>
+                                      </p:cBhvr>
+                                      <p:tavLst>
+                                        <p:tav tm="0">
+                                          <p:val>
+                                            <p:strVal val="#ppt_x"/>
+                                          </p:val>
+                                        </p:tav>
+                                        <p:tav tm="100000">
+                                          <p:val>
+                                            <p:strVal val="#ppt_x"/>
+                                          </p:val>
+                                        </p:tav>
+                                      </p:tavLst>
+                                    </p:anim>
+                                    <p:anim calcmode="lin" valueType="num">
+                                      <p:cBhvr additive="base">
+                                        <p:cTn id="12" dur="1000" fill="hold"/>
+                                        <p:tgtEl>
+                                          <p:spTgt spid="3">
+                                            <p:txEl>
+                                              <p:pRg st="1" end="1"/>
+                                            </p:txEl>
+                                          </p:spTgt>
+                                        </p:tgtEl>
+                                        <p:attrNameLst>
+                                          <p:attrName>ppt_y</p:attrName>
+                                        </p:attrNameLst>
+                                      </p:cBhvr>
+                                      <p:tavLst>
+                                        <p:tav tm="0">
+                                          <p:val>
+                                            <p:strVal val="1+#ppt_h/2"/>
+                                          </p:val>
+                                        </p:tav>
+                                        <p:tav tm="100000">
+                                          <p:val>
+                                            <p:strVal val="#ppt_y"/>
+                                          </p:val>
+                                        </p:tav>
+                                      </p:tavLst>
+                                    </p:anim>
+                                  </p:childTnLst>
+                                </p:cTn>
+                              </p:par>
+                              <p:par>
+                                <p:cTn id="13" presetID="2" presetClass="entr" presetSubtype="4" fill="hold" nodeType="withEffect">
+                                  <p:stCondLst>
+                                    <p:cond delay="0"/>
+                                  </p:stCondLst>
+                                  <p:childTnLst>
+                                    <p:set>
+                                      <p:cBhvr>
+                                        <p:cTn id="14" dur="1" fill="hold">
+                                          <p:stCondLst>
+                                            <p:cond delay="0"/>
+                                          </p:stCondLst>
+                                        </p:cTn>
+                                        <p:tgtEl>
+                                          <p:spTgt spid="3">
+                                            <p:txEl>
+                                              <p:pRg st="2" end="2"/>
+                                            </p:txEl>
+                                          </p:spTgt>
+                                        </p:tgtEl>
+                                        <p:attrNameLst>
+                                          <p:attrName>style.visibility</p:attrName>
+                                        </p:attrNameLst>
+                                      </p:cBhvr>
+                                      <p:to>
+                                        <p:strVal val="visible"/>
+                                      </p:to>
+                                    </p:set>
+                                    <p:anim calcmode="lin" valueType="num">
+                                      <p:cBhvr additive="base">
+                                        <p:cTn id="15" dur="1000" fill="hold"/>
+                                        <p:tgtEl>
+                                          <p:spTgt spid="3">
+                                            <p:txEl>
+                                              <p:pRg st="2" end="2"/>
+                                            </p:txEl>
+                                          </p:spTgt>
+                                        </p:tgtEl>
+                                        <p:attrNameLst>
+                                          <p:attrName>ppt_x</p:attrName>
+                                        </p:attrNameLst>
+                                      </p:cBhvr>
+                                      <p:tavLst>
+                                        <p:tav tm="0">
+                                          <p:val>
+                                            <p:strVal val="#ppt_x"/>
+                                          </p:val>
+                                        </p:tav>
+                                        <p:tav tm="100000">
+                                          <p:val>
+                                            <p:strVal val="#ppt_x"/>
+                                          </p:val>
+                                        </p:tav>
+                                      </p:tavLst>
+                                    </p:anim>
+                                    <p:anim calcmode="lin" valueType="num">
+                                      <p:cBhvr additive="base">
+                                        <p:cTn id="16" dur="1000" fill="hold"/>
+                                        <p:tgtEl>
+                                          <p:spTgt spid="3">
+                                            <p:txEl>
+                                              <p:pRg st="2" end="2"/>
+                                            </p:txEl>
+                                          </p:spTgt>
+                                        </p:tgtEl>
+                                        <p:attrNameLst>
+                                          <p:attrName>ppt_y</p:attrName>
+                                        </p:attrNameLst>
+                                      </p:cBhvr>
+                                      <p:tavLst>
+                                        <p:tav tm="0">
+                                          <p:val>
+                                            <p:strVal val="1+#ppt_h/2"/>
+                                          </p:val>
+                                        </p:tav>
+                                        <p:tav tm="100000">
+                                          <p:val>
+                                            <p:strVal val="#ppt_y"/>
+                                          </p:val>
+                                        </p:tav>
+                                      </p:tavLst>
+                                    </p:anim>
+                                  </p:childTnLst>
+                                </p:cTn>
+                              </p:par>
+                            </p:childTnLst>
+                          </p:cTn>
+                        </p:par>
+                      </p:childTnLst>
+                    </p:cTn>
+                  </p:par>
+                </p:childTnLst>
+              </p:cTn>
+              <p:prevCondLst>
+                <p:cond evt="onPrev" delay="0">
+                  <p:tgtEl>
+                    <p:sldTgt/>
+                  </p:tgtEl>
+                </p:cond>
+              </p:prevCondLst>
+              <p:nextCondLst>
+                <p:cond evt="onNext" delay="0">
+                  <p:tgtEl>
+                    <p:sldTgt/>
+                  </p:tgtEl>
+                </p:cond>
+              </p:nextCondLst>
+            </p:seq>
+          </p:childTnLst>
+        </p:cTn>
+      </p:par>
+    </p:tnLst>
+  </p:timing>
 </p:sld>
 </file>
 
@@ -17589,8 +20285,8 @@
         </p:nvSpPr>
         <p:spPr>
           <a:xfrm>
-            <a:off x="200366" y="2124869"/>
-            <a:ext cx="7421881" cy="3432174"/>
+            <a:off x="0" y="2794206"/>
+            <a:ext cx="7421881" cy="2093499"/>
           </a:xfrm>
         </p:spPr>
         <p:txBody>
@@ -17715,6 +20411,36 @@
           </a:p>
         </p:txBody>
       </p:sp>
+      <p:pic>
+        <p:nvPicPr>
+          <p:cNvPr id="10" name="Picture 9">
+            <a:extLst>
+              <a:ext uri="{FF2B5EF4-FFF2-40B4-BE49-F238E27FC236}">
+                <a16:creationId xmlns:a16="http://schemas.microsoft.com/office/drawing/2014/main" id="{0EABEBBA-EE7C-9732-E812-5D46E2510595}"/>
+              </a:ext>
+            </a:extLst>
+          </p:cNvPr>
+          <p:cNvPicPr>
+            <a:picLocks noChangeAspect="1"/>
+          </p:cNvPicPr>
+          <p:nvPr/>
+        </p:nvPicPr>
+        <p:blipFill>
+          <a:blip r:embed="rId2"/>
+          <a:stretch>
+            <a:fillRect/>
+          </a:stretch>
+        </p:blipFill>
+        <p:spPr>
+          <a:xfrm>
+            <a:off x="6996779" y="176385"/>
+            <a:ext cx="4775477" cy="2674267"/>
+          </a:xfrm>
+          <a:prstGeom prst="rect">
+            <a:avLst/>
+          </a:prstGeom>
+        </p:spPr>
+      </p:pic>
     </p:spTree>
     <p:extLst>
       <p:ext uri="{BB962C8B-B14F-4D97-AF65-F5344CB8AC3E}">
@@ -17725,6 +20451,139 @@
   <p:clrMapOvr>
     <a:masterClrMapping/>
   </p:clrMapOvr>
+  <p:timing>
+    <p:tnLst>
+      <p:par>
+        <p:cTn id="1" dur="indefinite" restart="never" nodeType="tmRoot">
+          <p:childTnLst>
+            <p:seq concurrent="1" nextAc="seek">
+              <p:cTn id="2" dur="indefinite" nodeType="mainSeq">
+                <p:childTnLst>
+                  <p:par>
+                    <p:cTn id="3" fill="hold">
+                      <p:stCondLst>
+                        <p:cond delay="indefinite"/>
+                      </p:stCondLst>
+                      <p:childTnLst>
+                        <p:par>
+                          <p:cTn id="4" fill="hold">
+                            <p:stCondLst>
+                              <p:cond delay="0"/>
+                            </p:stCondLst>
+                            <p:childTnLst>
+                              <p:par>
+                                <p:cTn id="5" presetID="2" presetClass="entr" presetSubtype="4" fill="hold" nodeType="clickEffect">
+                                  <p:stCondLst>
+                                    <p:cond delay="0"/>
+                                  </p:stCondLst>
+                                  <p:childTnLst>
+                                    <p:set>
+                                      <p:cBhvr>
+                                        <p:cTn id="6" dur="1" fill="hold">
+                                          <p:stCondLst>
+                                            <p:cond delay="0"/>
+                                          </p:stCondLst>
+                                        </p:cTn>
+                                        <p:tgtEl>
+                                          <p:spTgt spid="3">
+                                            <p:txEl>
+                                              <p:pRg st="0" end="0"/>
+                                            </p:txEl>
+                                          </p:spTgt>
+                                        </p:tgtEl>
+                                        <p:attrNameLst>
+                                          <p:attrName>style.visibility</p:attrName>
+                                        </p:attrNameLst>
+                                      </p:cBhvr>
+                                      <p:to>
+                                        <p:strVal val="visible"/>
+                                      </p:to>
+                                    </p:set>
+                                    <p:anim calcmode="lin" valueType="num">
+                                      <p:cBhvr additive="base">
+                                        <p:cTn id="7" dur="1500" fill="hold"/>
+                                        <p:tgtEl>
+                                          <p:spTgt spid="3">
+                                            <p:txEl>
+                                              <p:pRg st="0" end="0"/>
+                                            </p:txEl>
+                                          </p:spTgt>
+                                        </p:tgtEl>
+                                        <p:attrNameLst>
+                                          <p:attrName>ppt_x</p:attrName>
+                                        </p:attrNameLst>
+                                      </p:cBhvr>
+                                      <p:tavLst>
+                                        <p:tav tm="0">
+                                          <p:val>
+                                            <p:strVal val="#ppt_x"/>
+                                          </p:val>
+                                        </p:tav>
+                                        <p:tav tm="100000">
+                                          <p:val>
+                                            <p:strVal val="#ppt_x"/>
+                                          </p:val>
+                                        </p:tav>
+                                      </p:tavLst>
+                                    </p:anim>
+                                    <p:anim calcmode="lin" valueType="num">
+                                      <p:cBhvr additive="base">
+                                        <p:cTn id="8" dur="1500" fill="hold"/>
+                                        <p:tgtEl>
+                                          <p:spTgt spid="3">
+                                            <p:txEl>
+                                              <p:pRg st="0" end="0"/>
+                                            </p:txEl>
+                                          </p:spTgt>
+                                        </p:tgtEl>
+                                        <p:attrNameLst>
+                                          <p:attrName>ppt_y</p:attrName>
+                                        </p:attrNameLst>
+                                      </p:cBhvr>
+                                      <p:tavLst>
+                                        <p:tav tm="0">
+                                          <p:val>
+                                            <p:strVal val="1+#ppt_h/2"/>
+                                          </p:val>
+                                        </p:tav>
+                                        <p:tav tm="100000">
+                                          <p:val>
+                                            <p:strVal val="#ppt_y"/>
+                                          </p:val>
+                                        </p:tav>
+                                      </p:tavLst>
+                                    </p:anim>
+                                  </p:childTnLst>
+                                </p:cTn>
+                              </p:par>
+                            </p:childTnLst>
+                          </p:cTn>
+                        </p:par>
+                      </p:childTnLst>
+                    </p:cTn>
+                  </p:par>
+                </p:childTnLst>
+              </p:cTn>
+              <p:prevCondLst>
+                <p:cond evt="onPrev" delay="0">
+                  <p:tgtEl>
+                    <p:sldTgt/>
+                  </p:tgtEl>
+                </p:cond>
+              </p:prevCondLst>
+              <p:nextCondLst>
+                <p:cond evt="onNext" delay="0">
+                  <p:tgtEl>
+                    <p:sldTgt/>
+                  </p:tgtEl>
+                </p:cond>
+              </p:nextCondLst>
+            </p:seq>
+          </p:childTnLst>
+        </p:cTn>
+      </p:par>
+    </p:tnLst>
+  </p:timing>
 </p:sld>
 </file>
 
@@ -17825,23 +20684,6 @@
               <a:t>Visually displaying data makes it more accessible and understandable for the human eye to apprehend large amounts if data.</a:t>
             </a:r>
           </a:p>
-          <a:p>
-            <a:pPr marL="800100" lvl="1" indent="-342900">
-              <a:buFont typeface="Arial" panose="020B0604020202020204" pitchFamily="34" charset="0"/>
-              <a:buChar char="•"/>
-            </a:pPr>
-            <a:r>
-              <a:rPr lang="en-US" sz="2000" dirty="0"/>
-              <a:t> When  data is represented in image form (may it be a graph, table  etc.) it is clear to see patterns due to the colors </a:t>
-            </a:r>
-          </a:p>
-          <a:p>
-            <a:pPr marL="342900" indent="-342900">
-              <a:buFont typeface="+mj-lt"/>
-              <a:buAutoNum type="arabicPeriod"/>
-            </a:pPr>
-            <a:endParaRPr lang="en-US" sz="2000" dirty="0"/>
-          </a:p>
         </p:txBody>
       </p:sp>
       <p:sp>
@@ -17931,6 +20773,36 @@
           </a:p>
         </p:txBody>
       </p:sp>
+      <p:pic>
+        <p:nvPicPr>
+          <p:cNvPr id="8" name="Picture 7">
+            <a:extLst>
+              <a:ext uri="{FF2B5EF4-FFF2-40B4-BE49-F238E27FC236}">
+                <a16:creationId xmlns:a16="http://schemas.microsoft.com/office/drawing/2014/main" id="{57ECB06B-A701-38B9-378A-429B6D94FC3B}"/>
+              </a:ext>
+            </a:extLst>
+          </p:cNvPr>
+          <p:cNvPicPr>
+            <a:picLocks noChangeAspect="1"/>
+          </p:cNvPicPr>
+          <p:nvPr/>
+        </p:nvPicPr>
+        <p:blipFill>
+          <a:blip r:embed="rId2"/>
+          <a:stretch>
+            <a:fillRect/>
+          </a:stretch>
+        </p:blipFill>
+        <p:spPr>
+          <a:xfrm>
+            <a:off x="8058294" y="2113005"/>
+            <a:ext cx="3681908" cy="2631989"/>
+          </a:xfrm>
+          <a:prstGeom prst="rect">
+            <a:avLst/>
+          </a:prstGeom>
+        </p:spPr>
+      </p:pic>
     </p:spTree>
     <p:extLst>
       <p:ext uri="{BB962C8B-B14F-4D97-AF65-F5344CB8AC3E}">
@@ -17941,6 +20813,227 @@
   <p:clrMapOvr>
     <a:masterClrMapping/>
   </p:clrMapOvr>
+  <p:timing>
+    <p:tnLst>
+      <p:par>
+        <p:cTn id="1" dur="indefinite" restart="never" nodeType="tmRoot">
+          <p:childTnLst>
+            <p:seq concurrent="1" nextAc="seek">
+              <p:cTn id="2" dur="indefinite" nodeType="mainSeq">
+                <p:childTnLst>
+                  <p:par>
+                    <p:cTn id="3" fill="hold">
+                      <p:stCondLst>
+                        <p:cond delay="indefinite"/>
+                      </p:stCondLst>
+                      <p:childTnLst>
+                        <p:par>
+                          <p:cTn id="4" fill="hold">
+                            <p:stCondLst>
+                              <p:cond delay="0"/>
+                            </p:stCondLst>
+                            <p:childTnLst>
+                              <p:par>
+                                <p:cTn id="5" presetID="2" presetClass="entr" presetSubtype="4" fill="hold" grpId="0" nodeType="clickEffect">
+                                  <p:stCondLst>
+                                    <p:cond delay="0"/>
+                                  </p:stCondLst>
+                                  <p:childTnLst>
+                                    <p:set>
+                                      <p:cBhvr>
+                                        <p:cTn id="6" dur="1" fill="hold">
+                                          <p:stCondLst>
+                                            <p:cond delay="0"/>
+                                          </p:stCondLst>
+                                        </p:cTn>
+                                        <p:tgtEl>
+                                          <p:spTgt spid="3">
+                                            <p:txEl>
+                                              <p:pRg st="0" end="0"/>
+                                            </p:txEl>
+                                          </p:spTgt>
+                                        </p:tgtEl>
+                                        <p:attrNameLst>
+                                          <p:attrName>style.visibility</p:attrName>
+                                        </p:attrNameLst>
+                                      </p:cBhvr>
+                                      <p:to>
+                                        <p:strVal val="visible"/>
+                                      </p:to>
+                                    </p:set>
+                                    <p:anim calcmode="lin" valueType="num">
+                                      <p:cBhvr additive="base">
+                                        <p:cTn id="7" dur="1000" fill="hold"/>
+                                        <p:tgtEl>
+                                          <p:spTgt spid="3">
+                                            <p:txEl>
+                                              <p:pRg st="0" end="0"/>
+                                            </p:txEl>
+                                          </p:spTgt>
+                                        </p:tgtEl>
+                                        <p:attrNameLst>
+                                          <p:attrName>ppt_x</p:attrName>
+                                        </p:attrNameLst>
+                                      </p:cBhvr>
+                                      <p:tavLst>
+                                        <p:tav tm="0">
+                                          <p:val>
+                                            <p:strVal val="#ppt_x"/>
+                                          </p:val>
+                                        </p:tav>
+                                        <p:tav tm="100000">
+                                          <p:val>
+                                            <p:strVal val="#ppt_x"/>
+                                          </p:val>
+                                        </p:tav>
+                                      </p:tavLst>
+                                    </p:anim>
+                                    <p:anim calcmode="lin" valueType="num">
+                                      <p:cBhvr additive="base">
+                                        <p:cTn id="8" dur="1000" fill="hold"/>
+                                        <p:tgtEl>
+                                          <p:spTgt spid="3">
+                                            <p:txEl>
+                                              <p:pRg st="0" end="0"/>
+                                            </p:txEl>
+                                          </p:spTgt>
+                                        </p:tgtEl>
+                                        <p:attrNameLst>
+                                          <p:attrName>ppt_y</p:attrName>
+                                        </p:attrNameLst>
+                                      </p:cBhvr>
+                                      <p:tavLst>
+                                        <p:tav tm="0">
+                                          <p:val>
+                                            <p:strVal val="1+#ppt_h/2"/>
+                                          </p:val>
+                                        </p:tav>
+                                        <p:tav tm="100000">
+                                          <p:val>
+                                            <p:strVal val="#ppt_y"/>
+                                          </p:val>
+                                        </p:tav>
+                                      </p:tavLst>
+                                    </p:anim>
+                                  </p:childTnLst>
+                                </p:cTn>
+                              </p:par>
+                              <p:par>
+                                <p:cTn id="9" presetID="2" presetClass="entr" presetSubtype="4" fill="hold" grpId="0" nodeType="withEffect">
+                                  <p:stCondLst>
+                                    <p:cond delay="0"/>
+                                  </p:stCondLst>
+                                  <p:childTnLst>
+                                    <p:set>
+                                      <p:cBhvr>
+                                        <p:cTn id="10" dur="1" fill="hold">
+                                          <p:stCondLst>
+                                            <p:cond delay="0"/>
+                                          </p:stCondLst>
+                                        </p:cTn>
+                                        <p:tgtEl>
+                                          <p:spTgt spid="3">
+                                            <p:txEl>
+                                              <p:pRg st="1" end="1"/>
+                                            </p:txEl>
+                                          </p:spTgt>
+                                        </p:tgtEl>
+                                        <p:attrNameLst>
+                                          <p:attrName>style.visibility</p:attrName>
+                                        </p:attrNameLst>
+                                      </p:cBhvr>
+                                      <p:to>
+                                        <p:strVal val="visible"/>
+                                      </p:to>
+                                    </p:set>
+                                    <p:anim calcmode="lin" valueType="num">
+                                      <p:cBhvr additive="base">
+                                        <p:cTn id="11" dur="1000" fill="hold"/>
+                                        <p:tgtEl>
+                                          <p:spTgt spid="3">
+                                            <p:txEl>
+                                              <p:pRg st="1" end="1"/>
+                                            </p:txEl>
+                                          </p:spTgt>
+                                        </p:tgtEl>
+                                        <p:attrNameLst>
+                                          <p:attrName>ppt_x</p:attrName>
+                                        </p:attrNameLst>
+                                      </p:cBhvr>
+                                      <p:tavLst>
+                                        <p:tav tm="0">
+                                          <p:val>
+                                            <p:strVal val="#ppt_x"/>
+                                          </p:val>
+                                        </p:tav>
+                                        <p:tav tm="100000">
+                                          <p:val>
+                                            <p:strVal val="#ppt_x"/>
+                                          </p:val>
+                                        </p:tav>
+                                      </p:tavLst>
+                                    </p:anim>
+                                    <p:anim calcmode="lin" valueType="num">
+                                      <p:cBhvr additive="base">
+                                        <p:cTn id="12" dur="1000" fill="hold"/>
+                                        <p:tgtEl>
+                                          <p:spTgt spid="3">
+                                            <p:txEl>
+                                              <p:pRg st="1" end="1"/>
+                                            </p:txEl>
+                                          </p:spTgt>
+                                        </p:tgtEl>
+                                        <p:attrNameLst>
+                                          <p:attrName>ppt_y</p:attrName>
+                                        </p:attrNameLst>
+                                      </p:cBhvr>
+                                      <p:tavLst>
+                                        <p:tav tm="0">
+                                          <p:val>
+                                            <p:strVal val="1+#ppt_h/2"/>
+                                          </p:val>
+                                        </p:tav>
+                                        <p:tav tm="100000">
+                                          <p:val>
+                                            <p:strVal val="#ppt_y"/>
+                                          </p:val>
+                                        </p:tav>
+                                      </p:tavLst>
+                                    </p:anim>
+                                  </p:childTnLst>
+                                </p:cTn>
+                              </p:par>
+                            </p:childTnLst>
+                          </p:cTn>
+                        </p:par>
+                      </p:childTnLst>
+                    </p:cTn>
+                  </p:par>
+                </p:childTnLst>
+              </p:cTn>
+              <p:prevCondLst>
+                <p:cond evt="onPrev" delay="0">
+                  <p:tgtEl>
+                    <p:sldTgt/>
+                  </p:tgtEl>
+                </p:cond>
+              </p:prevCondLst>
+              <p:nextCondLst>
+                <p:cond evt="onNext" delay="0">
+                  <p:tgtEl>
+                    <p:sldTgt/>
+                  </p:tgtEl>
+                </p:cond>
+              </p:nextCondLst>
+            </p:seq>
+          </p:childTnLst>
+        </p:cTn>
+      </p:par>
+    </p:tnLst>
+    <p:bldLst>
+      <p:bldP spid="3" grpId="0" build="p"/>
+    </p:bldLst>
+  </p:timing>
 </p:sld>
 </file>
 
@@ -18012,7 +21105,7 @@
         </p:nvSpPr>
         <p:spPr>
           <a:xfrm>
-            <a:off x="240165" y="2192020"/>
+            <a:off x="240165" y="1576229"/>
             <a:ext cx="8606656" cy="4529454"/>
           </a:xfrm>
         </p:spPr>
@@ -18029,16 +21122,6 @@
             <a:r>
               <a:rPr lang="en-US" sz="2000" dirty="0"/>
               <a:t>The human brain is not able to understand or even just imagine large amounts of numbers or text at once.</a:t>
-            </a:r>
-          </a:p>
-          <a:p>
-            <a:pPr marL="800100" lvl="1" indent="-342900">
-              <a:buFont typeface="Arial" panose="020B0604020202020204" pitchFamily="34" charset="0"/>
-              <a:buChar char="•"/>
-            </a:pPr>
-            <a:r>
-              <a:rPr lang="en-US" sz="2000" dirty="0"/>
-              <a:t> It requires a visual representation to make sense of them and consequently translate raw data into tangible concepts.</a:t>
             </a:r>
           </a:p>
           <a:p>
@@ -18140,6 +21223,36 @@
           </a:p>
         </p:txBody>
       </p:sp>
+      <p:pic>
+        <p:nvPicPr>
+          <p:cNvPr id="8" name="Picture 7">
+            <a:extLst>
+              <a:ext uri="{FF2B5EF4-FFF2-40B4-BE49-F238E27FC236}">
+                <a16:creationId xmlns:a16="http://schemas.microsoft.com/office/drawing/2014/main" id="{8961E283-18A6-E841-CD66-4E0812AE16FC}"/>
+              </a:ext>
+            </a:extLst>
+          </p:cNvPr>
+          <p:cNvPicPr>
+            <a:picLocks noChangeAspect="1"/>
+          </p:cNvPicPr>
+          <p:nvPr/>
+        </p:nvPicPr>
+        <p:blipFill>
+          <a:blip r:embed="rId2"/>
+          <a:stretch>
+            <a:fillRect/>
+          </a:stretch>
+        </p:blipFill>
+        <p:spPr>
+          <a:xfrm>
+            <a:off x="4774908" y="4136441"/>
+            <a:ext cx="6487418" cy="1969242"/>
+          </a:xfrm>
+          <a:prstGeom prst="rect">
+            <a:avLst/>
+          </a:prstGeom>
+        </p:spPr>
+      </p:pic>
     </p:spTree>
     <p:extLst>
       <p:ext uri="{BB962C8B-B14F-4D97-AF65-F5344CB8AC3E}">
@@ -18150,6 +21263,227 @@
   <p:clrMapOvr>
     <a:masterClrMapping/>
   </p:clrMapOvr>
+  <p:timing>
+    <p:tnLst>
+      <p:par>
+        <p:cTn id="1" dur="indefinite" restart="never" nodeType="tmRoot">
+          <p:childTnLst>
+            <p:seq concurrent="1" nextAc="seek">
+              <p:cTn id="2" dur="indefinite" nodeType="mainSeq">
+                <p:childTnLst>
+                  <p:par>
+                    <p:cTn id="3" fill="hold">
+                      <p:stCondLst>
+                        <p:cond delay="indefinite"/>
+                      </p:stCondLst>
+                      <p:childTnLst>
+                        <p:par>
+                          <p:cTn id="4" fill="hold">
+                            <p:stCondLst>
+                              <p:cond delay="0"/>
+                            </p:stCondLst>
+                            <p:childTnLst>
+                              <p:par>
+                                <p:cTn id="5" presetID="2" presetClass="entr" presetSubtype="4" fill="hold" grpId="0" nodeType="clickEffect">
+                                  <p:stCondLst>
+                                    <p:cond delay="0"/>
+                                  </p:stCondLst>
+                                  <p:childTnLst>
+                                    <p:set>
+                                      <p:cBhvr>
+                                        <p:cTn id="6" dur="1" fill="hold">
+                                          <p:stCondLst>
+                                            <p:cond delay="0"/>
+                                          </p:stCondLst>
+                                        </p:cTn>
+                                        <p:tgtEl>
+                                          <p:spTgt spid="3">
+                                            <p:txEl>
+                                              <p:pRg st="0" end="0"/>
+                                            </p:txEl>
+                                          </p:spTgt>
+                                        </p:tgtEl>
+                                        <p:attrNameLst>
+                                          <p:attrName>style.visibility</p:attrName>
+                                        </p:attrNameLst>
+                                      </p:cBhvr>
+                                      <p:to>
+                                        <p:strVal val="visible"/>
+                                      </p:to>
+                                    </p:set>
+                                    <p:anim calcmode="lin" valueType="num">
+                                      <p:cBhvr additive="base">
+                                        <p:cTn id="7" dur="1000" fill="hold"/>
+                                        <p:tgtEl>
+                                          <p:spTgt spid="3">
+                                            <p:txEl>
+                                              <p:pRg st="0" end="0"/>
+                                            </p:txEl>
+                                          </p:spTgt>
+                                        </p:tgtEl>
+                                        <p:attrNameLst>
+                                          <p:attrName>ppt_x</p:attrName>
+                                        </p:attrNameLst>
+                                      </p:cBhvr>
+                                      <p:tavLst>
+                                        <p:tav tm="0">
+                                          <p:val>
+                                            <p:strVal val="#ppt_x"/>
+                                          </p:val>
+                                        </p:tav>
+                                        <p:tav tm="100000">
+                                          <p:val>
+                                            <p:strVal val="#ppt_x"/>
+                                          </p:val>
+                                        </p:tav>
+                                      </p:tavLst>
+                                    </p:anim>
+                                    <p:anim calcmode="lin" valueType="num">
+                                      <p:cBhvr additive="base">
+                                        <p:cTn id="8" dur="1000" fill="hold"/>
+                                        <p:tgtEl>
+                                          <p:spTgt spid="3">
+                                            <p:txEl>
+                                              <p:pRg st="0" end="0"/>
+                                            </p:txEl>
+                                          </p:spTgt>
+                                        </p:tgtEl>
+                                        <p:attrNameLst>
+                                          <p:attrName>ppt_y</p:attrName>
+                                        </p:attrNameLst>
+                                      </p:cBhvr>
+                                      <p:tavLst>
+                                        <p:tav tm="0">
+                                          <p:val>
+                                            <p:strVal val="1+#ppt_h/2"/>
+                                          </p:val>
+                                        </p:tav>
+                                        <p:tav tm="100000">
+                                          <p:val>
+                                            <p:strVal val="#ppt_y"/>
+                                          </p:val>
+                                        </p:tav>
+                                      </p:tavLst>
+                                    </p:anim>
+                                  </p:childTnLst>
+                                </p:cTn>
+                              </p:par>
+                              <p:par>
+                                <p:cTn id="9" presetID="2" presetClass="entr" presetSubtype="4" fill="hold" grpId="0" nodeType="withEffect">
+                                  <p:stCondLst>
+                                    <p:cond delay="0"/>
+                                  </p:stCondLst>
+                                  <p:childTnLst>
+                                    <p:set>
+                                      <p:cBhvr>
+                                        <p:cTn id="10" dur="1" fill="hold">
+                                          <p:stCondLst>
+                                            <p:cond delay="0"/>
+                                          </p:stCondLst>
+                                        </p:cTn>
+                                        <p:tgtEl>
+                                          <p:spTgt spid="3">
+                                            <p:txEl>
+                                              <p:pRg st="1" end="1"/>
+                                            </p:txEl>
+                                          </p:spTgt>
+                                        </p:tgtEl>
+                                        <p:attrNameLst>
+                                          <p:attrName>style.visibility</p:attrName>
+                                        </p:attrNameLst>
+                                      </p:cBhvr>
+                                      <p:to>
+                                        <p:strVal val="visible"/>
+                                      </p:to>
+                                    </p:set>
+                                    <p:anim calcmode="lin" valueType="num">
+                                      <p:cBhvr additive="base">
+                                        <p:cTn id="11" dur="1000" fill="hold"/>
+                                        <p:tgtEl>
+                                          <p:spTgt spid="3">
+                                            <p:txEl>
+                                              <p:pRg st="1" end="1"/>
+                                            </p:txEl>
+                                          </p:spTgt>
+                                        </p:tgtEl>
+                                        <p:attrNameLst>
+                                          <p:attrName>ppt_x</p:attrName>
+                                        </p:attrNameLst>
+                                      </p:cBhvr>
+                                      <p:tavLst>
+                                        <p:tav tm="0">
+                                          <p:val>
+                                            <p:strVal val="#ppt_x"/>
+                                          </p:val>
+                                        </p:tav>
+                                        <p:tav tm="100000">
+                                          <p:val>
+                                            <p:strVal val="#ppt_x"/>
+                                          </p:val>
+                                        </p:tav>
+                                      </p:tavLst>
+                                    </p:anim>
+                                    <p:anim calcmode="lin" valueType="num">
+                                      <p:cBhvr additive="base">
+                                        <p:cTn id="12" dur="1000" fill="hold"/>
+                                        <p:tgtEl>
+                                          <p:spTgt spid="3">
+                                            <p:txEl>
+                                              <p:pRg st="1" end="1"/>
+                                            </p:txEl>
+                                          </p:spTgt>
+                                        </p:tgtEl>
+                                        <p:attrNameLst>
+                                          <p:attrName>ppt_y</p:attrName>
+                                        </p:attrNameLst>
+                                      </p:cBhvr>
+                                      <p:tavLst>
+                                        <p:tav tm="0">
+                                          <p:val>
+                                            <p:strVal val="1+#ppt_h/2"/>
+                                          </p:val>
+                                        </p:tav>
+                                        <p:tav tm="100000">
+                                          <p:val>
+                                            <p:strVal val="#ppt_y"/>
+                                          </p:val>
+                                        </p:tav>
+                                      </p:tavLst>
+                                    </p:anim>
+                                  </p:childTnLst>
+                                </p:cTn>
+                              </p:par>
+                            </p:childTnLst>
+                          </p:cTn>
+                        </p:par>
+                      </p:childTnLst>
+                    </p:cTn>
+                  </p:par>
+                </p:childTnLst>
+              </p:cTn>
+              <p:prevCondLst>
+                <p:cond evt="onPrev" delay="0">
+                  <p:tgtEl>
+                    <p:sldTgt/>
+                  </p:tgtEl>
+                </p:cond>
+              </p:prevCondLst>
+              <p:nextCondLst>
+                <p:cond evt="onNext" delay="0">
+                  <p:tgtEl>
+                    <p:sldTgt/>
+                  </p:tgtEl>
+                </p:cond>
+              </p:nextCondLst>
+            </p:seq>
+          </p:childTnLst>
+        </p:cTn>
+      </p:par>
+    </p:tnLst>
+    <p:bldLst>
+      <p:bldP spid="3" grpId="0" build="p"/>
+    </p:bldLst>
+  </p:timing>
 </p:sld>
 </file>
 
@@ -18221,7 +21555,7 @@
         </p:nvSpPr>
         <p:spPr>
           <a:xfrm>
-            <a:off x="240165" y="2506979"/>
+            <a:off x="240165" y="1642006"/>
             <a:ext cx="6829127" cy="4031932"/>
           </a:xfrm>
         </p:spPr>
@@ -18375,6 +21709,500 @@
   <p:clrMapOvr>
     <a:masterClrMapping/>
   </p:clrMapOvr>
+  <p:timing>
+    <p:tnLst>
+      <p:par>
+        <p:cTn id="1" dur="indefinite" restart="never" nodeType="tmRoot">
+          <p:childTnLst>
+            <p:seq concurrent="1" nextAc="seek">
+              <p:cTn id="2" dur="indefinite" nodeType="mainSeq">
+                <p:childTnLst>
+                  <p:par>
+                    <p:cTn id="3" fill="hold">
+                      <p:stCondLst>
+                        <p:cond delay="indefinite"/>
+                      </p:stCondLst>
+                      <p:childTnLst>
+                        <p:par>
+                          <p:cTn id="4" fill="hold">
+                            <p:stCondLst>
+                              <p:cond delay="0"/>
+                            </p:stCondLst>
+                            <p:childTnLst>
+                              <p:par>
+                                <p:cTn id="5" presetID="2" presetClass="entr" presetSubtype="4" fill="hold" grpId="0" nodeType="clickEffect">
+                                  <p:stCondLst>
+                                    <p:cond delay="0"/>
+                                  </p:stCondLst>
+                                  <p:childTnLst>
+                                    <p:set>
+                                      <p:cBhvr>
+                                        <p:cTn id="6" dur="1" fill="hold">
+                                          <p:stCondLst>
+                                            <p:cond delay="0"/>
+                                          </p:stCondLst>
+                                        </p:cTn>
+                                        <p:tgtEl>
+                                          <p:spTgt spid="3">
+                                            <p:txEl>
+                                              <p:pRg st="0" end="0"/>
+                                            </p:txEl>
+                                          </p:spTgt>
+                                        </p:tgtEl>
+                                        <p:attrNameLst>
+                                          <p:attrName>style.visibility</p:attrName>
+                                        </p:attrNameLst>
+                                      </p:cBhvr>
+                                      <p:to>
+                                        <p:strVal val="visible"/>
+                                      </p:to>
+                                    </p:set>
+                                    <p:anim calcmode="lin" valueType="num">
+                                      <p:cBhvr additive="base">
+                                        <p:cTn id="7" dur="1000" fill="hold"/>
+                                        <p:tgtEl>
+                                          <p:spTgt spid="3">
+                                            <p:txEl>
+                                              <p:pRg st="0" end="0"/>
+                                            </p:txEl>
+                                          </p:spTgt>
+                                        </p:tgtEl>
+                                        <p:attrNameLst>
+                                          <p:attrName>ppt_x</p:attrName>
+                                        </p:attrNameLst>
+                                      </p:cBhvr>
+                                      <p:tavLst>
+                                        <p:tav tm="0">
+                                          <p:val>
+                                            <p:strVal val="#ppt_x"/>
+                                          </p:val>
+                                        </p:tav>
+                                        <p:tav tm="100000">
+                                          <p:val>
+                                            <p:strVal val="#ppt_x"/>
+                                          </p:val>
+                                        </p:tav>
+                                      </p:tavLst>
+                                    </p:anim>
+                                    <p:anim calcmode="lin" valueType="num">
+                                      <p:cBhvr additive="base">
+                                        <p:cTn id="8" dur="1000" fill="hold"/>
+                                        <p:tgtEl>
+                                          <p:spTgt spid="3">
+                                            <p:txEl>
+                                              <p:pRg st="0" end="0"/>
+                                            </p:txEl>
+                                          </p:spTgt>
+                                        </p:tgtEl>
+                                        <p:attrNameLst>
+                                          <p:attrName>ppt_y</p:attrName>
+                                        </p:attrNameLst>
+                                      </p:cBhvr>
+                                      <p:tavLst>
+                                        <p:tav tm="0">
+                                          <p:val>
+                                            <p:strVal val="1+#ppt_h/2"/>
+                                          </p:val>
+                                        </p:tav>
+                                        <p:tav tm="100000">
+                                          <p:val>
+                                            <p:strVal val="#ppt_y"/>
+                                          </p:val>
+                                        </p:tav>
+                                      </p:tavLst>
+                                    </p:anim>
+                                  </p:childTnLst>
+                                </p:cTn>
+                              </p:par>
+                            </p:childTnLst>
+                          </p:cTn>
+                        </p:par>
+                      </p:childTnLst>
+                    </p:cTn>
+                  </p:par>
+                  <p:par>
+                    <p:cTn id="9" fill="hold">
+                      <p:stCondLst>
+                        <p:cond delay="indefinite"/>
+                      </p:stCondLst>
+                      <p:childTnLst>
+                        <p:par>
+                          <p:cTn id="10" fill="hold">
+                            <p:stCondLst>
+                              <p:cond delay="0"/>
+                            </p:stCondLst>
+                            <p:childTnLst>
+                              <p:par>
+                                <p:cTn id="11" presetID="2" presetClass="entr" presetSubtype="4" fill="hold" grpId="0" nodeType="clickEffect">
+                                  <p:stCondLst>
+                                    <p:cond delay="0"/>
+                                  </p:stCondLst>
+                                  <p:childTnLst>
+                                    <p:set>
+                                      <p:cBhvr>
+                                        <p:cTn id="12" dur="1" fill="hold">
+                                          <p:stCondLst>
+                                            <p:cond delay="0"/>
+                                          </p:stCondLst>
+                                        </p:cTn>
+                                        <p:tgtEl>
+                                          <p:spTgt spid="3">
+                                            <p:txEl>
+                                              <p:pRg st="1" end="1"/>
+                                            </p:txEl>
+                                          </p:spTgt>
+                                        </p:tgtEl>
+                                        <p:attrNameLst>
+                                          <p:attrName>style.visibility</p:attrName>
+                                        </p:attrNameLst>
+                                      </p:cBhvr>
+                                      <p:to>
+                                        <p:strVal val="visible"/>
+                                      </p:to>
+                                    </p:set>
+                                    <p:anim calcmode="lin" valueType="num">
+                                      <p:cBhvr additive="base">
+                                        <p:cTn id="13" dur="1000" fill="hold"/>
+                                        <p:tgtEl>
+                                          <p:spTgt spid="3">
+                                            <p:txEl>
+                                              <p:pRg st="1" end="1"/>
+                                            </p:txEl>
+                                          </p:spTgt>
+                                        </p:tgtEl>
+                                        <p:attrNameLst>
+                                          <p:attrName>ppt_x</p:attrName>
+                                        </p:attrNameLst>
+                                      </p:cBhvr>
+                                      <p:tavLst>
+                                        <p:tav tm="0">
+                                          <p:val>
+                                            <p:strVal val="#ppt_x"/>
+                                          </p:val>
+                                        </p:tav>
+                                        <p:tav tm="100000">
+                                          <p:val>
+                                            <p:strVal val="#ppt_x"/>
+                                          </p:val>
+                                        </p:tav>
+                                      </p:tavLst>
+                                    </p:anim>
+                                    <p:anim calcmode="lin" valueType="num">
+                                      <p:cBhvr additive="base">
+                                        <p:cTn id="14" dur="1000" fill="hold"/>
+                                        <p:tgtEl>
+                                          <p:spTgt spid="3">
+                                            <p:txEl>
+                                              <p:pRg st="1" end="1"/>
+                                            </p:txEl>
+                                          </p:spTgt>
+                                        </p:tgtEl>
+                                        <p:attrNameLst>
+                                          <p:attrName>ppt_y</p:attrName>
+                                        </p:attrNameLst>
+                                      </p:cBhvr>
+                                      <p:tavLst>
+                                        <p:tav tm="0">
+                                          <p:val>
+                                            <p:strVal val="1+#ppt_h/2"/>
+                                          </p:val>
+                                        </p:tav>
+                                        <p:tav tm="100000">
+                                          <p:val>
+                                            <p:strVal val="#ppt_y"/>
+                                          </p:val>
+                                        </p:tav>
+                                      </p:tavLst>
+                                    </p:anim>
+                                  </p:childTnLst>
+                                </p:cTn>
+                              </p:par>
+                              <p:par>
+                                <p:cTn id="15" presetID="2" presetClass="entr" presetSubtype="4" fill="hold" grpId="0" nodeType="withEffect">
+                                  <p:stCondLst>
+                                    <p:cond delay="0"/>
+                                  </p:stCondLst>
+                                  <p:childTnLst>
+                                    <p:set>
+                                      <p:cBhvr>
+                                        <p:cTn id="16" dur="1" fill="hold">
+                                          <p:stCondLst>
+                                            <p:cond delay="0"/>
+                                          </p:stCondLst>
+                                        </p:cTn>
+                                        <p:tgtEl>
+                                          <p:spTgt spid="3">
+                                            <p:txEl>
+                                              <p:pRg st="2" end="2"/>
+                                            </p:txEl>
+                                          </p:spTgt>
+                                        </p:tgtEl>
+                                        <p:attrNameLst>
+                                          <p:attrName>style.visibility</p:attrName>
+                                        </p:attrNameLst>
+                                      </p:cBhvr>
+                                      <p:to>
+                                        <p:strVal val="visible"/>
+                                      </p:to>
+                                    </p:set>
+                                    <p:anim calcmode="lin" valueType="num">
+                                      <p:cBhvr additive="base">
+                                        <p:cTn id="17" dur="1000" fill="hold"/>
+                                        <p:tgtEl>
+                                          <p:spTgt spid="3">
+                                            <p:txEl>
+                                              <p:pRg st="2" end="2"/>
+                                            </p:txEl>
+                                          </p:spTgt>
+                                        </p:tgtEl>
+                                        <p:attrNameLst>
+                                          <p:attrName>ppt_x</p:attrName>
+                                        </p:attrNameLst>
+                                      </p:cBhvr>
+                                      <p:tavLst>
+                                        <p:tav tm="0">
+                                          <p:val>
+                                            <p:strVal val="#ppt_x"/>
+                                          </p:val>
+                                        </p:tav>
+                                        <p:tav tm="100000">
+                                          <p:val>
+                                            <p:strVal val="#ppt_x"/>
+                                          </p:val>
+                                        </p:tav>
+                                      </p:tavLst>
+                                    </p:anim>
+                                    <p:anim calcmode="lin" valueType="num">
+                                      <p:cBhvr additive="base">
+                                        <p:cTn id="18" dur="1000" fill="hold"/>
+                                        <p:tgtEl>
+                                          <p:spTgt spid="3">
+                                            <p:txEl>
+                                              <p:pRg st="2" end="2"/>
+                                            </p:txEl>
+                                          </p:spTgt>
+                                        </p:tgtEl>
+                                        <p:attrNameLst>
+                                          <p:attrName>ppt_y</p:attrName>
+                                        </p:attrNameLst>
+                                      </p:cBhvr>
+                                      <p:tavLst>
+                                        <p:tav tm="0">
+                                          <p:val>
+                                            <p:strVal val="1+#ppt_h/2"/>
+                                          </p:val>
+                                        </p:tav>
+                                        <p:tav tm="100000">
+                                          <p:val>
+                                            <p:strVal val="#ppt_y"/>
+                                          </p:val>
+                                        </p:tav>
+                                      </p:tavLst>
+                                    </p:anim>
+                                  </p:childTnLst>
+                                </p:cTn>
+                              </p:par>
+                              <p:par>
+                                <p:cTn id="19" presetID="2" presetClass="entr" presetSubtype="4" fill="hold" grpId="0" nodeType="withEffect">
+                                  <p:stCondLst>
+                                    <p:cond delay="0"/>
+                                  </p:stCondLst>
+                                  <p:childTnLst>
+                                    <p:set>
+                                      <p:cBhvr>
+                                        <p:cTn id="20" dur="1" fill="hold">
+                                          <p:stCondLst>
+                                            <p:cond delay="0"/>
+                                          </p:stCondLst>
+                                        </p:cTn>
+                                        <p:tgtEl>
+                                          <p:spTgt spid="3">
+                                            <p:txEl>
+                                              <p:pRg st="3" end="3"/>
+                                            </p:txEl>
+                                          </p:spTgt>
+                                        </p:tgtEl>
+                                        <p:attrNameLst>
+                                          <p:attrName>style.visibility</p:attrName>
+                                        </p:attrNameLst>
+                                      </p:cBhvr>
+                                      <p:to>
+                                        <p:strVal val="visible"/>
+                                      </p:to>
+                                    </p:set>
+                                    <p:anim calcmode="lin" valueType="num">
+                                      <p:cBhvr additive="base">
+                                        <p:cTn id="21" dur="1000" fill="hold"/>
+                                        <p:tgtEl>
+                                          <p:spTgt spid="3">
+                                            <p:txEl>
+                                              <p:pRg st="3" end="3"/>
+                                            </p:txEl>
+                                          </p:spTgt>
+                                        </p:tgtEl>
+                                        <p:attrNameLst>
+                                          <p:attrName>ppt_x</p:attrName>
+                                        </p:attrNameLst>
+                                      </p:cBhvr>
+                                      <p:tavLst>
+                                        <p:tav tm="0">
+                                          <p:val>
+                                            <p:strVal val="#ppt_x"/>
+                                          </p:val>
+                                        </p:tav>
+                                        <p:tav tm="100000">
+                                          <p:val>
+                                            <p:strVal val="#ppt_x"/>
+                                          </p:val>
+                                        </p:tav>
+                                      </p:tavLst>
+                                    </p:anim>
+                                    <p:anim calcmode="lin" valueType="num">
+                                      <p:cBhvr additive="base">
+                                        <p:cTn id="22" dur="1000" fill="hold"/>
+                                        <p:tgtEl>
+                                          <p:spTgt spid="3">
+                                            <p:txEl>
+                                              <p:pRg st="3" end="3"/>
+                                            </p:txEl>
+                                          </p:spTgt>
+                                        </p:tgtEl>
+                                        <p:attrNameLst>
+                                          <p:attrName>ppt_y</p:attrName>
+                                        </p:attrNameLst>
+                                      </p:cBhvr>
+                                      <p:tavLst>
+                                        <p:tav tm="0">
+                                          <p:val>
+                                            <p:strVal val="1+#ppt_h/2"/>
+                                          </p:val>
+                                        </p:tav>
+                                        <p:tav tm="100000">
+                                          <p:val>
+                                            <p:strVal val="#ppt_y"/>
+                                          </p:val>
+                                        </p:tav>
+                                      </p:tavLst>
+                                    </p:anim>
+                                  </p:childTnLst>
+                                </p:cTn>
+                              </p:par>
+                              <p:par>
+                                <p:cTn id="23" presetID="2" presetClass="entr" presetSubtype="4" fill="hold" grpId="0" nodeType="withEffect">
+                                  <p:stCondLst>
+                                    <p:cond delay="0"/>
+                                  </p:stCondLst>
+                                  <p:childTnLst>
+                                    <p:set>
+                                      <p:cBhvr>
+                                        <p:cTn id="24" dur="1" fill="hold">
+                                          <p:stCondLst>
+                                            <p:cond delay="0"/>
+                                          </p:stCondLst>
+                                        </p:cTn>
+                                        <p:tgtEl>
+                                          <p:spTgt spid="3">
+                                            <p:txEl>
+                                              <p:pRg st="4" end="4"/>
+                                            </p:txEl>
+                                          </p:spTgt>
+                                        </p:tgtEl>
+                                        <p:attrNameLst>
+                                          <p:attrName>style.visibility</p:attrName>
+                                        </p:attrNameLst>
+                                      </p:cBhvr>
+                                      <p:to>
+                                        <p:strVal val="visible"/>
+                                      </p:to>
+                                    </p:set>
+                                    <p:anim calcmode="lin" valueType="num">
+                                      <p:cBhvr additive="base">
+                                        <p:cTn id="25" dur="1000" fill="hold"/>
+                                        <p:tgtEl>
+                                          <p:spTgt spid="3">
+                                            <p:txEl>
+                                              <p:pRg st="4" end="4"/>
+                                            </p:txEl>
+                                          </p:spTgt>
+                                        </p:tgtEl>
+                                        <p:attrNameLst>
+                                          <p:attrName>ppt_x</p:attrName>
+                                        </p:attrNameLst>
+                                      </p:cBhvr>
+                                      <p:tavLst>
+                                        <p:tav tm="0">
+                                          <p:val>
+                                            <p:strVal val="#ppt_x"/>
+                                          </p:val>
+                                        </p:tav>
+                                        <p:tav tm="100000">
+                                          <p:val>
+                                            <p:strVal val="#ppt_x"/>
+                                          </p:val>
+                                        </p:tav>
+                                      </p:tavLst>
+                                    </p:anim>
+                                    <p:anim calcmode="lin" valueType="num">
+                                      <p:cBhvr additive="base">
+                                        <p:cTn id="26" dur="1000" fill="hold"/>
+                                        <p:tgtEl>
+                                          <p:spTgt spid="3">
+                                            <p:txEl>
+                                              <p:pRg st="4" end="4"/>
+                                            </p:txEl>
+                                          </p:spTgt>
+                                        </p:tgtEl>
+                                        <p:attrNameLst>
+                                          <p:attrName>ppt_y</p:attrName>
+                                        </p:attrNameLst>
+                                      </p:cBhvr>
+                                      <p:tavLst>
+                                        <p:tav tm="0">
+                                          <p:val>
+                                            <p:strVal val="1+#ppt_h/2"/>
+                                          </p:val>
+                                        </p:tav>
+                                        <p:tav tm="100000">
+                                          <p:val>
+                                            <p:strVal val="#ppt_y"/>
+                                          </p:val>
+                                        </p:tav>
+                                      </p:tavLst>
+                                    </p:anim>
+                                  </p:childTnLst>
+                                </p:cTn>
+                              </p:par>
+                            </p:childTnLst>
+                          </p:cTn>
+                        </p:par>
+                      </p:childTnLst>
+                    </p:cTn>
+                  </p:par>
+                </p:childTnLst>
+              </p:cTn>
+              <p:prevCondLst>
+                <p:cond evt="onPrev" delay="0">
+                  <p:tgtEl>
+                    <p:sldTgt/>
+                  </p:tgtEl>
+                </p:cond>
+              </p:prevCondLst>
+              <p:nextCondLst>
+                <p:cond evt="onNext" delay="0">
+                  <p:tgtEl>
+                    <p:sldTgt/>
+                  </p:tgtEl>
+                </p:cond>
+              </p:nextCondLst>
+            </p:seq>
+          </p:childTnLst>
+        </p:cTn>
+      </p:par>
+    </p:tnLst>
+    <p:bldLst>
+      <p:bldP spid="3" grpId="0" build="p"/>
+    </p:bldLst>
+  </p:timing>
 </p:sld>
 </file>
 
@@ -18495,16 +22323,6 @@
               <a:t>Maps</a:t>
             </a:r>
           </a:p>
-          <a:p>
-            <a:pPr marL="285750" indent="-285750">
-              <a:buFont typeface="Arial" panose="020B0604020202020204" pitchFamily="34" charset="0"/>
-              <a:buChar char="•"/>
-            </a:pPr>
-            <a:r>
-              <a:rPr lang="en-US" sz="2000" dirty="0"/>
-              <a:t>Infographics</a:t>
-            </a:r>
-          </a:p>
         </p:txBody>
       </p:sp>
       <p:sp>
@@ -18594,6 +22412,36 @@
           </a:p>
         </p:txBody>
       </p:sp>
+      <p:pic>
+        <p:nvPicPr>
+          <p:cNvPr id="8" name="Picture 7">
+            <a:extLst>
+              <a:ext uri="{FF2B5EF4-FFF2-40B4-BE49-F238E27FC236}">
+                <a16:creationId xmlns:a16="http://schemas.microsoft.com/office/drawing/2014/main" id="{E3126B97-42C2-CCDE-F0D1-44B39B0243CF}"/>
+              </a:ext>
+            </a:extLst>
+          </p:cNvPr>
+          <p:cNvPicPr>
+            <a:picLocks noChangeAspect="1"/>
+          </p:cNvPicPr>
+          <p:nvPr/>
+        </p:nvPicPr>
+        <p:blipFill>
+          <a:blip r:embed="rId2"/>
+          <a:stretch>
+            <a:fillRect/>
+          </a:stretch>
+        </p:blipFill>
+        <p:spPr>
+          <a:xfrm>
+            <a:off x="7325127" y="2581274"/>
+            <a:ext cx="4466688" cy="2680013"/>
+          </a:xfrm>
+          <a:prstGeom prst="rect">
+            <a:avLst/>
+          </a:prstGeom>
+        </p:spPr>
+      </p:pic>
     </p:spTree>
     <p:extLst>
       <p:ext uri="{BB962C8B-B14F-4D97-AF65-F5344CB8AC3E}">
@@ -18604,6 +22452,451 @@
   <p:clrMapOvr>
     <a:masterClrMapping/>
   </p:clrMapOvr>
+  <p:timing>
+    <p:tnLst>
+      <p:par>
+        <p:cTn id="1" dur="indefinite" restart="never" nodeType="tmRoot">
+          <p:childTnLst>
+            <p:seq concurrent="1" nextAc="seek">
+              <p:cTn id="2" dur="indefinite" nodeType="mainSeq">
+                <p:childTnLst>
+                  <p:par>
+                    <p:cTn id="3" fill="hold">
+                      <p:stCondLst>
+                        <p:cond delay="indefinite"/>
+                      </p:stCondLst>
+                      <p:childTnLst>
+                        <p:par>
+                          <p:cTn id="4" fill="hold">
+                            <p:stCondLst>
+                              <p:cond delay="0"/>
+                            </p:stCondLst>
+                            <p:childTnLst>
+                              <p:par>
+                                <p:cTn id="5" presetID="2" presetClass="entr" presetSubtype="4" fill="hold" grpId="0" nodeType="clickEffect">
+                                  <p:stCondLst>
+                                    <p:cond delay="0"/>
+                                  </p:stCondLst>
+                                  <p:childTnLst>
+                                    <p:set>
+                                      <p:cBhvr>
+                                        <p:cTn id="6" dur="1" fill="hold">
+                                          <p:stCondLst>
+                                            <p:cond delay="0"/>
+                                          </p:stCondLst>
+                                        </p:cTn>
+                                        <p:tgtEl>
+                                          <p:spTgt spid="3">
+                                            <p:txEl>
+                                              <p:pRg st="0" end="0"/>
+                                            </p:txEl>
+                                          </p:spTgt>
+                                        </p:tgtEl>
+                                        <p:attrNameLst>
+                                          <p:attrName>style.visibility</p:attrName>
+                                        </p:attrNameLst>
+                                      </p:cBhvr>
+                                      <p:to>
+                                        <p:strVal val="visible"/>
+                                      </p:to>
+                                    </p:set>
+                                    <p:anim calcmode="lin" valueType="num">
+                                      <p:cBhvr additive="base">
+                                        <p:cTn id="7" dur="1000" fill="hold"/>
+                                        <p:tgtEl>
+                                          <p:spTgt spid="3">
+                                            <p:txEl>
+                                              <p:pRg st="0" end="0"/>
+                                            </p:txEl>
+                                          </p:spTgt>
+                                        </p:tgtEl>
+                                        <p:attrNameLst>
+                                          <p:attrName>ppt_x</p:attrName>
+                                        </p:attrNameLst>
+                                      </p:cBhvr>
+                                      <p:tavLst>
+                                        <p:tav tm="0">
+                                          <p:val>
+                                            <p:strVal val="#ppt_x"/>
+                                          </p:val>
+                                        </p:tav>
+                                        <p:tav tm="100000">
+                                          <p:val>
+                                            <p:strVal val="#ppt_x"/>
+                                          </p:val>
+                                        </p:tav>
+                                      </p:tavLst>
+                                    </p:anim>
+                                    <p:anim calcmode="lin" valueType="num">
+                                      <p:cBhvr additive="base">
+                                        <p:cTn id="8" dur="1000" fill="hold"/>
+                                        <p:tgtEl>
+                                          <p:spTgt spid="3">
+                                            <p:txEl>
+                                              <p:pRg st="0" end="0"/>
+                                            </p:txEl>
+                                          </p:spTgt>
+                                        </p:tgtEl>
+                                        <p:attrNameLst>
+                                          <p:attrName>ppt_y</p:attrName>
+                                        </p:attrNameLst>
+                                      </p:cBhvr>
+                                      <p:tavLst>
+                                        <p:tav tm="0">
+                                          <p:val>
+                                            <p:strVal val="1+#ppt_h/2"/>
+                                          </p:val>
+                                        </p:tav>
+                                        <p:tav tm="100000">
+                                          <p:val>
+                                            <p:strVal val="#ppt_y"/>
+                                          </p:val>
+                                        </p:tav>
+                                      </p:tavLst>
+                                    </p:anim>
+                                  </p:childTnLst>
+                                </p:cTn>
+                              </p:par>
+                            </p:childTnLst>
+                          </p:cTn>
+                        </p:par>
+                      </p:childTnLst>
+                    </p:cTn>
+                  </p:par>
+                  <p:par>
+                    <p:cTn id="9" fill="hold">
+                      <p:stCondLst>
+                        <p:cond delay="indefinite"/>
+                      </p:stCondLst>
+                      <p:childTnLst>
+                        <p:par>
+                          <p:cTn id="10" fill="hold">
+                            <p:stCondLst>
+                              <p:cond delay="0"/>
+                            </p:stCondLst>
+                            <p:childTnLst>
+                              <p:par>
+                                <p:cTn id="11" presetID="2" presetClass="entr" presetSubtype="4" fill="hold" grpId="0" nodeType="clickEffect">
+                                  <p:stCondLst>
+                                    <p:cond delay="0"/>
+                                  </p:stCondLst>
+                                  <p:childTnLst>
+                                    <p:set>
+                                      <p:cBhvr>
+                                        <p:cTn id="12" dur="1" fill="hold">
+                                          <p:stCondLst>
+                                            <p:cond delay="0"/>
+                                          </p:stCondLst>
+                                        </p:cTn>
+                                        <p:tgtEl>
+                                          <p:spTgt spid="3">
+                                            <p:txEl>
+                                              <p:pRg st="1" end="1"/>
+                                            </p:txEl>
+                                          </p:spTgt>
+                                        </p:tgtEl>
+                                        <p:attrNameLst>
+                                          <p:attrName>style.visibility</p:attrName>
+                                        </p:attrNameLst>
+                                      </p:cBhvr>
+                                      <p:to>
+                                        <p:strVal val="visible"/>
+                                      </p:to>
+                                    </p:set>
+                                    <p:anim calcmode="lin" valueType="num">
+                                      <p:cBhvr additive="base">
+                                        <p:cTn id="13" dur="1000" fill="hold"/>
+                                        <p:tgtEl>
+                                          <p:spTgt spid="3">
+                                            <p:txEl>
+                                              <p:pRg st="1" end="1"/>
+                                            </p:txEl>
+                                          </p:spTgt>
+                                        </p:tgtEl>
+                                        <p:attrNameLst>
+                                          <p:attrName>ppt_x</p:attrName>
+                                        </p:attrNameLst>
+                                      </p:cBhvr>
+                                      <p:tavLst>
+                                        <p:tav tm="0">
+                                          <p:val>
+                                            <p:strVal val="#ppt_x"/>
+                                          </p:val>
+                                        </p:tav>
+                                        <p:tav tm="100000">
+                                          <p:val>
+                                            <p:strVal val="#ppt_x"/>
+                                          </p:val>
+                                        </p:tav>
+                                      </p:tavLst>
+                                    </p:anim>
+                                    <p:anim calcmode="lin" valueType="num">
+                                      <p:cBhvr additive="base">
+                                        <p:cTn id="14" dur="1000" fill="hold"/>
+                                        <p:tgtEl>
+                                          <p:spTgt spid="3">
+                                            <p:txEl>
+                                              <p:pRg st="1" end="1"/>
+                                            </p:txEl>
+                                          </p:spTgt>
+                                        </p:tgtEl>
+                                        <p:attrNameLst>
+                                          <p:attrName>ppt_y</p:attrName>
+                                        </p:attrNameLst>
+                                      </p:cBhvr>
+                                      <p:tavLst>
+                                        <p:tav tm="0">
+                                          <p:val>
+                                            <p:strVal val="1+#ppt_h/2"/>
+                                          </p:val>
+                                        </p:tav>
+                                        <p:tav tm="100000">
+                                          <p:val>
+                                            <p:strVal val="#ppt_y"/>
+                                          </p:val>
+                                        </p:tav>
+                                      </p:tavLst>
+                                    </p:anim>
+                                  </p:childTnLst>
+                                </p:cTn>
+                              </p:par>
+                            </p:childTnLst>
+                          </p:cTn>
+                        </p:par>
+                      </p:childTnLst>
+                    </p:cTn>
+                  </p:par>
+                  <p:par>
+                    <p:cTn id="15" fill="hold">
+                      <p:stCondLst>
+                        <p:cond delay="indefinite"/>
+                      </p:stCondLst>
+                      <p:childTnLst>
+                        <p:par>
+                          <p:cTn id="16" fill="hold">
+                            <p:stCondLst>
+                              <p:cond delay="0"/>
+                            </p:stCondLst>
+                            <p:childTnLst>
+                              <p:par>
+                                <p:cTn id="17" presetID="2" presetClass="entr" presetSubtype="4" fill="hold" grpId="0" nodeType="clickEffect">
+                                  <p:stCondLst>
+                                    <p:cond delay="0"/>
+                                  </p:stCondLst>
+                                  <p:childTnLst>
+                                    <p:set>
+                                      <p:cBhvr>
+                                        <p:cTn id="18" dur="1" fill="hold">
+                                          <p:stCondLst>
+                                            <p:cond delay="0"/>
+                                          </p:stCondLst>
+                                        </p:cTn>
+                                        <p:tgtEl>
+                                          <p:spTgt spid="3">
+                                            <p:txEl>
+                                              <p:pRg st="2" end="2"/>
+                                            </p:txEl>
+                                          </p:spTgt>
+                                        </p:tgtEl>
+                                        <p:attrNameLst>
+                                          <p:attrName>style.visibility</p:attrName>
+                                        </p:attrNameLst>
+                                      </p:cBhvr>
+                                      <p:to>
+                                        <p:strVal val="visible"/>
+                                      </p:to>
+                                    </p:set>
+                                    <p:anim calcmode="lin" valueType="num">
+                                      <p:cBhvr additive="base">
+                                        <p:cTn id="19" dur="1000" fill="hold"/>
+                                        <p:tgtEl>
+                                          <p:spTgt spid="3">
+                                            <p:txEl>
+                                              <p:pRg st="2" end="2"/>
+                                            </p:txEl>
+                                          </p:spTgt>
+                                        </p:tgtEl>
+                                        <p:attrNameLst>
+                                          <p:attrName>ppt_x</p:attrName>
+                                        </p:attrNameLst>
+                                      </p:cBhvr>
+                                      <p:tavLst>
+                                        <p:tav tm="0">
+                                          <p:val>
+                                            <p:strVal val="#ppt_x"/>
+                                          </p:val>
+                                        </p:tav>
+                                        <p:tav tm="100000">
+                                          <p:val>
+                                            <p:strVal val="#ppt_x"/>
+                                          </p:val>
+                                        </p:tav>
+                                      </p:tavLst>
+                                    </p:anim>
+                                    <p:anim calcmode="lin" valueType="num">
+                                      <p:cBhvr additive="base">
+                                        <p:cTn id="20" dur="1000" fill="hold"/>
+                                        <p:tgtEl>
+                                          <p:spTgt spid="3">
+                                            <p:txEl>
+                                              <p:pRg st="2" end="2"/>
+                                            </p:txEl>
+                                          </p:spTgt>
+                                        </p:tgtEl>
+                                        <p:attrNameLst>
+                                          <p:attrName>ppt_y</p:attrName>
+                                        </p:attrNameLst>
+                                      </p:cBhvr>
+                                      <p:tavLst>
+                                        <p:tav tm="0">
+                                          <p:val>
+                                            <p:strVal val="1+#ppt_h/2"/>
+                                          </p:val>
+                                        </p:tav>
+                                        <p:tav tm="100000">
+                                          <p:val>
+                                            <p:strVal val="#ppt_y"/>
+                                          </p:val>
+                                        </p:tav>
+                                      </p:tavLst>
+                                    </p:anim>
+                                  </p:childTnLst>
+                                </p:cTn>
+                              </p:par>
+                            </p:childTnLst>
+                          </p:cTn>
+                        </p:par>
+                      </p:childTnLst>
+                    </p:cTn>
+                  </p:par>
+                  <p:par>
+                    <p:cTn id="21" fill="hold">
+                      <p:stCondLst>
+                        <p:cond delay="indefinite"/>
+                      </p:stCondLst>
+                      <p:childTnLst>
+                        <p:par>
+                          <p:cTn id="22" fill="hold">
+                            <p:stCondLst>
+                              <p:cond delay="0"/>
+                            </p:stCondLst>
+                            <p:childTnLst>
+                              <p:par>
+                                <p:cTn id="23" presetID="2" presetClass="entr" presetSubtype="4" fill="hold" grpId="0" nodeType="clickEffect">
+                                  <p:stCondLst>
+                                    <p:cond delay="0"/>
+                                  </p:stCondLst>
+                                  <p:childTnLst>
+                                    <p:set>
+                                      <p:cBhvr>
+                                        <p:cTn id="24" dur="1" fill="hold">
+                                          <p:stCondLst>
+                                            <p:cond delay="0"/>
+                                          </p:stCondLst>
+                                        </p:cTn>
+                                        <p:tgtEl>
+                                          <p:spTgt spid="3">
+                                            <p:txEl>
+                                              <p:pRg st="3" end="3"/>
+                                            </p:txEl>
+                                          </p:spTgt>
+                                        </p:tgtEl>
+                                        <p:attrNameLst>
+                                          <p:attrName>style.visibility</p:attrName>
+                                        </p:attrNameLst>
+                                      </p:cBhvr>
+                                      <p:to>
+                                        <p:strVal val="visible"/>
+                                      </p:to>
+                                    </p:set>
+                                    <p:anim calcmode="lin" valueType="num">
+                                      <p:cBhvr additive="base">
+                                        <p:cTn id="25" dur="1000" fill="hold"/>
+                                        <p:tgtEl>
+                                          <p:spTgt spid="3">
+                                            <p:txEl>
+                                              <p:pRg st="3" end="3"/>
+                                            </p:txEl>
+                                          </p:spTgt>
+                                        </p:tgtEl>
+                                        <p:attrNameLst>
+                                          <p:attrName>ppt_x</p:attrName>
+                                        </p:attrNameLst>
+                                      </p:cBhvr>
+                                      <p:tavLst>
+                                        <p:tav tm="0">
+                                          <p:val>
+                                            <p:strVal val="#ppt_x"/>
+                                          </p:val>
+                                        </p:tav>
+                                        <p:tav tm="100000">
+                                          <p:val>
+                                            <p:strVal val="#ppt_x"/>
+                                          </p:val>
+                                        </p:tav>
+                                      </p:tavLst>
+                                    </p:anim>
+                                    <p:anim calcmode="lin" valueType="num">
+                                      <p:cBhvr additive="base">
+                                        <p:cTn id="26" dur="1000" fill="hold"/>
+                                        <p:tgtEl>
+                                          <p:spTgt spid="3">
+                                            <p:txEl>
+                                              <p:pRg st="3" end="3"/>
+                                            </p:txEl>
+                                          </p:spTgt>
+                                        </p:tgtEl>
+                                        <p:attrNameLst>
+                                          <p:attrName>ppt_y</p:attrName>
+                                        </p:attrNameLst>
+                                      </p:cBhvr>
+                                      <p:tavLst>
+                                        <p:tav tm="0">
+                                          <p:val>
+                                            <p:strVal val="1+#ppt_h/2"/>
+                                          </p:val>
+                                        </p:tav>
+                                        <p:tav tm="100000">
+                                          <p:val>
+                                            <p:strVal val="#ppt_y"/>
+                                          </p:val>
+                                        </p:tav>
+                                      </p:tavLst>
+                                    </p:anim>
+                                  </p:childTnLst>
+                                </p:cTn>
+                              </p:par>
+                            </p:childTnLst>
+                          </p:cTn>
+                        </p:par>
+                      </p:childTnLst>
+                    </p:cTn>
+                  </p:par>
+                </p:childTnLst>
+              </p:cTn>
+              <p:prevCondLst>
+                <p:cond evt="onPrev" delay="0">
+                  <p:tgtEl>
+                    <p:sldTgt/>
+                  </p:tgtEl>
+                </p:cond>
+              </p:prevCondLst>
+              <p:nextCondLst>
+                <p:cond evt="onNext" delay="0">
+                  <p:tgtEl>
+                    <p:sldTgt/>
+                  </p:tgtEl>
+                </p:cond>
+              </p:nextCondLst>
+            </p:seq>
+          </p:childTnLst>
+        </p:cTn>
+      </p:par>
+    </p:tnLst>
+    <p:bldLst>
+      <p:bldP spid="3" grpId="0" build="p"/>
+    </p:bldLst>
+  </p:timing>
 </p:sld>
 </file>
 
@@ -18691,7 +22984,27 @@
             </a:pPr>
             <a:r>
               <a:rPr lang="en-US" sz="2000" dirty="0"/>
-              <a:t>Charts and graphs are perfect for comparing one or many value sets, and they can easily show the low and high values in the data sets.</a:t>
+              <a:t>Charts and graphs are perfect for comparing </a:t>
+            </a:r>
+            <a:r>
+              <a:rPr lang="en-US" sz="2000" dirty="0">
+                <a:solidFill>
+                  <a:srgbClr val="FF0000"/>
+                </a:solidFill>
+              </a:rPr>
+              <a:t>one or many value sets</a:t>
+            </a:r>
+            <a:r>
+              <a:rPr lang="en-US" sz="2000" dirty="0"/>
+              <a:t>, and they </a:t>
+            </a:r>
+            <a:r>
+              <a:rPr lang="en-US" sz="2000" u="sng" dirty="0"/>
+              <a:t>can easily show the low and high values </a:t>
+            </a:r>
+            <a:r>
+              <a:rPr lang="en-US" sz="2000" dirty="0"/>
+              <a:t>in the data sets.</a:t>
             </a:r>
           </a:p>
           <a:p>
@@ -18843,6 +23156,585 @@
   <p:clrMapOvr>
     <a:masterClrMapping/>
   </p:clrMapOvr>
+  <p:timing>
+    <p:tnLst>
+      <p:par>
+        <p:cTn id="1" dur="indefinite" restart="never" nodeType="tmRoot">
+          <p:childTnLst>
+            <p:seq concurrent="1" nextAc="seek">
+              <p:cTn id="2" dur="indefinite" nodeType="mainSeq">
+                <p:childTnLst>
+                  <p:par>
+                    <p:cTn id="3" fill="hold">
+                      <p:stCondLst>
+                        <p:cond delay="indefinite"/>
+                      </p:stCondLst>
+                      <p:childTnLst>
+                        <p:par>
+                          <p:cTn id="4" fill="hold">
+                            <p:stCondLst>
+                              <p:cond delay="0"/>
+                            </p:stCondLst>
+                            <p:childTnLst>
+                              <p:par>
+                                <p:cTn id="5" presetID="2" presetClass="entr" presetSubtype="4" fill="hold" grpId="0" nodeType="clickEffect">
+                                  <p:stCondLst>
+                                    <p:cond delay="0"/>
+                                  </p:stCondLst>
+                                  <p:childTnLst>
+                                    <p:set>
+                                      <p:cBhvr>
+                                        <p:cTn id="6" dur="1" fill="hold">
+                                          <p:stCondLst>
+                                            <p:cond delay="0"/>
+                                          </p:stCondLst>
+                                        </p:cTn>
+                                        <p:tgtEl>
+                                          <p:spTgt spid="3">
+                                            <p:txEl>
+                                              <p:pRg st="0" end="0"/>
+                                            </p:txEl>
+                                          </p:spTgt>
+                                        </p:tgtEl>
+                                        <p:attrNameLst>
+                                          <p:attrName>style.visibility</p:attrName>
+                                        </p:attrNameLst>
+                                      </p:cBhvr>
+                                      <p:to>
+                                        <p:strVal val="visible"/>
+                                      </p:to>
+                                    </p:set>
+                                    <p:anim calcmode="lin" valueType="num">
+                                      <p:cBhvr additive="base">
+                                        <p:cTn id="7" dur="1000" fill="hold"/>
+                                        <p:tgtEl>
+                                          <p:spTgt spid="3">
+                                            <p:txEl>
+                                              <p:pRg st="0" end="0"/>
+                                            </p:txEl>
+                                          </p:spTgt>
+                                        </p:tgtEl>
+                                        <p:attrNameLst>
+                                          <p:attrName>ppt_x</p:attrName>
+                                        </p:attrNameLst>
+                                      </p:cBhvr>
+                                      <p:tavLst>
+                                        <p:tav tm="0">
+                                          <p:val>
+                                            <p:strVal val="#ppt_x"/>
+                                          </p:val>
+                                        </p:tav>
+                                        <p:tav tm="100000">
+                                          <p:val>
+                                            <p:strVal val="#ppt_x"/>
+                                          </p:val>
+                                        </p:tav>
+                                      </p:tavLst>
+                                    </p:anim>
+                                    <p:anim calcmode="lin" valueType="num">
+                                      <p:cBhvr additive="base">
+                                        <p:cTn id="8" dur="1000" fill="hold"/>
+                                        <p:tgtEl>
+                                          <p:spTgt spid="3">
+                                            <p:txEl>
+                                              <p:pRg st="0" end="0"/>
+                                            </p:txEl>
+                                          </p:spTgt>
+                                        </p:tgtEl>
+                                        <p:attrNameLst>
+                                          <p:attrName>ppt_y</p:attrName>
+                                        </p:attrNameLst>
+                                      </p:cBhvr>
+                                      <p:tavLst>
+                                        <p:tav tm="0">
+                                          <p:val>
+                                            <p:strVal val="1+#ppt_h/2"/>
+                                          </p:val>
+                                        </p:tav>
+                                        <p:tav tm="100000">
+                                          <p:val>
+                                            <p:strVal val="#ppt_y"/>
+                                          </p:val>
+                                        </p:tav>
+                                      </p:tavLst>
+                                    </p:anim>
+                                  </p:childTnLst>
+                                </p:cTn>
+                              </p:par>
+                            </p:childTnLst>
+                          </p:cTn>
+                        </p:par>
+                      </p:childTnLst>
+                    </p:cTn>
+                  </p:par>
+                  <p:par>
+                    <p:cTn id="9" fill="hold">
+                      <p:stCondLst>
+                        <p:cond delay="indefinite"/>
+                      </p:stCondLst>
+                      <p:childTnLst>
+                        <p:par>
+                          <p:cTn id="10" fill="hold">
+                            <p:stCondLst>
+                              <p:cond delay="0"/>
+                            </p:stCondLst>
+                            <p:childTnLst>
+                              <p:par>
+                                <p:cTn id="11" presetID="2" presetClass="entr" presetSubtype="4" fill="hold" grpId="0" nodeType="clickEffect">
+                                  <p:stCondLst>
+                                    <p:cond delay="0"/>
+                                  </p:stCondLst>
+                                  <p:childTnLst>
+                                    <p:set>
+                                      <p:cBhvr>
+                                        <p:cTn id="12" dur="1" fill="hold">
+                                          <p:stCondLst>
+                                            <p:cond delay="0"/>
+                                          </p:stCondLst>
+                                        </p:cTn>
+                                        <p:tgtEl>
+                                          <p:spTgt spid="3">
+                                            <p:txEl>
+                                              <p:pRg st="1" end="1"/>
+                                            </p:txEl>
+                                          </p:spTgt>
+                                        </p:tgtEl>
+                                        <p:attrNameLst>
+                                          <p:attrName>style.visibility</p:attrName>
+                                        </p:attrNameLst>
+                                      </p:cBhvr>
+                                      <p:to>
+                                        <p:strVal val="visible"/>
+                                      </p:to>
+                                    </p:set>
+                                    <p:anim calcmode="lin" valueType="num">
+                                      <p:cBhvr additive="base">
+                                        <p:cTn id="13" dur="1000" fill="hold"/>
+                                        <p:tgtEl>
+                                          <p:spTgt spid="3">
+                                            <p:txEl>
+                                              <p:pRg st="1" end="1"/>
+                                            </p:txEl>
+                                          </p:spTgt>
+                                        </p:tgtEl>
+                                        <p:attrNameLst>
+                                          <p:attrName>ppt_x</p:attrName>
+                                        </p:attrNameLst>
+                                      </p:cBhvr>
+                                      <p:tavLst>
+                                        <p:tav tm="0">
+                                          <p:val>
+                                            <p:strVal val="#ppt_x"/>
+                                          </p:val>
+                                        </p:tav>
+                                        <p:tav tm="100000">
+                                          <p:val>
+                                            <p:strVal val="#ppt_x"/>
+                                          </p:val>
+                                        </p:tav>
+                                      </p:tavLst>
+                                    </p:anim>
+                                    <p:anim calcmode="lin" valueType="num">
+                                      <p:cBhvr additive="base">
+                                        <p:cTn id="14" dur="1000" fill="hold"/>
+                                        <p:tgtEl>
+                                          <p:spTgt spid="3">
+                                            <p:txEl>
+                                              <p:pRg st="1" end="1"/>
+                                            </p:txEl>
+                                          </p:spTgt>
+                                        </p:tgtEl>
+                                        <p:attrNameLst>
+                                          <p:attrName>ppt_y</p:attrName>
+                                        </p:attrNameLst>
+                                      </p:cBhvr>
+                                      <p:tavLst>
+                                        <p:tav tm="0">
+                                          <p:val>
+                                            <p:strVal val="1+#ppt_h/2"/>
+                                          </p:val>
+                                        </p:tav>
+                                        <p:tav tm="100000">
+                                          <p:val>
+                                            <p:strVal val="#ppt_y"/>
+                                          </p:val>
+                                        </p:tav>
+                                      </p:tavLst>
+                                    </p:anim>
+                                  </p:childTnLst>
+                                </p:cTn>
+                              </p:par>
+                              <p:par>
+                                <p:cTn id="15" presetID="2" presetClass="entr" presetSubtype="4" fill="hold" grpId="0" nodeType="withEffect">
+                                  <p:stCondLst>
+                                    <p:cond delay="0"/>
+                                  </p:stCondLst>
+                                  <p:childTnLst>
+                                    <p:set>
+                                      <p:cBhvr>
+                                        <p:cTn id="16" dur="1" fill="hold">
+                                          <p:stCondLst>
+                                            <p:cond delay="0"/>
+                                          </p:stCondLst>
+                                        </p:cTn>
+                                        <p:tgtEl>
+                                          <p:spTgt spid="3">
+                                            <p:txEl>
+                                              <p:pRg st="2" end="2"/>
+                                            </p:txEl>
+                                          </p:spTgt>
+                                        </p:tgtEl>
+                                        <p:attrNameLst>
+                                          <p:attrName>style.visibility</p:attrName>
+                                        </p:attrNameLst>
+                                      </p:cBhvr>
+                                      <p:to>
+                                        <p:strVal val="visible"/>
+                                      </p:to>
+                                    </p:set>
+                                    <p:anim calcmode="lin" valueType="num">
+                                      <p:cBhvr additive="base">
+                                        <p:cTn id="17" dur="1000" fill="hold"/>
+                                        <p:tgtEl>
+                                          <p:spTgt spid="3">
+                                            <p:txEl>
+                                              <p:pRg st="2" end="2"/>
+                                            </p:txEl>
+                                          </p:spTgt>
+                                        </p:tgtEl>
+                                        <p:attrNameLst>
+                                          <p:attrName>ppt_x</p:attrName>
+                                        </p:attrNameLst>
+                                      </p:cBhvr>
+                                      <p:tavLst>
+                                        <p:tav tm="0">
+                                          <p:val>
+                                            <p:strVal val="#ppt_x"/>
+                                          </p:val>
+                                        </p:tav>
+                                        <p:tav tm="100000">
+                                          <p:val>
+                                            <p:strVal val="#ppt_x"/>
+                                          </p:val>
+                                        </p:tav>
+                                      </p:tavLst>
+                                    </p:anim>
+                                    <p:anim calcmode="lin" valueType="num">
+                                      <p:cBhvr additive="base">
+                                        <p:cTn id="18" dur="1000" fill="hold"/>
+                                        <p:tgtEl>
+                                          <p:spTgt spid="3">
+                                            <p:txEl>
+                                              <p:pRg st="2" end="2"/>
+                                            </p:txEl>
+                                          </p:spTgt>
+                                        </p:tgtEl>
+                                        <p:attrNameLst>
+                                          <p:attrName>ppt_y</p:attrName>
+                                        </p:attrNameLst>
+                                      </p:cBhvr>
+                                      <p:tavLst>
+                                        <p:tav tm="0">
+                                          <p:val>
+                                            <p:strVal val="1+#ppt_h/2"/>
+                                          </p:val>
+                                        </p:tav>
+                                        <p:tav tm="100000">
+                                          <p:val>
+                                            <p:strVal val="#ppt_y"/>
+                                          </p:val>
+                                        </p:tav>
+                                      </p:tavLst>
+                                    </p:anim>
+                                  </p:childTnLst>
+                                </p:cTn>
+                              </p:par>
+                              <p:par>
+                                <p:cTn id="19" presetID="2" presetClass="entr" presetSubtype="4" fill="hold" grpId="0" nodeType="withEffect">
+                                  <p:stCondLst>
+                                    <p:cond delay="0"/>
+                                  </p:stCondLst>
+                                  <p:childTnLst>
+                                    <p:set>
+                                      <p:cBhvr>
+                                        <p:cTn id="20" dur="1" fill="hold">
+                                          <p:stCondLst>
+                                            <p:cond delay="0"/>
+                                          </p:stCondLst>
+                                        </p:cTn>
+                                        <p:tgtEl>
+                                          <p:spTgt spid="3">
+                                            <p:txEl>
+                                              <p:pRg st="3" end="3"/>
+                                            </p:txEl>
+                                          </p:spTgt>
+                                        </p:tgtEl>
+                                        <p:attrNameLst>
+                                          <p:attrName>style.visibility</p:attrName>
+                                        </p:attrNameLst>
+                                      </p:cBhvr>
+                                      <p:to>
+                                        <p:strVal val="visible"/>
+                                      </p:to>
+                                    </p:set>
+                                    <p:anim calcmode="lin" valueType="num">
+                                      <p:cBhvr additive="base">
+                                        <p:cTn id="21" dur="1000" fill="hold"/>
+                                        <p:tgtEl>
+                                          <p:spTgt spid="3">
+                                            <p:txEl>
+                                              <p:pRg st="3" end="3"/>
+                                            </p:txEl>
+                                          </p:spTgt>
+                                        </p:tgtEl>
+                                        <p:attrNameLst>
+                                          <p:attrName>ppt_x</p:attrName>
+                                        </p:attrNameLst>
+                                      </p:cBhvr>
+                                      <p:tavLst>
+                                        <p:tav tm="0">
+                                          <p:val>
+                                            <p:strVal val="#ppt_x"/>
+                                          </p:val>
+                                        </p:tav>
+                                        <p:tav tm="100000">
+                                          <p:val>
+                                            <p:strVal val="#ppt_x"/>
+                                          </p:val>
+                                        </p:tav>
+                                      </p:tavLst>
+                                    </p:anim>
+                                    <p:anim calcmode="lin" valueType="num">
+                                      <p:cBhvr additive="base">
+                                        <p:cTn id="22" dur="1000" fill="hold"/>
+                                        <p:tgtEl>
+                                          <p:spTgt spid="3">
+                                            <p:txEl>
+                                              <p:pRg st="3" end="3"/>
+                                            </p:txEl>
+                                          </p:spTgt>
+                                        </p:tgtEl>
+                                        <p:attrNameLst>
+                                          <p:attrName>ppt_y</p:attrName>
+                                        </p:attrNameLst>
+                                      </p:cBhvr>
+                                      <p:tavLst>
+                                        <p:tav tm="0">
+                                          <p:val>
+                                            <p:strVal val="1+#ppt_h/2"/>
+                                          </p:val>
+                                        </p:tav>
+                                        <p:tav tm="100000">
+                                          <p:val>
+                                            <p:strVal val="#ppt_y"/>
+                                          </p:val>
+                                        </p:tav>
+                                      </p:tavLst>
+                                    </p:anim>
+                                  </p:childTnLst>
+                                </p:cTn>
+                              </p:par>
+                              <p:par>
+                                <p:cTn id="23" presetID="2" presetClass="entr" presetSubtype="4" fill="hold" grpId="0" nodeType="withEffect">
+                                  <p:stCondLst>
+                                    <p:cond delay="0"/>
+                                  </p:stCondLst>
+                                  <p:childTnLst>
+                                    <p:set>
+                                      <p:cBhvr>
+                                        <p:cTn id="24" dur="1" fill="hold">
+                                          <p:stCondLst>
+                                            <p:cond delay="0"/>
+                                          </p:stCondLst>
+                                        </p:cTn>
+                                        <p:tgtEl>
+                                          <p:spTgt spid="3">
+                                            <p:txEl>
+                                              <p:pRg st="4" end="4"/>
+                                            </p:txEl>
+                                          </p:spTgt>
+                                        </p:tgtEl>
+                                        <p:attrNameLst>
+                                          <p:attrName>style.visibility</p:attrName>
+                                        </p:attrNameLst>
+                                      </p:cBhvr>
+                                      <p:to>
+                                        <p:strVal val="visible"/>
+                                      </p:to>
+                                    </p:set>
+                                    <p:anim calcmode="lin" valueType="num">
+                                      <p:cBhvr additive="base">
+                                        <p:cTn id="25" dur="1000" fill="hold"/>
+                                        <p:tgtEl>
+                                          <p:spTgt spid="3">
+                                            <p:txEl>
+                                              <p:pRg st="4" end="4"/>
+                                            </p:txEl>
+                                          </p:spTgt>
+                                        </p:tgtEl>
+                                        <p:attrNameLst>
+                                          <p:attrName>ppt_x</p:attrName>
+                                        </p:attrNameLst>
+                                      </p:cBhvr>
+                                      <p:tavLst>
+                                        <p:tav tm="0">
+                                          <p:val>
+                                            <p:strVal val="#ppt_x"/>
+                                          </p:val>
+                                        </p:tav>
+                                        <p:tav tm="100000">
+                                          <p:val>
+                                            <p:strVal val="#ppt_x"/>
+                                          </p:val>
+                                        </p:tav>
+                                      </p:tavLst>
+                                    </p:anim>
+                                    <p:anim calcmode="lin" valueType="num">
+                                      <p:cBhvr additive="base">
+                                        <p:cTn id="26" dur="1000" fill="hold"/>
+                                        <p:tgtEl>
+                                          <p:spTgt spid="3">
+                                            <p:txEl>
+                                              <p:pRg st="4" end="4"/>
+                                            </p:txEl>
+                                          </p:spTgt>
+                                        </p:tgtEl>
+                                        <p:attrNameLst>
+                                          <p:attrName>ppt_y</p:attrName>
+                                        </p:attrNameLst>
+                                      </p:cBhvr>
+                                      <p:tavLst>
+                                        <p:tav tm="0">
+                                          <p:val>
+                                            <p:strVal val="1+#ppt_h/2"/>
+                                          </p:val>
+                                        </p:tav>
+                                        <p:tav tm="100000">
+                                          <p:val>
+                                            <p:strVal val="#ppt_y"/>
+                                          </p:val>
+                                        </p:tav>
+                                      </p:tavLst>
+                                    </p:anim>
+                                  </p:childTnLst>
+                                </p:cTn>
+                              </p:par>
+                              <p:par>
+                                <p:cTn id="27" presetID="2" presetClass="entr" presetSubtype="4" fill="hold" grpId="0" nodeType="withEffect">
+                                  <p:stCondLst>
+                                    <p:cond delay="0"/>
+                                  </p:stCondLst>
+                                  <p:childTnLst>
+                                    <p:set>
+                                      <p:cBhvr>
+                                        <p:cTn id="28" dur="1" fill="hold">
+                                          <p:stCondLst>
+                                            <p:cond delay="0"/>
+                                          </p:stCondLst>
+                                        </p:cTn>
+                                        <p:tgtEl>
+                                          <p:spTgt spid="3">
+                                            <p:txEl>
+                                              <p:pRg st="5" end="5"/>
+                                            </p:txEl>
+                                          </p:spTgt>
+                                        </p:tgtEl>
+                                        <p:attrNameLst>
+                                          <p:attrName>style.visibility</p:attrName>
+                                        </p:attrNameLst>
+                                      </p:cBhvr>
+                                      <p:to>
+                                        <p:strVal val="visible"/>
+                                      </p:to>
+                                    </p:set>
+                                    <p:anim calcmode="lin" valueType="num">
+                                      <p:cBhvr additive="base">
+                                        <p:cTn id="29" dur="1000" fill="hold"/>
+                                        <p:tgtEl>
+                                          <p:spTgt spid="3">
+                                            <p:txEl>
+                                              <p:pRg st="5" end="5"/>
+                                            </p:txEl>
+                                          </p:spTgt>
+                                        </p:tgtEl>
+                                        <p:attrNameLst>
+                                          <p:attrName>ppt_x</p:attrName>
+                                        </p:attrNameLst>
+                                      </p:cBhvr>
+                                      <p:tavLst>
+                                        <p:tav tm="0">
+                                          <p:val>
+                                            <p:strVal val="#ppt_x"/>
+                                          </p:val>
+                                        </p:tav>
+                                        <p:tav tm="100000">
+                                          <p:val>
+                                            <p:strVal val="#ppt_x"/>
+                                          </p:val>
+                                        </p:tav>
+                                      </p:tavLst>
+                                    </p:anim>
+                                    <p:anim calcmode="lin" valueType="num">
+                                      <p:cBhvr additive="base">
+                                        <p:cTn id="30" dur="1000" fill="hold"/>
+                                        <p:tgtEl>
+                                          <p:spTgt spid="3">
+                                            <p:txEl>
+                                              <p:pRg st="5" end="5"/>
+                                            </p:txEl>
+                                          </p:spTgt>
+                                        </p:tgtEl>
+                                        <p:attrNameLst>
+                                          <p:attrName>ppt_y</p:attrName>
+                                        </p:attrNameLst>
+                                      </p:cBhvr>
+                                      <p:tavLst>
+                                        <p:tav tm="0">
+                                          <p:val>
+                                            <p:strVal val="1+#ppt_h/2"/>
+                                          </p:val>
+                                        </p:tav>
+                                        <p:tav tm="100000">
+                                          <p:val>
+                                            <p:strVal val="#ppt_y"/>
+                                          </p:val>
+                                        </p:tav>
+                                      </p:tavLst>
+                                    </p:anim>
+                                  </p:childTnLst>
+                                </p:cTn>
+                              </p:par>
+                            </p:childTnLst>
+                          </p:cTn>
+                        </p:par>
+                      </p:childTnLst>
+                    </p:cTn>
+                  </p:par>
+                </p:childTnLst>
+              </p:cTn>
+              <p:prevCondLst>
+                <p:cond evt="onPrev" delay="0">
+                  <p:tgtEl>
+                    <p:sldTgt/>
+                  </p:tgtEl>
+                </p:cond>
+              </p:prevCondLst>
+              <p:nextCondLst>
+                <p:cond evt="onNext" delay="0">
+                  <p:tgtEl>
+                    <p:sldTgt/>
+                  </p:tgtEl>
+                </p:cond>
+              </p:nextCondLst>
+            </p:seq>
+          </p:childTnLst>
+        </p:cTn>
+      </p:par>
+    </p:tnLst>
+    <p:bldLst>
+      <p:bldP spid="3" grpId="0" build="p"/>
+    </p:bldLst>
+  </p:timing>
 </p:sld>
 </file>
 
@@ -18935,7 +23827,38 @@
                 <a:effectLst/>
                 <a:latin typeface="AvenirNext"/>
               </a:rPr>
-              <a:t> can help you compare data between different groups or to track changes over time. Bar graphs are most useful when there are big changes or to show how one group compares against other groups.</a:t>
+              <a:t> can help you </a:t>
+            </a:r>
+            <a:r>
+              <a:rPr lang="en-US" sz="2000" b="0" i="0" dirty="0">
+                <a:solidFill>
+                  <a:srgbClr val="FF0000"/>
+                </a:solidFill>
+                <a:effectLst/>
+                <a:latin typeface="AvenirNext"/>
+              </a:rPr>
+              <a:t>compare data </a:t>
+            </a:r>
+            <a:r>
+              <a:rPr lang="en-US" sz="2000" b="0" i="0" dirty="0">
+                <a:effectLst/>
+                <a:latin typeface="AvenirNext"/>
+              </a:rPr>
+              <a:t>between </a:t>
+            </a:r>
+            <a:r>
+              <a:rPr lang="en-US" sz="2000" b="1" i="0" dirty="0">
+                <a:effectLst/>
+                <a:latin typeface="AvenirNext"/>
+              </a:rPr>
+              <a:t>different groups or to track changes over time</a:t>
+            </a:r>
+            <a:r>
+              <a:rPr lang="en-US" sz="2000" b="0" i="0" dirty="0">
+                <a:effectLst/>
+                <a:latin typeface="AvenirNext"/>
+              </a:rPr>
+              <a:t>. Bar graphs are most useful when there are big changes or to show how one group compares against other groups.</a:t>
             </a:r>
           </a:p>
           <a:p>
@@ -18976,7 +23899,7 @@
         </p:blipFill>
         <p:spPr>
           <a:xfrm>
-            <a:off x="1508759" y="2409568"/>
+            <a:off x="1508759" y="2395547"/>
             <a:ext cx="8584641" cy="4324864"/>
           </a:xfrm>
           <a:prstGeom prst="rect">
@@ -18994,6 +23917,341 @@
   <p:clrMapOvr>
     <a:masterClrMapping/>
   </p:clrMapOvr>
+  <p:timing>
+    <p:tnLst>
+      <p:par>
+        <p:cTn id="1" dur="indefinite" restart="never" nodeType="tmRoot">
+          <p:childTnLst>
+            <p:seq concurrent="1" nextAc="seek">
+              <p:cTn id="2" dur="indefinite" nodeType="mainSeq">
+                <p:childTnLst>
+                  <p:par>
+                    <p:cTn id="3" fill="hold">
+                      <p:stCondLst>
+                        <p:cond delay="indefinite"/>
+                      </p:stCondLst>
+                      <p:childTnLst>
+                        <p:par>
+                          <p:cTn id="4" fill="hold">
+                            <p:stCondLst>
+                              <p:cond delay="0"/>
+                            </p:stCondLst>
+                            <p:childTnLst>
+                              <p:par>
+                                <p:cTn id="5" presetID="2" presetClass="entr" presetSubtype="4" fill="hold" nodeType="clickEffect">
+                                  <p:stCondLst>
+                                    <p:cond delay="0"/>
+                                  </p:stCondLst>
+                                  <p:childTnLst>
+                                    <p:set>
+                                      <p:cBhvr>
+                                        <p:cTn id="6" dur="1" fill="hold">
+                                          <p:stCondLst>
+                                            <p:cond delay="0"/>
+                                          </p:stCondLst>
+                                        </p:cTn>
+                                        <p:tgtEl>
+                                          <p:spTgt spid="12">
+                                            <p:txEl>
+                                              <p:pRg st="0" end="0"/>
+                                            </p:txEl>
+                                          </p:spTgt>
+                                        </p:tgtEl>
+                                        <p:attrNameLst>
+                                          <p:attrName>style.visibility</p:attrName>
+                                        </p:attrNameLst>
+                                      </p:cBhvr>
+                                      <p:to>
+                                        <p:strVal val="visible"/>
+                                      </p:to>
+                                    </p:set>
+                                    <p:anim calcmode="lin" valueType="num">
+                                      <p:cBhvr additive="base">
+                                        <p:cTn id="7" dur="1000" fill="hold"/>
+                                        <p:tgtEl>
+                                          <p:spTgt spid="12">
+                                            <p:txEl>
+                                              <p:pRg st="0" end="0"/>
+                                            </p:txEl>
+                                          </p:spTgt>
+                                        </p:tgtEl>
+                                        <p:attrNameLst>
+                                          <p:attrName>ppt_x</p:attrName>
+                                        </p:attrNameLst>
+                                      </p:cBhvr>
+                                      <p:tavLst>
+                                        <p:tav tm="0">
+                                          <p:val>
+                                            <p:strVal val="#ppt_x"/>
+                                          </p:val>
+                                        </p:tav>
+                                        <p:tav tm="100000">
+                                          <p:val>
+                                            <p:strVal val="#ppt_x"/>
+                                          </p:val>
+                                        </p:tav>
+                                      </p:tavLst>
+                                    </p:anim>
+                                    <p:anim calcmode="lin" valueType="num">
+                                      <p:cBhvr additive="base">
+                                        <p:cTn id="8" dur="1000" fill="hold"/>
+                                        <p:tgtEl>
+                                          <p:spTgt spid="12">
+                                            <p:txEl>
+                                              <p:pRg st="0" end="0"/>
+                                            </p:txEl>
+                                          </p:spTgt>
+                                        </p:tgtEl>
+                                        <p:attrNameLst>
+                                          <p:attrName>ppt_y</p:attrName>
+                                        </p:attrNameLst>
+                                      </p:cBhvr>
+                                      <p:tavLst>
+                                        <p:tav tm="0">
+                                          <p:val>
+                                            <p:strVal val="1+#ppt_h/2"/>
+                                          </p:val>
+                                        </p:tav>
+                                        <p:tav tm="100000">
+                                          <p:val>
+                                            <p:strVal val="#ppt_y"/>
+                                          </p:val>
+                                        </p:tav>
+                                      </p:tavLst>
+                                    </p:anim>
+                                  </p:childTnLst>
+                                </p:cTn>
+                              </p:par>
+                            </p:childTnLst>
+                          </p:cTn>
+                        </p:par>
+                      </p:childTnLst>
+                    </p:cTn>
+                  </p:par>
+                  <p:par>
+                    <p:cTn id="9" fill="hold">
+                      <p:stCondLst>
+                        <p:cond delay="indefinite"/>
+                      </p:stCondLst>
+                      <p:childTnLst>
+                        <p:par>
+                          <p:cTn id="10" fill="hold">
+                            <p:stCondLst>
+                              <p:cond delay="0"/>
+                            </p:stCondLst>
+                            <p:childTnLst>
+                              <p:par>
+                                <p:cTn id="11" presetID="2" presetClass="entr" presetSubtype="4" fill="hold" nodeType="clickEffect">
+                                  <p:stCondLst>
+                                    <p:cond delay="0"/>
+                                  </p:stCondLst>
+                                  <p:childTnLst>
+                                    <p:set>
+                                      <p:cBhvr>
+                                        <p:cTn id="12" dur="1" fill="hold">
+                                          <p:stCondLst>
+                                            <p:cond delay="0"/>
+                                          </p:stCondLst>
+                                        </p:cTn>
+                                        <p:tgtEl>
+                                          <p:spTgt spid="12">
+                                            <p:txEl>
+                                              <p:pRg st="2" end="2"/>
+                                            </p:txEl>
+                                          </p:spTgt>
+                                        </p:tgtEl>
+                                        <p:attrNameLst>
+                                          <p:attrName>style.visibility</p:attrName>
+                                        </p:attrNameLst>
+                                      </p:cBhvr>
+                                      <p:to>
+                                        <p:strVal val="visible"/>
+                                      </p:to>
+                                    </p:set>
+                                    <p:anim calcmode="lin" valueType="num">
+                                      <p:cBhvr additive="base">
+                                        <p:cTn id="13" dur="500" fill="hold"/>
+                                        <p:tgtEl>
+                                          <p:spTgt spid="12">
+                                            <p:txEl>
+                                              <p:pRg st="2" end="2"/>
+                                            </p:txEl>
+                                          </p:spTgt>
+                                        </p:tgtEl>
+                                        <p:attrNameLst>
+                                          <p:attrName>ppt_x</p:attrName>
+                                        </p:attrNameLst>
+                                      </p:cBhvr>
+                                      <p:tavLst>
+                                        <p:tav tm="0">
+                                          <p:val>
+                                            <p:strVal val="#ppt_x"/>
+                                          </p:val>
+                                        </p:tav>
+                                        <p:tav tm="100000">
+                                          <p:val>
+                                            <p:strVal val="#ppt_x"/>
+                                          </p:val>
+                                        </p:tav>
+                                      </p:tavLst>
+                                    </p:anim>
+                                    <p:anim calcmode="lin" valueType="num">
+                                      <p:cBhvr additive="base">
+                                        <p:cTn id="14" dur="500" fill="hold"/>
+                                        <p:tgtEl>
+                                          <p:spTgt spid="12">
+                                            <p:txEl>
+                                              <p:pRg st="2" end="2"/>
+                                            </p:txEl>
+                                          </p:spTgt>
+                                        </p:tgtEl>
+                                        <p:attrNameLst>
+                                          <p:attrName>ppt_y</p:attrName>
+                                        </p:attrNameLst>
+                                      </p:cBhvr>
+                                      <p:tavLst>
+                                        <p:tav tm="0">
+                                          <p:val>
+                                            <p:strVal val="1+#ppt_h/2"/>
+                                          </p:val>
+                                        </p:tav>
+                                        <p:tav tm="100000">
+                                          <p:val>
+                                            <p:strVal val="#ppt_y"/>
+                                          </p:val>
+                                        </p:tav>
+                                      </p:tavLst>
+                                    </p:anim>
+                                  </p:childTnLst>
+                                </p:cTn>
+                              </p:par>
+                            </p:childTnLst>
+                          </p:cTn>
+                        </p:par>
+                      </p:childTnLst>
+                    </p:cTn>
+                  </p:par>
+                  <p:par>
+                    <p:cTn id="15" fill="hold">
+                      <p:stCondLst>
+                        <p:cond delay="indefinite"/>
+                      </p:stCondLst>
+                      <p:childTnLst>
+                        <p:par>
+                          <p:cTn id="16" fill="hold">
+                            <p:stCondLst>
+                              <p:cond delay="0"/>
+                            </p:stCondLst>
+                            <p:childTnLst>
+                              <p:par>
+                                <p:cTn id="17" presetID="42" presetClass="entr" presetSubtype="0" fill="hold" nodeType="clickEffect">
+                                  <p:stCondLst>
+                                    <p:cond delay="0"/>
+                                  </p:stCondLst>
+                                  <p:childTnLst>
+                                    <p:set>
+                                      <p:cBhvr>
+                                        <p:cTn id="18" dur="1" fill="hold">
+                                          <p:stCondLst>
+                                            <p:cond delay="0"/>
+                                          </p:stCondLst>
+                                        </p:cTn>
+                                        <p:tgtEl>
+                                          <p:spTgt spid="13"/>
+                                        </p:tgtEl>
+                                        <p:attrNameLst>
+                                          <p:attrName>style.visibility</p:attrName>
+                                        </p:attrNameLst>
+                                      </p:cBhvr>
+                                      <p:to>
+                                        <p:strVal val="visible"/>
+                                      </p:to>
+                                    </p:set>
+                                    <p:animEffect transition="in" filter="fade">
+                                      <p:cBhvr>
+                                        <p:cTn id="19" dur="1000"/>
+                                        <p:tgtEl>
+                                          <p:spTgt spid="13"/>
+                                        </p:tgtEl>
+                                      </p:cBhvr>
+                                    </p:animEffect>
+                                    <p:anim calcmode="lin" valueType="num">
+                                      <p:cBhvr>
+                                        <p:cTn id="20" dur="1000" fill="hold"/>
+                                        <p:tgtEl>
+                                          <p:spTgt spid="13"/>
+                                        </p:tgtEl>
+                                        <p:attrNameLst>
+                                          <p:attrName>ppt_x</p:attrName>
+                                        </p:attrNameLst>
+                                      </p:cBhvr>
+                                      <p:tavLst>
+                                        <p:tav tm="0">
+                                          <p:val>
+                                            <p:strVal val="#ppt_x"/>
+                                          </p:val>
+                                        </p:tav>
+                                        <p:tav tm="100000">
+                                          <p:val>
+                                            <p:strVal val="#ppt_x"/>
+                                          </p:val>
+                                        </p:tav>
+                                      </p:tavLst>
+                                    </p:anim>
+                                    <p:anim calcmode="lin" valueType="num">
+                                      <p:cBhvr>
+                                        <p:cTn id="21" dur="1000" fill="hold"/>
+                                        <p:tgtEl>
+                                          <p:spTgt spid="13"/>
+                                        </p:tgtEl>
+                                        <p:attrNameLst>
+                                          <p:attrName>ppt_y</p:attrName>
+                                        </p:attrNameLst>
+                                      </p:cBhvr>
+                                      <p:tavLst>
+                                        <p:tav tm="0">
+                                          <p:val>
+                                            <p:strVal val="#ppt_y+.1"/>
+                                          </p:val>
+                                        </p:tav>
+                                        <p:tav tm="100000">
+                                          <p:val>
+                                            <p:strVal val="#ppt_y"/>
+                                          </p:val>
+                                        </p:tav>
+                                      </p:tavLst>
+                                    </p:anim>
+                                  </p:childTnLst>
+                                </p:cTn>
+                              </p:par>
+                            </p:childTnLst>
+                          </p:cTn>
+                        </p:par>
+                      </p:childTnLst>
+                    </p:cTn>
+                  </p:par>
+                </p:childTnLst>
+              </p:cTn>
+              <p:prevCondLst>
+                <p:cond evt="onPrev" delay="0">
+                  <p:tgtEl>
+                    <p:sldTgt/>
+                  </p:tgtEl>
+                </p:cond>
+              </p:prevCondLst>
+              <p:nextCondLst>
+                <p:cond evt="onNext" delay="0">
+                  <p:tgtEl>
+                    <p:sldTgt/>
+                  </p:tgtEl>
+                </p:cond>
+              </p:nextCondLst>
+            </p:seq>
+          </p:childTnLst>
+        </p:cTn>
+      </p:par>
+    </p:tnLst>
+  </p:timing>
 </p:sld>
 </file>
 
@@ -19306,6 +24564,229 @@
   <p:clrMapOvr>
     <a:masterClrMapping/>
   </p:clrMapOvr>
+  <p:timing>
+    <p:tnLst>
+      <p:par>
+        <p:cTn id="1" dur="indefinite" restart="never" nodeType="tmRoot">
+          <p:childTnLst>
+            <p:seq concurrent="1" nextAc="seek">
+              <p:cTn id="2" dur="indefinite" nodeType="mainSeq">
+                <p:childTnLst>
+                  <p:par>
+                    <p:cTn id="3" fill="hold">
+                      <p:stCondLst>
+                        <p:cond delay="indefinite"/>
+                      </p:stCondLst>
+                      <p:childTnLst>
+                        <p:par>
+                          <p:cTn id="4" fill="hold">
+                            <p:stCondLst>
+                              <p:cond delay="0"/>
+                            </p:stCondLst>
+                            <p:childTnLst>
+                              <p:par>
+                                <p:cTn id="5" presetID="2" presetClass="entr" presetSubtype="4" fill="hold" grpId="0" nodeType="clickEffect">
+                                  <p:stCondLst>
+                                    <p:cond delay="0"/>
+                                  </p:stCondLst>
+                                  <p:childTnLst>
+                                    <p:set>
+                                      <p:cBhvr>
+                                        <p:cTn id="6" dur="1" fill="hold">
+                                          <p:stCondLst>
+                                            <p:cond delay="0"/>
+                                          </p:stCondLst>
+                                        </p:cTn>
+                                        <p:tgtEl>
+                                          <p:spTgt spid="8"/>
+                                        </p:tgtEl>
+                                        <p:attrNameLst>
+                                          <p:attrName>style.visibility</p:attrName>
+                                        </p:attrNameLst>
+                                      </p:cBhvr>
+                                      <p:to>
+                                        <p:strVal val="visible"/>
+                                      </p:to>
+                                    </p:set>
+                                    <p:anim calcmode="lin" valueType="num">
+                                      <p:cBhvr additive="base">
+                                        <p:cTn id="7" dur="1000" fill="hold"/>
+                                        <p:tgtEl>
+                                          <p:spTgt spid="8"/>
+                                        </p:tgtEl>
+                                        <p:attrNameLst>
+                                          <p:attrName>ppt_x</p:attrName>
+                                        </p:attrNameLst>
+                                      </p:cBhvr>
+                                      <p:tavLst>
+                                        <p:tav tm="0">
+                                          <p:val>
+                                            <p:strVal val="#ppt_x"/>
+                                          </p:val>
+                                        </p:tav>
+                                        <p:tav tm="100000">
+                                          <p:val>
+                                            <p:strVal val="#ppt_x"/>
+                                          </p:val>
+                                        </p:tav>
+                                      </p:tavLst>
+                                    </p:anim>
+                                    <p:anim calcmode="lin" valueType="num">
+                                      <p:cBhvr additive="base">
+                                        <p:cTn id="8" dur="1000" fill="hold"/>
+                                        <p:tgtEl>
+                                          <p:spTgt spid="8"/>
+                                        </p:tgtEl>
+                                        <p:attrNameLst>
+                                          <p:attrName>ppt_y</p:attrName>
+                                        </p:attrNameLst>
+                                      </p:cBhvr>
+                                      <p:tavLst>
+                                        <p:tav tm="0">
+                                          <p:val>
+                                            <p:strVal val="1+#ppt_h/2"/>
+                                          </p:val>
+                                        </p:tav>
+                                        <p:tav tm="100000">
+                                          <p:val>
+                                            <p:strVal val="#ppt_y"/>
+                                          </p:val>
+                                        </p:tav>
+                                      </p:tavLst>
+                                    </p:anim>
+                                  </p:childTnLst>
+                                </p:cTn>
+                              </p:par>
+                            </p:childTnLst>
+                          </p:cTn>
+                        </p:par>
+                      </p:childTnLst>
+                    </p:cTn>
+                  </p:par>
+                  <p:par>
+                    <p:cTn id="9" fill="hold">
+                      <p:stCondLst>
+                        <p:cond delay="indefinite"/>
+                      </p:stCondLst>
+                      <p:childTnLst>
+                        <p:par>
+                          <p:cTn id="10" fill="hold">
+                            <p:stCondLst>
+                              <p:cond delay="0"/>
+                            </p:stCondLst>
+                            <p:childTnLst>
+                              <p:par>
+                                <p:cTn id="11" presetID="42" presetClass="entr" presetSubtype="0" fill="hold" nodeType="clickEffect">
+                                  <p:stCondLst>
+                                    <p:cond delay="0"/>
+                                  </p:stCondLst>
+                                  <p:childTnLst>
+                                    <p:set>
+                                      <p:cBhvr>
+                                        <p:cTn id="12" dur="1" fill="hold">
+                                          <p:stCondLst>
+                                            <p:cond delay="0"/>
+                                          </p:stCondLst>
+                                        </p:cTn>
+                                        <p:tgtEl>
+                                          <p:spTgt spid="13"/>
+                                        </p:tgtEl>
+                                        <p:attrNameLst>
+                                          <p:attrName>style.visibility</p:attrName>
+                                        </p:attrNameLst>
+                                      </p:cBhvr>
+                                      <p:to>
+                                        <p:strVal val="visible"/>
+                                      </p:to>
+                                    </p:set>
+                                    <p:animEffect transition="in" filter="fade">
+                                      <p:cBhvr>
+                                        <p:cTn id="13" dur="1000"/>
+                                        <p:tgtEl>
+                                          <p:spTgt spid="13"/>
+                                        </p:tgtEl>
+                                      </p:cBhvr>
+                                    </p:animEffect>
+                                    <p:anim calcmode="lin" valueType="num">
+                                      <p:cBhvr>
+                                        <p:cTn id="14" dur="1000" fill="hold"/>
+                                        <p:tgtEl>
+                                          <p:spTgt spid="13"/>
+                                        </p:tgtEl>
+                                        <p:attrNameLst>
+                                          <p:attrName>ppt_x</p:attrName>
+                                        </p:attrNameLst>
+                                      </p:cBhvr>
+                                      <p:tavLst>
+                                        <p:tav tm="0">
+                                          <p:val>
+                                            <p:strVal val="#ppt_x"/>
+                                          </p:val>
+                                        </p:tav>
+                                        <p:tav tm="100000">
+                                          <p:val>
+                                            <p:strVal val="#ppt_x"/>
+                                          </p:val>
+                                        </p:tav>
+                                      </p:tavLst>
+                                    </p:anim>
+                                    <p:anim calcmode="lin" valueType="num">
+                                      <p:cBhvr>
+                                        <p:cTn id="15" dur="1000" fill="hold"/>
+                                        <p:tgtEl>
+                                          <p:spTgt spid="13"/>
+                                        </p:tgtEl>
+                                        <p:attrNameLst>
+                                          <p:attrName>ppt_y</p:attrName>
+                                        </p:attrNameLst>
+                                      </p:cBhvr>
+                                      <p:tavLst>
+                                        <p:tav tm="0">
+                                          <p:val>
+                                            <p:strVal val="#ppt_y+.1"/>
+                                          </p:val>
+                                        </p:tav>
+                                        <p:tav tm="100000">
+                                          <p:val>
+                                            <p:strVal val="#ppt_y"/>
+                                          </p:val>
+                                        </p:tav>
+                                      </p:tavLst>
+                                    </p:anim>
+                                  </p:childTnLst>
+                                </p:cTn>
+                              </p:par>
+                            </p:childTnLst>
+                          </p:cTn>
+                        </p:par>
+                      </p:childTnLst>
+                    </p:cTn>
+                  </p:par>
+                </p:childTnLst>
+              </p:cTn>
+              <p:prevCondLst>
+                <p:cond evt="onPrev" delay="0">
+                  <p:tgtEl>
+                    <p:sldTgt/>
+                  </p:tgtEl>
+                </p:cond>
+              </p:prevCondLst>
+              <p:nextCondLst>
+                <p:cond evt="onNext" delay="0">
+                  <p:tgtEl>
+                    <p:sldTgt/>
+                  </p:tgtEl>
+                </p:cond>
+              </p:nextCondLst>
+            </p:seq>
+          </p:childTnLst>
+        </p:cTn>
+      </p:par>
+    </p:tnLst>
+    <p:bldLst>
+      <p:bldP spid="8" grpId="0"/>
+    </p:bldLst>
+  </p:timing>
 </p:sld>
 </file>
 
@@ -20101,6 +25582,15 @@
 </file>
 
 <file path=customXml/item1.xml><?xml version="1.0" encoding="utf-8"?>
+<?mso-contentType ?>
+<FormTemplates xmlns="http://schemas.microsoft.com/sharepoint/v3/contenttype/forms">
+  <Display>DocumentLibraryForm</Display>
+  <Edit>DocumentLibraryForm</Edit>
+  <New>DocumentLibraryForm</New>
+</FormTemplates>
+</file>
+
+<file path=customXml/item2.xml><?xml version="1.0" encoding="utf-8"?>
 <p:properties xmlns:p="http://schemas.microsoft.com/office/2006/metadata/properties" xmlns:xsi="http://www.w3.org/2001/XMLSchema-instance" xmlns:pc="http://schemas.microsoft.com/office/infopath/2007/PartnerControls">
   <documentManagement>
     <_ip_UnifiedCompliancePolicyUIAction xmlns="http://schemas.microsoft.com/sharepoint/v3" xsi:nil="true"/>
@@ -20117,15 +25607,6 @@
     <MediaServiceKeyPoints xmlns="71af3243-3dd4-4a8d-8c0d-dd76da1f02a5" xsi:nil="true"/>
   </documentManagement>
 </p:properties>
-</file>
-
-<file path=customXml/item2.xml><?xml version="1.0" encoding="utf-8"?>
-<?mso-contentType ?>
-<FormTemplates xmlns="http://schemas.microsoft.com/sharepoint/v3/contenttype/forms">
-  <Display>DocumentLibraryForm</Display>
-  <Edit>DocumentLibraryForm</Edit>
-  <New>DocumentLibraryForm</New>
-</FormTemplates>
 </file>
 
 <file path=customXml/item3.xml><?xml version="1.0" encoding="utf-8"?>
@@ -20405,6 +25886,14 @@
 </file>
 
 <file path=customXml/itemProps1.xml><?xml version="1.0" encoding="utf-8"?>
+<ds:datastoreItem xmlns:ds="http://schemas.openxmlformats.org/officeDocument/2006/customXml" ds:itemID="{2D446390-8521-40A2-A462-EA068123BED9}">
+  <ds:schemaRefs>
+    <ds:schemaRef ds:uri="http://schemas.microsoft.com/sharepoint/v3/contenttype/forms"/>
+  </ds:schemaRefs>
+</ds:datastoreItem>
+</file>
+
+<file path=customXml/itemProps2.xml><?xml version="1.0" encoding="utf-8"?>
 <ds:datastoreItem xmlns:ds="http://schemas.openxmlformats.org/officeDocument/2006/customXml" ds:itemID="{B5BA3906-9696-4247-AC0D-DD5C26B2A70A}">
   <ds:schemaRefs>
     <ds:schemaRef ds:uri="http://schemas.microsoft.com/office/2006/metadata/properties"/>
@@ -20412,14 +25901,6 @@
     <ds:schemaRef ds:uri="http://schemas.microsoft.com/sharepoint/v3"/>
     <ds:schemaRef ds:uri="71af3243-3dd4-4a8d-8c0d-dd76da1f02a5"/>
     <ds:schemaRef ds:uri="230e9df3-be65-4c73-a93b-d1236ebd677e"/>
-  </ds:schemaRefs>
-</ds:datastoreItem>
-</file>
-
-<file path=customXml/itemProps2.xml><?xml version="1.0" encoding="utf-8"?>
-<ds:datastoreItem xmlns:ds="http://schemas.openxmlformats.org/officeDocument/2006/customXml" ds:itemID="{2D446390-8521-40A2-A462-EA068123BED9}">
-  <ds:schemaRefs>
-    <ds:schemaRef ds:uri="http://schemas.microsoft.com/sharepoint/v3/contenttype/forms"/>
   </ds:schemaRefs>
 </ds:datastoreItem>
 </file>
